--- a/project/MustEat.pptx
+++ b/project/MustEat.pptx
@@ -5,23 +5,22 @@
     <p:sldMasterId id="2147483662" r:id="rId1"/>
   </p:sldMasterIdLst>
   <p:notesMasterIdLst>
-    <p:notesMasterId r:id="rId16"/>
+    <p:notesMasterId r:id="rId15"/>
   </p:notesMasterIdLst>
   <p:sldIdLst>
     <p:sldId id="256" r:id="rId2"/>
     <p:sldId id="260" r:id="rId3"/>
     <p:sldId id="257" r:id="rId4"/>
-    <p:sldId id="270" r:id="rId5"/>
-    <p:sldId id="271" r:id="rId6"/>
-    <p:sldId id="272" r:id="rId7"/>
-    <p:sldId id="275" r:id="rId8"/>
-    <p:sldId id="273" r:id="rId9"/>
-    <p:sldId id="276" r:id="rId10"/>
-    <p:sldId id="274" r:id="rId11"/>
-    <p:sldId id="277" r:id="rId12"/>
-    <p:sldId id="278" r:id="rId13"/>
-    <p:sldId id="279" r:id="rId14"/>
-    <p:sldId id="268" r:id="rId15"/>
+    <p:sldId id="271" r:id="rId5"/>
+    <p:sldId id="272" r:id="rId6"/>
+    <p:sldId id="275" r:id="rId7"/>
+    <p:sldId id="273" r:id="rId8"/>
+    <p:sldId id="276" r:id="rId9"/>
+    <p:sldId id="274" r:id="rId10"/>
+    <p:sldId id="277" r:id="rId11"/>
+    <p:sldId id="278" r:id="rId12"/>
+    <p:sldId id="279" r:id="rId13"/>
+    <p:sldId id="268" r:id="rId14"/>
   </p:sldIdLst>
   <p:sldSz cx="18288000" cy="10287000"/>
   <p:notesSz cx="10287000" cy="18288000"/>
@@ -221,7 +220,7 @@
           <a:p>
             <a:fld id="{63DAB369-9DF5-4D7C-B786-077A14EAA47D}" type="datetimeFigureOut">
               <a:rPr lang="ko-KR" altLang="en-US" smtClean="0"/>
-              <a:t>2023-03-19</a:t>
+              <a:t>2023-03-20</a:t>
             </a:fld>
             <a:endParaRPr lang="ko-KR" altLang="en-US"/>
           </a:p>
@@ -667,7 +666,7 @@
           <a:p>
             <a:fld id="{F8166F1F-CE9B-4651-A6AA-CD717754106B}" type="datetimeFigureOut">
               <a:rPr lang="en-US" smtClean="0"/>
-              <a:t>3/19/2023</a:t>
+              <a:t>3/20/2023</a:t>
             </a:fld>
             <a:endParaRPr lang="en-US"/>
           </a:p>
@@ -830,7 +829,7 @@
           <a:p>
             <a:fld id="{A76116CE-C4A3-4A05-B2D7-7C2E9A889C0F}" type="datetimeFigureOut">
               <a:rPr lang="en-US" smtClean="0"/>
-              <a:t>3/19/2023</a:t>
+              <a:t>3/20/2023</a:t>
             </a:fld>
             <a:endParaRPr lang="en-US"/>
           </a:p>
@@ -1003,7 +1002,7 @@
           <a:p>
             <a:fld id="{A76116CE-C4A3-4A05-B2D7-7C2E9A889C0F}" type="datetimeFigureOut">
               <a:rPr lang="en-US" smtClean="0"/>
-              <a:t>3/19/2023</a:t>
+              <a:t>3/20/2023</a:t>
             </a:fld>
             <a:endParaRPr lang="en-US"/>
           </a:p>
@@ -1168,7 +1167,7 @@
           <a:p>
             <a:fld id="{A76116CE-C4A3-4A05-B2D7-7C2E9A889C0F}" type="datetimeFigureOut">
               <a:rPr lang="en-US" smtClean="0"/>
-              <a:t>3/19/2023</a:t>
+              <a:t>3/20/2023</a:t>
             </a:fld>
             <a:endParaRPr lang="en-US"/>
           </a:p>
@@ -1408,7 +1407,7 @@
           <a:p>
             <a:fld id="{A76116CE-C4A3-4A05-B2D7-7C2E9A889C0F}" type="datetimeFigureOut">
               <a:rPr lang="en-US" smtClean="0"/>
-              <a:t>3/19/2023</a:t>
+              <a:t>3/20/2023</a:t>
             </a:fld>
             <a:endParaRPr lang="en-US"/>
           </a:p>
@@ -1688,7 +1687,7 @@
           <a:p>
             <a:fld id="{A76116CE-C4A3-4A05-B2D7-7C2E9A889C0F}" type="datetimeFigureOut">
               <a:rPr lang="en-US" smtClean="0"/>
-              <a:t>3/19/2023</a:t>
+              <a:t>3/20/2023</a:t>
             </a:fld>
             <a:endParaRPr lang="en-US"/>
           </a:p>
@@ -2102,7 +2101,7 @@
           <a:p>
             <a:fld id="{A76116CE-C4A3-4A05-B2D7-7C2E9A889C0F}" type="datetimeFigureOut">
               <a:rPr lang="en-US" smtClean="0"/>
-              <a:t>3/19/2023</a:t>
+              <a:t>3/20/2023</a:t>
             </a:fld>
             <a:endParaRPr lang="en-US"/>
           </a:p>
@@ -2214,7 +2213,7 @@
           <a:p>
             <a:fld id="{A76116CE-C4A3-4A05-B2D7-7C2E9A889C0F}" type="datetimeFigureOut">
               <a:rPr lang="en-US" smtClean="0"/>
-              <a:t>3/19/2023</a:t>
+              <a:t>3/20/2023</a:t>
             </a:fld>
             <a:endParaRPr lang="en-US"/>
           </a:p>
@@ -2304,7 +2303,7 @@
           <a:p>
             <a:fld id="{A76116CE-C4A3-4A05-B2D7-7C2E9A889C0F}" type="datetimeFigureOut">
               <a:rPr lang="en-US" smtClean="0"/>
-              <a:t>3/19/2023</a:t>
+              <a:t>3/20/2023</a:t>
             </a:fld>
             <a:endParaRPr lang="en-US"/>
           </a:p>
@@ -2574,7 +2573,7 @@
           <a:p>
             <a:fld id="{A76116CE-C4A3-4A05-B2D7-7C2E9A889C0F}" type="datetimeFigureOut">
               <a:rPr lang="en-US" smtClean="0"/>
-              <a:t>3/19/2023</a:t>
+              <a:t>3/20/2023</a:t>
             </a:fld>
             <a:endParaRPr lang="en-US"/>
           </a:p>
@@ -2821,7 +2820,7 @@
           <a:p>
             <a:fld id="{A76116CE-C4A3-4A05-B2D7-7C2E9A889C0F}" type="datetimeFigureOut">
               <a:rPr lang="en-US" smtClean="0"/>
-              <a:t>3/19/2023</a:t>
+              <a:t>3/20/2023</a:t>
             </a:fld>
             <a:endParaRPr lang="en-US"/>
           </a:p>
@@ -3027,7 +3026,7 @@
           <a:p>
             <a:fld id="{F8166F1F-CE9B-4651-A6AA-CD717754106B}" type="datetimeFigureOut">
               <a:rPr lang="en-US" smtClean="0"/>
-              <a:t>3/19/2023</a:t>
+              <a:t>3/20/2023</a:t>
             </a:fld>
             <a:endParaRPr lang="en-US"/>
           </a:p>
@@ -3772,7 +3771,7 @@
     <mc:Choice Requires="p14">
       <p:transition/>
     </mc:Choice>
-    <mc:Fallback xmlns:dsp="http://schemas.microsoft.com/office/drawing/2008/diagram" xmlns:dgm="http://schemas.openxmlformats.org/drawingml/2006/diagram" xmlns:c="http://schemas.openxmlformats.org/drawingml/2006/chart" xmlns="">
+    <mc:Fallback xmlns="" xmlns:c="http://schemas.openxmlformats.org/drawingml/2006/chart" xmlns:dgm="http://schemas.openxmlformats.org/drawingml/2006/diagram" xmlns:dsp="http://schemas.microsoft.com/office/drawing/2008/diagram">
       <p:transition/>
     </mc:Fallback>
   </mc:AlternateContent>
@@ -3907,102 +3906,36 @@
                 <a:latin typeface="Gmarket Sans Medium" pitchFamily="34" charset="0"/>
                 <a:cs typeface="Gmarket Sans Medium" pitchFamily="34" charset="0"/>
               </a:rPr>
-              <a:t>6. </a:t>
-            </a:r>
-            <a:r>
-              <a:rPr lang="ko-KR" altLang="en-US" sz="4000" dirty="0" err="1">
+              <a:t>7. </a:t>
+            </a:r>
+            <a:r>
+              <a:rPr lang="ko-KR" altLang="en-US" sz="4000" dirty="0">
                 <a:solidFill>
                   <a:srgbClr val="0181D8"/>
                 </a:solidFill>
                 <a:latin typeface="Gmarket Sans Medium" pitchFamily="34" charset="0"/>
                 <a:cs typeface="Gmarket Sans Medium" pitchFamily="34" charset="0"/>
               </a:rPr>
-              <a:t>유스케이스</a:t>
-            </a:r>
-            <a:r>
-              <a:rPr lang="ko-KR" altLang="en-US" sz="4000" dirty="0">
+              <a:t>순차 다이어그램 </a:t>
+            </a:r>
+            <a:r>
+              <a:rPr lang="en-US" altLang="ko-KR" sz="4000" dirty="0">
                 <a:solidFill>
                   <a:srgbClr val="0181D8"/>
                 </a:solidFill>
                 <a:latin typeface="Gmarket Sans Medium" pitchFamily="34" charset="0"/>
                 <a:cs typeface="Gmarket Sans Medium" pitchFamily="34" charset="0"/>
               </a:rPr>
-              <a:t> 다이어그램 </a:t>
-            </a:r>
-            <a:r>
-              <a:rPr lang="en-US" altLang="ko-KR" sz="4000" dirty="0">
-                <a:solidFill>
-                  <a:srgbClr val="0181D8"/>
-                </a:solidFill>
-                <a:latin typeface="Gmarket Sans Medium" pitchFamily="34" charset="0"/>
-                <a:cs typeface="Gmarket Sans Medium" pitchFamily="34" charset="0"/>
-              </a:rPr>
-              <a:t>(</a:t>
-            </a:r>
-            <a:r>
-              <a:rPr lang="en-US" altLang="ko-KR" sz="4000" dirty="0" err="1">
-                <a:solidFill>
-                  <a:srgbClr val="0181D8"/>
-                </a:solidFill>
-                <a:latin typeface="Gmarket Sans Medium" pitchFamily="34" charset="0"/>
-                <a:cs typeface="Gmarket Sans Medium" pitchFamily="34" charset="0"/>
-              </a:rPr>
-              <a:t>Usecase</a:t>
-            </a:r>
-            <a:r>
-              <a:rPr lang="en-US" altLang="ko-KR" sz="4000" dirty="0">
-                <a:solidFill>
-                  <a:srgbClr val="0181D8"/>
-                </a:solidFill>
-                <a:latin typeface="Gmarket Sans Medium" pitchFamily="34" charset="0"/>
-                <a:cs typeface="Gmarket Sans Medium" pitchFamily="34" charset="0"/>
-              </a:rPr>
-              <a:t> Diagram)</a:t>
+              <a:t>(Sequence Diagram)</a:t>
             </a:r>
             <a:endParaRPr lang="en-US" dirty="0"/>
           </a:p>
         </p:txBody>
       </p:sp>
-      <p:pic>
-        <p:nvPicPr>
-          <p:cNvPr id="4" name="그림 3">
-            <a:extLst>
-              <a:ext uri="{FF2B5EF4-FFF2-40B4-BE49-F238E27FC236}">
-                <a16:creationId xmlns:a16="http://schemas.microsoft.com/office/drawing/2014/main" id="{E3CDB70D-1340-43DA-ABD3-9B37AE4DB0BD}"/>
-              </a:ext>
-            </a:extLst>
-          </p:cNvPr>
-          <p:cNvPicPr>
-            <a:picLocks noChangeAspect="1"/>
-          </p:cNvPicPr>
-          <p:nvPr/>
-        </p:nvPicPr>
-        <p:blipFill>
-          <a:blip r:embed="rId3">
-            <a:extLst>
-              <a:ext uri="{28A0092B-C50C-407E-A947-70E740481C1C}">
-                <a14:useLocalDpi xmlns:a14="http://schemas.microsoft.com/office/drawing/2010/main" val="0"/>
-              </a:ext>
-            </a:extLst>
-          </a:blip>
-          <a:stretch>
-            <a:fillRect/>
-          </a:stretch>
-        </p:blipFill>
-        <p:spPr>
-          <a:xfrm>
-            <a:off x="140191" y="1506504"/>
-            <a:ext cx="16230600" cy="8988159"/>
-          </a:xfrm>
-          <a:prstGeom prst="rect">
-            <a:avLst/>
-          </a:prstGeom>
-        </p:spPr>
-      </p:pic>
     </p:spTree>
     <p:extLst>
       <p:ext uri="{BB962C8B-B14F-4D97-AF65-F5344CB8AC3E}">
-        <p14:creationId xmlns:p14="http://schemas.microsoft.com/office/powerpoint/2010/main" val="4108203812"/>
+        <p14:creationId xmlns:p14="http://schemas.microsoft.com/office/powerpoint/2010/main" val="3944116187"/>
       </p:ext>
     </p:extLst>
   </p:cSld>
@@ -4140,7 +4073,7 @@
                 <a:latin typeface="Gmarket Sans Medium" pitchFamily="34" charset="0"/>
                 <a:cs typeface="Gmarket Sans Medium" pitchFamily="34" charset="0"/>
               </a:rPr>
-              <a:t>7. </a:t>
+              <a:t>8. </a:t>
             </a:r>
             <a:r>
               <a:rPr lang="ko-KR" altLang="en-US" sz="4000" dirty="0">
@@ -4150,17 +4083,7 @@
                 <a:latin typeface="Gmarket Sans Medium" pitchFamily="34" charset="0"/>
                 <a:cs typeface="Gmarket Sans Medium" pitchFamily="34" charset="0"/>
               </a:rPr>
-              <a:t>순차 다이어그램 </a:t>
-            </a:r>
-            <a:r>
-              <a:rPr lang="en-US" altLang="ko-KR" sz="4000" dirty="0">
-                <a:solidFill>
-                  <a:srgbClr val="0181D8"/>
-                </a:solidFill>
-                <a:latin typeface="Gmarket Sans Medium" pitchFamily="34" charset="0"/>
-                <a:cs typeface="Gmarket Sans Medium" pitchFamily="34" charset="0"/>
-              </a:rPr>
-              <a:t>(Sequence Diagram)</a:t>
+              <a:t>기능정의서 및 설계</a:t>
             </a:r>
             <a:endParaRPr lang="en-US" dirty="0"/>
           </a:p>
@@ -4169,7 +4092,7 @@
     </p:spTree>
     <p:extLst>
       <p:ext uri="{BB962C8B-B14F-4D97-AF65-F5344CB8AC3E}">
-        <p14:creationId xmlns:p14="http://schemas.microsoft.com/office/powerpoint/2010/main" val="3944116187"/>
+        <p14:creationId xmlns:p14="http://schemas.microsoft.com/office/powerpoint/2010/main" val="562973611"/>
       </p:ext>
     </p:extLst>
   </p:cSld>
@@ -4307,163 +4230,6 @@
                 <a:latin typeface="Gmarket Sans Medium" pitchFamily="34" charset="0"/>
                 <a:cs typeface="Gmarket Sans Medium" pitchFamily="34" charset="0"/>
               </a:rPr>
-              <a:t>8. </a:t>
-            </a:r>
-            <a:r>
-              <a:rPr lang="ko-KR" altLang="en-US" sz="4000" dirty="0">
-                <a:solidFill>
-                  <a:srgbClr val="0181D8"/>
-                </a:solidFill>
-                <a:latin typeface="Gmarket Sans Medium" pitchFamily="34" charset="0"/>
-                <a:cs typeface="Gmarket Sans Medium" pitchFamily="34" charset="0"/>
-              </a:rPr>
-              <a:t>기능정의서 및 설계</a:t>
-            </a:r>
-            <a:endParaRPr lang="en-US" dirty="0"/>
-          </a:p>
-        </p:txBody>
-      </p:sp>
-    </p:spTree>
-    <p:extLst>
-      <p:ext uri="{BB962C8B-B14F-4D97-AF65-F5344CB8AC3E}">
-        <p14:creationId xmlns:p14="http://schemas.microsoft.com/office/powerpoint/2010/main" val="562973611"/>
-      </p:ext>
-    </p:extLst>
-  </p:cSld>
-  <p:clrMapOvr>
-    <a:masterClrMapping/>
-  </p:clrMapOvr>
-</p:sld>
-</file>
-
-<file path=ppt/slides/slide13.xml><?xml version="1.0" encoding="utf-8"?>
-<p:sld xmlns:a="http://schemas.openxmlformats.org/drawingml/2006/main" xmlns:r="http://schemas.openxmlformats.org/officeDocument/2006/relationships" xmlns:p="http://schemas.openxmlformats.org/presentationml/2006/main">
-  <p:cSld>
-    <p:spTree>
-      <p:nvGrpSpPr>
-        <p:cNvPr id="1" name=""/>
-        <p:cNvGrpSpPr/>
-        <p:nvPr/>
-      </p:nvGrpSpPr>
-      <p:grpSpPr>
-        <a:xfrm>
-          <a:off x="0" y="0"/>
-          <a:ext cx="0" cy="0"/>
-          <a:chOff x="0" y="0"/>
-          <a:chExt cx="0" cy="0"/>
-        </a:xfrm>
-      </p:grpSpPr>
-      <p:grpSp>
-        <p:nvGrpSpPr>
-          <p:cNvPr id="1001" name="그룹 1001"/>
-          <p:cNvGrpSpPr/>
-          <p:nvPr/>
-        </p:nvGrpSpPr>
-        <p:grpSpPr>
-          <a:xfrm>
-            <a:off x="16363967" y="-482985"/>
-            <a:ext cx="1921747" cy="11251683"/>
-            <a:chOff x="16363967" y="-482985"/>
-            <a:chExt cx="1921747" cy="11251683"/>
-          </a:xfrm>
-        </p:grpSpPr>
-        <p:pic>
-          <p:nvPicPr>
-            <p:cNvPr id="3" name="Object 2"/>
-            <p:cNvPicPr>
-              <a:picLocks noChangeAspect="1"/>
-            </p:cNvPicPr>
-            <p:nvPr/>
-          </p:nvPicPr>
-          <p:blipFill>
-            <a:blip r:embed="rId2" cstate="print"/>
-            <a:stretch>
-              <a:fillRect/>
-            </a:stretch>
-          </p:blipFill>
-          <p:spPr>
-            <a:xfrm>
-              <a:off x="16363967" y="-482985"/>
-              <a:ext cx="1921747" cy="11251683"/>
-            </a:xfrm>
-            <a:prstGeom prst="rect">
-              <a:avLst/>
-            </a:prstGeom>
-          </p:spPr>
-        </p:pic>
-      </p:grpSp>
-      <p:sp>
-        <p:nvSpPr>
-          <p:cNvPr id="7" name="Object 7"/>
-          <p:cNvSpPr txBox="1"/>
-          <p:nvPr/>
-        </p:nvSpPr>
-        <p:spPr>
-          <a:xfrm rot="5400000">
-            <a:off x="12885688" y="4981274"/>
-            <a:ext cx="8988158" cy="323165"/>
-          </a:xfrm>
-          <a:prstGeom prst="rect">
-            <a:avLst/>
-          </a:prstGeom>
-          <a:noFill/>
-        </p:spPr>
-        <p:txBody>
-          <a:bodyPr wrap="square" rtlCol="0" anchor="ctr">
-            <a:spAutoFit/>
-          </a:bodyPr>
-          <a:lstStyle/>
-          <a:p>
-            <a:pPr algn="ctr"/>
-            <a:r>
-              <a:rPr lang="en-US" sz="1500" b="1" dirty="0">
-                <a:solidFill>
-                  <a:srgbClr val="FFFFFF"/>
-                </a:solidFill>
-                <a:latin typeface="Gmarket Sans Light" pitchFamily="34" charset="0"/>
-              </a:rPr>
-              <a:t>MUST - EAT</a:t>
-            </a:r>
-            <a:endParaRPr lang="en-US" dirty="0"/>
-          </a:p>
-        </p:txBody>
-      </p:sp>
-      <p:sp>
-        <p:nvSpPr>
-          <p:cNvPr id="8" name="Object 2">
-            <a:extLst>
-              <a:ext uri="{FF2B5EF4-FFF2-40B4-BE49-F238E27FC236}">
-                <a16:creationId xmlns:a16="http://schemas.microsoft.com/office/drawing/2014/main" id="{38F5CBBE-F1AF-472D-BAD3-B9FD25F1540D}"/>
-              </a:ext>
-            </a:extLst>
-          </p:cNvPr>
-          <p:cNvSpPr txBox="1"/>
-          <p:nvPr/>
-        </p:nvSpPr>
-        <p:spPr>
-          <a:xfrm>
-            <a:off x="746650" y="648777"/>
-            <a:ext cx="9735757" cy="707886"/>
-          </a:xfrm>
-          <a:prstGeom prst="rect">
-            <a:avLst/>
-          </a:prstGeom>
-          <a:noFill/>
-        </p:spPr>
-        <p:txBody>
-          <a:bodyPr wrap="square" rtlCol="0" anchor="t">
-            <a:spAutoFit/>
-          </a:bodyPr>
-          <a:lstStyle/>
-          <a:p>
-            <a:r>
-              <a:rPr lang="en-US" sz="4000" dirty="0">
-                <a:solidFill>
-                  <a:srgbClr val="000000"/>
-                </a:solidFill>
-                <a:latin typeface="Gmarket Sans Medium" pitchFamily="34" charset="0"/>
-                <a:cs typeface="Gmarket Sans Medium" pitchFamily="34" charset="0"/>
-              </a:rPr>
               <a:t>9.</a:t>
             </a:r>
             <a:r>
@@ -4502,13 +4268,7 @@
       </p:sp>
       <p:pic>
         <p:nvPicPr>
-          <p:cNvPr id="4" name="그림 3">
-            <a:extLst>
-              <a:ext uri="{FF2B5EF4-FFF2-40B4-BE49-F238E27FC236}">
-                <a16:creationId xmlns:a16="http://schemas.microsoft.com/office/drawing/2014/main" id="{1E8DB419-5323-4700-AF21-CEC0D7046F29}"/>
-              </a:ext>
-            </a:extLst>
-          </p:cNvPr>
+          <p:cNvPr id="10" name="그림 9"/>
           <p:cNvPicPr>
             <a:picLocks noChangeAspect="1"/>
           </p:cNvPicPr>
@@ -4528,8 +4288,8 @@
         </p:blipFill>
         <p:spPr>
           <a:xfrm>
-            <a:off x="1143000" y="1866900"/>
-            <a:ext cx="13985227" cy="7516426"/>
+            <a:off x="746650" y="1670846"/>
+            <a:ext cx="14872953" cy="7966090"/>
           </a:xfrm>
           <a:prstGeom prst="rect">
             <a:avLst/>
@@ -4549,7 +4309,7 @@
 </p:sld>
 </file>
 
-<file path=ppt/slides/slide14.xml><?xml version="1.0" encoding="utf-8"?>
+<file path=ppt/slides/slide13.xml><?xml version="1.0" encoding="utf-8"?>
 <p:sld xmlns:a="http://schemas.openxmlformats.org/drawingml/2006/main" xmlns:r="http://schemas.openxmlformats.org/officeDocument/2006/relationships" xmlns:p="http://schemas.openxmlformats.org/presentationml/2006/main">
   <p:cSld name="Slide 13">
     <p:bg>
@@ -6807,163 +6567,6 @@
                 <a:latin typeface="Gmarket Sans Medium" pitchFamily="34" charset="0"/>
                 <a:cs typeface="Gmarket Sans Medium" pitchFamily="34" charset="0"/>
               </a:rPr>
-              <a:t>1. </a:t>
-            </a:r>
-            <a:r>
-              <a:rPr lang="ko-KR" altLang="en-US" sz="4000" dirty="0">
-                <a:solidFill>
-                  <a:srgbClr val="0181D8"/>
-                </a:solidFill>
-                <a:latin typeface="Gmarket Sans Medium" pitchFamily="34" charset="0"/>
-                <a:cs typeface="Gmarket Sans Medium" pitchFamily="34" charset="0"/>
-              </a:rPr>
-              <a:t>주제 및 목적</a:t>
-            </a:r>
-            <a:endParaRPr lang="en-US" dirty="0"/>
-          </a:p>
-        </p:txBody>
-      </p:sp>
-    </p:spTree>
-    <p:extLst>
-      <p:ext uri="{BB962C8B-B14F-4D97-AF65-F5344CB8AC3E}">
-        <p14:creationId xmlns:p14="http://schemas.microsoft.com/office/powerpoint/2010/main" val="3801850252"/>
-      </p:ext>
-    </p:extLst>
-  </p:cSld>
-  <p:clrMapOvr>
-    <a:masterClrMapping/>
-  </p:clrMapOvr>
-</p:sld>
-</file>
-
-<file path=ppt/slides/slide5.xml><?xml version="1.0" encoding="utf-8"?>
-<p:sld xmlns:a="http://schemas.openxmlformats.org/drawingml/2006/main" xmlns:r="http://schemas.openxmlformats.org/officeDocument/2006/relationships" xmlns:p="http://schemas.openxmlformats.org/presentationml/2006/main">
-  <p:cSld>
-    <p:spTree>
-      <p:nvGrpSpPr>
-        <p:cNvPr id="1" name=""/>
-        <p:cNvGrpSpPr/>
-        <p:nvPr/>
-      </p:nvGrpSpPr>
-      <p:grpSpPr>
-        <a:xfrm>
-          <a:off x="0" y="0"/>
-          <a:ext cx="0" cy="0"/>
-          <a:chOff x="0" y="0"/>
-          <a:chExt cx="0" cy="0"/>
-        </a:xfrm>
-      </p:grpSpPr>
-      <p:grpSp>
-        <p:nvGrpSpPr>
-          <p:cNvPr id="1001" name="그룹 1001"/>
-          <p:cNvGrpSpPr/>
-          <p:nvPr/>
-        </p:nvGrpSpPr>
-        <p:grpSpPr>
-          <a:xfrm>
-            <a:off x="16363967" y="-482985"/>
-            <a:ext cx="1921747" cy="11251683"/>
-            <a:chOff x="16363967" y="-482985"/>
-            <a:chExt cx="1921747" cy="11251683"/>
-          </a:xfrm>
-        </p:grpSpPr>
-        <p:pic>
-          <p:nvPicPr>
-            <p:cNvPr id="3" name="Object 2"/>
-            <p:cNvPicPr>
-              <a:picLocks noChangeAspect="1"/>
-            </p:cNvPicPr>
-            <p:nvPr/>
-          </p:nvPicPr>
-          <p:blipFill>
-            <a:blip r:embed="rId2" cstate="print"/>
-            <a:stretch>
-              <a:fillRect/>
-            </a:stretch>
-          </p:blipFill>
-          <p:spPr>
-            <a:xfrm>
-              <a:off x="16363967" y="-482985"/>
-              <a:ext cx="1921747" cy="11251683"/>
-            </a:xfrm>
-            <a:prstGeom prst="rect">
-              <a:avLst/>
-            </a:prstGeom>
-          </p:spPr>
-        </p:pic>
-      </p:grpSp>
-      <p:sp>
-        <p:nvSpPr>
-          <p:cNvPr id="7" name="Object 7"/>
-          <p:cNvSpPr txBox="1"/>
-          <p:nvPr/>
-        </p:nvSpPr>
-        <p:spPr>
-          <a:xfrm rot="5400000">
-            <a:off x="12885688" y="4981274"/>
-            <a:ext cx="8988158" cy="323165"/>
-          </a:xfrm>
-          <a:prstGeom prst="rect">
-            <a:avLst/>
-          </a:prstGeom>
-          <a:noFill/>
-        </p:spPr>
-        <p:txBody>
-          <a:bodyPr wrap="square" rtlCol="0" anchor="ctr">
-            <a:spAutoFit/>
-          </a:bodyPr>
-          <a:lstStyle/>
-          <a:p>
-            <a:pPr algn="ctr"/>
-            <a:r>
-              <a:rPr lang="en-US" sz="1500" b="1" dirty="0">
-                <a:solidFill>
-                  <a:srgbClr val="FFFFFF"/>
-                </a:solidFill>
-                <a:latin typeface="Gmarket Sans Light" pitchFamily="34" charset="0"/>
-              </a:rPr>
-              <a:t>MUST - EAT</a:t>
-            </a:r>
-            <a:endParaRPr lang="en-US" dirty="0"/>
-          </a:p>
-        </p:txBody>
-      </p:sp>
-      <p:sp>
-        <p:nvSpPr>
-          <p:cNvPr id="8" name="Object 2">
-            <a:extLst>
-              <a:ext uri="{FF2B5EF4-FFF2-40B4-BE49-F238E27FC236}">
-                <a16:creationId xmlns:a16="http://schemas.microsoft.com/office/drawing/2014/main" id="{38F5CBBE-F1AF-472D-BAD3-B9FD25F1540D}"/>
-              </a:ext>
-            </a:extLst>
-          </p:cNvPr>
-          <p:cNvSpPr txBox="1"/>
-          <p:nvPr/>
-        </p:nvSpPr>
-        <p:spPr>
-          <a:xfrm>
-            <a:off x="746650" y="648777"/>
-            <a:ext cx="9735757" cy="707886"/>
-          </a:xfrm>
-          <a:prstGeom prst="rect">
-            <a:avLst/>
-          </a:prstGeom>
-          <a:noFill/>
-        </p:spPr>
-        <p:txBody>
-          <a:bodyPr wrap="square" rtlCol="0" anchor="t">
-            <a:spAutoFit/>
-          </a:bodyPr>
-          <a:lstStyle/>
-          <a:p>
-            <a:r>
-              <a:rPr lang="en-US" sz="4000" dirty="0">
-                <a:solidFill>
-                  <a:srgbClr val="000000"/>
-                </a:solidFill>
-                <a:latin typeface="Gmarket Sans Medium" pitchFamily="34" charset="0"/>
-                <a:cs typeface="Gmarket Sans Medium" pitchFamily="34" charset="0"/>
-              </a:rPr>
               <a:t>2. </a:t>
             </a:r>
             <a:r>
@@ -10022,7 +9625,7 @@
 </p:sld>
 </file>
 
-<file path=ppt/slides/slide6.xml><?xml version="1.0" encoding="utf-8"?>
+<file path=ppt/slides/slide5.xml><?xml version="1.0" encoding="utf-8"?>
 <p:sld xmlns:a="http://schemas.openxmlformats.org/drawingml/2006/main" xmlns:r="http://schemas.openxmlformats.org/officeDocument/2006/relationships" xmlns:p="http://schemas.openxmlformats.org/presentationml/2006/main">
   <p:cSld>
     <p:spTree>
@@ -12101,7 +11704,7 @@
 </p:sld>
 </file>
 
-<file path=ppt/slides/slide7.xml><?xml version="1.0" encoding="utf-8"?>
+<file path=ppt/slides/slide6.xml><?xml version="1.0" encoding="utf-8"?>
 <p:sld xmlns:a="http://schemas.openxmlformats.org/drawingml/2006/main" xmlns:r="http://schemas.openxmlformats.org/officeDocument/2006/relationships" xmlns:p="http://schemas.openxmlformats.org/presentationml/2006/main">
   <p:cSld>
     <p:spTree>
@@ -13609,7 +13212,7 @@
 </p:sld>
 </file>
 
-<file path=ppt/slides/slide8.xml><?xml version="1.0" encoding="utf-8"?>
+<file path=ppt/slides/slide7.xml><?xml version="1.0" encoding="utf-8"?>
 <p:sld xmlns:a="http://schemas.openxmlformats.org/drawingml/2006/main" xmlns:r="http://schemas.openxmlformats.org/officeDocument/2006/relationships" xmlns:p="http://schemas.openxmlformats.org/presentationml/2006/main">
   <p:cSld>
     <p:spTree>
@@ -13763,10 +13366,803 @@
           </a:p>
         </p:txBody>
       </p:sp>
+      <p:pic>
+        <p:nvPicPr>
+          <p:cNvPr id="2" name="그림 1"/>
+          <p:cNvPicPr>
+            <a:picLocks noChangeAspect="1"/>
+          </p:cNvPicPr>
+          <p:nvPr/>
+        </p:nvPicPr>
+        <p:blipFill>
+          <a:blip r:embed="rId3">
+            <a:extLst>
+              <a:ext uri="{28A0092B-C50C-407E-A947-70E740481C1C}">
+                <a14:useLocalDpi xmlns:a14="http://schemas.microsoft.com/office/drawing/2010/main" val="0"/>
+              </a:ext>
+            </a:extLst>
+          </a:blip>
+          <a:stretch>
+            <a:fillRect/>
+          </a:stretch>
+        </p:blipFill>
+        <p:spPr>
+          <a:xfrm>
+            <a:off x="2895600" y="1485900"/>
+            <a:ext cx="10360525" cy="8519715"/>
+          </a:xfrm>
+          <a:prstGeom prst="rect">
+            <a:avLst/>
+          </a:prstGeom>
+        </p:spPr>
+      </p:pic>
     </p:spTree>
     <p:extLst>
       <p:ext uri="{BB962C8B-B14F-4D97-AF65-F5344CB8AC3E}">
         <p14:creationId xmlns:p14="http://schemas.microsoft.com/office/powerpoint/2010/main" val="768302401"/>
+      </p:ext>
+    </p:extLst>
+  </p:cSld>
+  <p:clrMapOvr>
+    <a:masterClrMapping/>
+  </p:clrMapOvr>
+</p:sld>
+</file>
+
+<file path=ppt/slides/slide8.xml><?xml version="1.0" encoding="utf-8"?>
+<p:sld xmlns:a="http://schemas.openxmlformats.org/drawingml/2006/main" xmlns:r="http://schemas.openxmlformats.org/officeDocument/2006/relationships" xmlns:p="http://schemas.openxmlformats.org/presentationml/2006/main">
+  <p:cSld>
+    <p:spTree>
+      <p:nvGrpSpPr>
+        <p:cNvPr id="1" name=""/>
+        <p:cNvGrpSpPr/>
+        <p:nvPr/>
+      </p:nvGrpSpPr>
+      <p:grpSpPr>
+        <a:xfrm>
+          <a:off x="0" y="0"/>
+          <a:ext cx="0" cy="0"/>
+          <a:chOff x="0" y="0"/>
+          <a:chExt cx="0" cy="0"/>
+        </a:xfrm>
+      </p:grpSpPr>
+      <p:grpSp>
+        <p:nvGrpSpPr>
+          <p:cNvPr id="1001" name="그룹 1001"/>
+          <p:cNvGrpSpPr/>
+          <p:nvPr/>
+        </p:nvGrpSpPr>
+        <p:grpSpPr>
+          <a:xfrm>
+            <a:off x="16363967" y="-482985"/>
+            <a:ext cx="1921747" cy="11251683"/>
+            <a:chOff x="16363967" y="-482985"/>
+            <a:chExt cx="1921747" cy="11251683"/>
+          </a:xfrm>
+        </p:grpSpPr>
+        <p:pic>
+          <p:nvPicPr>
+            <p:cNvPr id="3" name="Object 2"/>
+            <p:cNvPicPr>
+              <a:picLocks noChangeAspect="1"/>
+            </p:cNvPicPr>
+            <p:nvPr/>
+          </p:nvPicPr>
+          <p:blipFill>
+            <a:blip r:embed="rId2" cstate="print"/>
+            <a:stretch>
+              <a:fillRect/>
+            </a:stretch>
+          </p:blipFill>
+          <p:spPr>
+            <a:xfrm>
+              <a:off x="16363967" y="-482985"/>
+              <a:ext cx="1921747" cy="11251683"/>
+            </a:xfrm>
+            <a:prstGeom prst="rect">
+              <a:avLst/>
+            </a:prstGeom>
+          </p:spPr>
+        </p:pic>
+      </p:grpSp>
+      <p:sp>
+        <p:nvSpPr>
+          <p:cNvPr id="7" name="Object 7"/>
+          <p:cNvSpPr txBox="1"/>
+          <p:nvPr/>
+        </p:nvSpPr>
+        <p:spPr>
+          <a:xfrm rot="5400000">
+            <a:off x="12885688" y="4981274"/>
+            <a:ext cx="8988158" cy="323165"/>
+          </a:xfrm>
+          <a:prstGeom prst="rect">
+            <a:avLst/>
+          </a:prstGeom>
+          <a:noFill/>
+        </p:spPr>
+        <p:txBody>
+          <a:bodyPr wrap="square" rtlCol="0" anchor="ctr">
+            <a:spAutoFit/>
+          </a:bodyPr>
+          <a:lstStyle/>
+          <a:p>
+            <a:pPr algn="ctr"/>
+            <a:r>
+              <a:rPr lang="en-US" sz="1500" b="1" dirty="0">
+                <a:solidFill>
+                  <a:srgbClr val="FFFFFF"/>
+                </a:solidFill>
+                <a:latin typeface="Gmarket Sans Light" pitchFamily="34" charset="0"/>
+              </a:rPr>
+              <a:t>MUST - EAT</a:t>
+            </a:r>
+            <a:endParaRPr lang="en-US" dirty="0"/>
+          </a:p>
+        </p:txBody>
+      </p:sp>
+      <p:sp>
+        <p:nvSpPr>
+          <p:cNvPr id="8" name="Object 2">
+            <a:extLst>
+              <a:ext uri="{FF2B5EF4-FFF2-40B4-BE49-F238E27FC236}">
+                <a16:creationId xmlns:a16="http://schemas.microsoft.com/office/drawing/2014/main" id="{38F5CBBE-F1AF-472D-BAD3-B9FD25F1540D}"/>
+              </a:ext>
+            </a:extLst>
+          </p:cNvPr>
+          <p:cNvSpPr txBox="1"/>
+          <p:nvPr/>
+        </p:nvSpPr>
+        <p:spPr>
+          <a:xfrm>
+            <a:off x="746650" y="648777"/>
+            <a:ext cx="9735757" cy="707886"/>
+          </a:xfrm>
+          <a:prstGeom prst="rect">
+            <a:avLst/>
+          </a:prstGeom>
+          <a:noFill/>
+        </p:spPr>
+        <p:txBody>
+          <a:bodyPr wrap="square" rtlCol="0" anchor="t">
+            <a:spAutoFit/>
+          </a:bodyPr>
+          <a:lstStyle/>
+          <a:p>
+            <a:r>
+              <a:rPr lang="en-US" sz="4000" dirty="0">
+                <a:solidFill>
+                  <a:srgbClr val="000000"/>
+                </a:solidFill>
+                <a:latin typeface="Gmarket Sans Medium" pitchFamily="34" charset="0"/>
+                <a:cs typeface="Gmarket Sans Medium" pitchFamily="34" charset="0"/>
+              </a:rPr>
+              <a:t>5. </a:t>
+            </a:r>
+            <a:r>
+              <a:rPr lang="ko-KR" altLang="en-US" sz="4000" dirty="0">
+                <a:solidFill>
+                  <a:srgbClr val="0181D8"/>
+                </a:solidFill>
+                <a:latin typeface="Gmarket Sans Medium" pitchFamily="34" charset="0"/>
+                <a:cs typeface="Gmarket Sans Medium" pitchFamily="34" charset="0"/>
+              </a:rPr>
+              <a:t>요구사항 분석</a:t>
+            </a:r>
+            <a:endParaRPr lang="en-US" dirty="0"/>
+          </a:p>
+        </p:txBody>
+      </p:sp>
+      <p:sp>
+        <p:nvSpPr>
+          <p:cNvPr id="10" name="직사각형 9">
+            <a:extLst>
+              <a:ext uri="{FF2B5EF4-FFF2-40B4-BE49-F238E27FC236}">
+                <a16:creationId xmlns:a16="http://schemas.microsoft.com/office/drawing/2014/main" id="{DB61DEEE-63A9-495A-BC6E-230ECFAA2AD3}"/>
+              </a:ext>
+            </a:extLst>
+          </p:cNvPr>
+          <p:cNvSpPr/>
+          <p:nvPr/>
+        </p:nvSpPr>
+        <p:spPr>
+          <a:xfrm>
+            <a:off x="914400" y="1638300"/>
+            <a:ext cx="14325600" cy="7467600"/>
+          </a:xfrm>
+          <a:prstGeom prst="rect">
+            <a:avLst/>
+          </a:prstGeom>
+          <a:noFill/>
+          <a:ln w="9525" cap="flat" cmpd="sng" algn="ctr">
+            <a:solidFill>
+              <a:schemeClr val="accent1"/>
+            </a:solidFill>
+            <a:prstDash val="solid"/>
+            <a:round/>
+            <a:headEnd type="none" w="med" len="med"/>
+            <a:tailEnd type="none" w="med" len="med"/>
+          </a:ln>
+        </p:spPr>
+        <p:style>
+          <a:lnRef idx="0">
+            <a:scrgbClr r="0" g="0" b="0"/>
+          </a:lnRef>
+          <a:fillRef idx="0">
+            <a:scrgbClr r="0" g="0" b="0"/>
+          </a:fillRef>
+          <a:effectRef idx="0">
+            <a:scrgbClr r="0" g="0" b="0"/>
+          </a:effectRef>
+          <a:fontRef idx="minor">
+            <a:schemeClr val="accent1"/>
+          </a:fontRef>
+        </p:style>
+        <p:txBody>
+          <a:bodyPr rtlCol="0" anchor="ctr"/>
+          <a:lstStyle/>
+          <a:p>
+            <a:pPr marL="285750" indent="-285750">
+              <a:lnSpc>
+                <a:spcPct val="150000"/>
+              </a:lnSpc>
+              <a:buFont typeface="Wingdings" panose="05000000000000000000" pitchFamily="2" charset="2"/>
+              <a:buChar char="§"/>
+            </a:pPr>
+            <a:r>
+              <a:rPr lang="ko-KR" altLang="en-US" dirty="0">
+                <a:latin typeface="+mn-ea"/>
+              </a:rPr>
+              <a:t>비회원</a:t>
+            </a:r>
+            <a:r>
+              <a:rPr lang="ko-KR" altLang="en-US" dirty="0">
+                <a:solidFill>
+                  <a:srgbClr val="464646"/>
+                </a:solidFill>
+                <a:latin typeface="+mn-ea"/>
+              </a:rPr>
+              <a:t> </a:t>
+            </a:r>
+          </a:p>
+          <a:p>
+            <a:pPr marL="742950" lvl="1" indent="-285750">
+              <a:lnSpc>
+                <a:spcPct val="150000"/>
+              </a:lnSpc>
+              <a:buFontTx/>
+              <a:buChar char="-"/>
+            </a:pPr>
+            <a:r>
+              <a:rPr lang="ko-KR" altLang="en-US" dirty="0">
+                <a:solidFill>
+                  <a:srgbClr val="464646"/>
+                </a:solidFill>
+                <a:latin typeface="+mn-ea"/>
+              </a:rPr>
+              <a:t>맛집 검색 및 한 줄 평 보기와 자유 게시판</a:t>
+            </a:r>
+            <a:r>
+              <a:rPr lang="en-US" altLang="ko-KR" dirty="0">
+                <a:solidFill>
+                  <a:srgbClr val="464646"/>
+                </a:solidFill>
+                <a:latin typeface="+mn-ea"/>
+              </a:rPr>
+              <a:t>, </a:t>
+            </a:r>
+            <a:r>
+              <a:rPr lang="ko-KR" altLang="en-US" dirty="0">
+                <a:solidFill>
+                  <a:srgbClr val="464646"/>
+                </a:solidFill>
+                <a:latin typeface="+mn-ea"/>
+              </a:rPr>
+              <a:t>공지 게시판 상세 보기만 가능하다</a:t>
+            </a:r>
+            <a:r>
+              <a:rPr lang="en-US" altLang="ko-KR" dirty="0">
+                <a:solidFill>
+                  <a:srgbClr val="464646"/>
+                </a:solidFill>
+                <a:latin typeface="+mn-ea"/>
+              </a:rPr>
+              <a:t>.</a:t>
+            </a:r>
+          </a:p>
+          <a:p>
+            <a:pPr marL="742950" lvl="1" indent="-285750">
+              <a:lnSpc>
+                <a:spcPct val="150000"/>
+              </a:lnSpc>
+              <a:buFontTx/>
+              <a:buChar char="-"/>
+            </a:pPr>
+            <a:endParaRPr lang="ko-KR" altLang="en-US" dirty="0">
+              <a:solidFill>
+                <a:srgbClr val="464646"/>
+              </a:solidFill>
+              <a:latin typeface="+mn-ea"/>
+            </a:endParaRPr>
+          </a:p>
+          <a:p>
+            <a:pPr marL="285750" indent="-285750">
+              <a:lnSpc>
+                <a:spcPct val="150000"/>
+              </a:lnSpc>
+              <a:buFont typeface="Wingdings" panose="05000000000000000000" pitchFamily="2" charset="2"/>
+              <a:buChar char="§"/>
+            </a:pPr>
+            <a:r>
+              <a:rPr lang="ko-KR" altLang="en-US" dirty="0">
+                <a:latin typeface="+mn-ea"/>
+              </a:rPr>
+              <a:t>회원</a:t>
+            </a:r>
+            <a:endParaRPr lang="en-US" altLang="ko-KR" dirty="0">
+              <a:latin typeface="+mn-ea"/>
+            </a:endParaRPr>
+          </a:p>
+          <a:p>
+            <a:pPr marL="742950" lvl="1" indent="-285750">
+              <a:lnSpc>
+                <a:spcPct val="150000"/>
+              </a:lnSpc>
+              <a:buFontTx/>
+              <a:buChar char="-"/>
+            </a:pPr>
+            <a:r>
+              <a:rPr lang="ko-KR" altLang="en-US" dirty="0">
+                <a:solidFill>
+                  <a:srgbClr val="464646"/>
+                </a:solidFill>
+                <a:latin typeface="+mn-ea"/>
+              </a:rPr>
+              <a:t>로그인 후 마이 페이지를 통해 정보 수정과 회원 탈퇴</a:t>
+            </a:r>
+            <a:r>
+              <a:rPr lang="en-US" altLang="ko-KR" dirty="0">
+                <a:solidFill>
+                  <a:srgbClr val="464646"/>
+                </a:solidFill>
+                <a:latin typeface="+mn-ea"/>
+              </a:rPr>
+              <a:t>, </a:t>
+            </a:r>
+            <a:r>
+              <a:rPr lang="ko-KR" altLang="en-US" dirty="0">
+                <a:solidFill>
+                  <a:srgbClr val="464646"/>
+                </a:solidFill>
+                <a:latin typeface="+mn-ea"/>
+              </a:rPr>
+              <a:t>작성 글 목록 보기가 가능하다</a:t>
+            </a:r>
+            <a:r>
+              <a:rPr lang="en-US" altLang="ko-KR" dirty="0">
+                <a:solidFill>
+                  <a:srgbClr val="464646"/>
+                </a:solidFill>
+                <a:latin typeface="+mn-ea"/>
+              </a:rPr>
+              <a:t>.</a:t>
+            </a:r>
+          </a:p>
+          <a:p>
+            <a:pPr marL="742950" lvl="1" indent="-285750">
+              <a:lnSpc>
+                <a:spcPct val="150000"/>
+              </a:lnSpc>
+              <a:buFontTx/>
+              <a:buChar char="-"/>
+            </a:pPr>
+            <a:r>
+              <a:rPr lang="ko-KR" altLang="en-US" dirty="0">
+                <a:solidFill>
+                  <a:srgbClr val="464646"/>
+                </a:solidFill>
+                <a:latin typeface="+mn-ea"/>
+              </a:rPr>
+              <a:t>맛집 등록은 로그인한 회원만 가능하며</a:t>
+            </a:r>
+            <a:r>
+              <a:rPr lang="en-US" altLang="ko-KR" dirty="0">
+                <a:solidFill>
+                  <a:srgbClr val="464646"/>
+                </a:solidFill>
+                <a:latin typeface="+mn-ea"/>
+              </a:rPr>
+              <a:t>, </a:t>
+            </a:r>
+            <a:r>
+              <a:rPr lang="ko-KR" altLang="en-US" dirty="0">
+                <a:solidFill>
+                  <a:srgbClr val="464646"/>
+                </a:solidFill>
+                <a:latin typeface="+mn-ea"/>
+              </a:rPr>
+              <a:t>자신이 등록한 맛집은 수정 및 삭제가 가능하다</a:t>
+            </a:r>
+            <a:r>
+              <a:rPr lang="en-US" altLang="ko-KR" dirty="0">
+                <a:solidFill>
+                  <a:srgbClr val="464646"/>
+                </a:solidFill>
+                <a:latin typeface="+mn-ea"/>
+              </a:rPr>
+              <a:t>.</a:t>
+            </a:r>
+          </a:p>
+          <a:p>
+            <a:pPr marL="742950" lvl="1" indent="-285750">
+              <a:lnSpc>
+                <a:spcPct val="150000"/>
+              </a:lnSpc>
+              <a:buFontTx/>
+              <a:buChar char="-"/>
+            </a:pPr>
+            <a:r>
+              <a:rPr lang="ko-KR" altLang="en-US" dirty="0">
+                <a:solidFill>
+                  <a:srgbClr val="464646"/>
+                </a:solidFill>
+                <a:latin typeface="+mn-ea"/>
+              </a:rPr>
+              <a:t>맛집에 대한 상세 내용과 한 줄 평을 볼 수 있으며 평점 또한 매길 수 있다</a:t>
+            </a:r>
+            <a:r>
+              <a:rPr lang="en-US" altLang="ko-KR" dirty="0">
+                <a:solidFill>
+                  <a:srgbClr val="464646"/>
+                </a:solidFill>
+                <a:latin typeface="+mn-ea"/>
+              </a:rPr>
+              <a:t>.</a:t>
+            </a:r>
+          </a:p>
+          <a:p>
+            <a:pPr marL="742950" lvl="1" indent="-285750">
+              <a:lnSpc>
+                <a:spcPct val="150000"/>
+              </a:lnSpc>
+              <a:buFontTx/>
+              <a:buChar char="-"/>
+            </a:pPr>
+            <a:r>
+              <a:rPr lang="ko-KR" altLang="en-US" dirty="0">
+                <a:solidFill>
+                  <a:srgbClr val="464646"/>
+                </a:solidFill>
+                <a:latin typeface="+mn-ea"/>
+              </a:rPr>
+              <a:t>한 줄 평에 대해선 추천과 비추천을 누를 수 있다</a:t>
+            </a:r>
+            <a:r>
+              <a:rPr lang="en-US" altLang="ko-KR" dirty="0">
+                <a:solidFill>
+                  <a:srgbClr val="464646"/>
+                </a:solidFill>
+                <a:latin typeface="+mn-ea"/>
+              </a:rPr>
+              <a:t>.</a:t>
+            </a:r>
+          </a:p>
+          <a:p>
+            <a:pPr marL="742950" lvl="1" indent="-285750">
+              <a:lnSpc>
+                <a:spcPct val="150000"/>
+              </a:lnSpc>
+              <a:buFontTx/>
+              <a:buChar char="-"/>
+            </a:pPr>
+            <a:r>
+              <a:rPr lang="ko-KR" altLang="en-US" dirty="0">
+                <a:solidFill>
+                  <a:srgbClr val="464646"/>
+                </a:solidFill>
+                <a:latin typeface="+mn-ea"/>
+              </a:rPr>
+              <a:t>자유 게시판 글 작성과 성세 보기가 가능하며</a:t>
+            </a:r>
+            <a:r>
+              <a:rPr lang="en-US" altLang="ko-KR" dirty="0">
+                <a:solidFill>
+                  <a:srgbClr val="464646"/>
+                </a:solidFill>
+                <a:latin typeface="+mn-ea"/>
+              </a:rPr>
+              <a:t>,</a:t>
+            </a:r>
+            <a:r>
+              <a:rPr lang="ko-KR" altLang="en-US" dirty="0">
+                <a:solidFill>
+                  <a:srgbClr val="464646"/>
+                </a:solidFill>
+                <a:latin typeface="+mn-ea"/>
+              </a:rPr>
+              <a:t> 답변 작성이 가능하다</a:t>
+            </a:r>
+            <a:r>
+              <a:rPr lang="en-US" altLang="ko-KR" dirty="0">
+                <a:solidFill>
+                  <a:srgbClr val="464646"/>
+                </a:solidFill>
+                <a:latin typeface="+mn-ea"/>
+              </a:rPr>
+              <a:t>.</a:t>
+            </a:r>
+          </a:p>
+          <a:p>
+            <a:pPr marL="742950" lvl="1" indent="-285750">
+              <a:lnSpc>
+                <a:spcPct val="150000"/>
+              </a:lnSpc>
+              <a:buFontTx/>
+              <a:buChar char="-"/>
+            </a:pPr>
+            <a:r>
+              <a:rPr lang="ko-KR" altLang="en-US" dirty="0">
+                <a:solidFill>
+                  <a:srgbClr val="464646"/>
+                </a:solidFill>
+                <a:latin typeface="+mn-ea"/>
+              </a:rPr>
+              <a:t>게시판 글 검색은 제목과 본문 내용으로 검색이 가능하다</a:t>
+            </a:r>
+            <a:r>
+              <a:rPr lang="en-US" altLang="ko-KR" dirty="0">
+                <a:solidFill>
+                  <a:srgbClr val="464646"/>
+                </a:solidFill>
+                <a:latin typeface="+mn-ea"/>
+              </a:rPr>
+              <a:t>.</a:t>
+            </a:r>
+          </a:p>
+          <a:p>
+            <a:pPr marL="742950" lvl="1" indent="-285750">
+              <a:lnSpc>
+                <a:spcPct val="150000"/>
+              </a:lnSpc>
+              <a:buFontTx/>
+              <a:buChar char="-"/>
+            </a:pPr>
+            <a:r>
+              <a:rPr lang="ko-KR" altLang="en-US" dirty="0">
+                <a:solidFill>
+                  <a:srgbClr val="464646"/>
+                </a:solidFill>
+                <a:latin typeface="+mn-ea"/>
+              </a:rPr>
+              <a:t>등록된 맛집은 평점이 </a:t>
+            </a:r>
+            <a:r>
+              <a:rPr lang="en-US" altLang="ko-KR" dirty="0">
+                <a:solidFill>
+                  <a:srgbClr val="464646"/>
+                </a:solidFill>
+                <a:latin typeface="+mn-ea"/>
+              </a:rPr>
+              <a:t>4.5</a:t>
+            </a:r>
+            <a:r>
+              <a:rPr lang="ko-KR" altLang="en-US" dirty="0">
+                <a:solidFill>
+                  <a:srgbClr val="464646"/>
+                </a:solidFill>
+                <a:latin typeface="+mn-ea"/>
+              </a:rPr>
+              <a:t>점 이상이고</a:t>
+            </a:r>
+            <a:r>
+              <a:rPr lang="en-US" altLang="ko-KR" dirty="0">
+                <a:solidFill>
+                  <a:srgbClr val="464646"/>
+                </a:solidFill>
+                <a:latin typeface="+mn-ea"/>
+              </a:rPr>
+              <a:t> 5</a:t>
+            </a:r>
+            <a:r>
+              <a:rPr lang="ko-KR" altLang="en-US" dirty="0">
+                <a:solidFill>
+                  <a:srgbClr val="464646"/>
+                </a:solidFill>
+                <a:latin typeface="+mn-ea"/>
+              </a:rPr>
+              <a:t>명 이상이 평점을 등록했을 경우에 추천 맛집 리스트에 출력된다</a:t>
+            </a:r>
+            <a:r>
+              <a:rPr lang="en-US" altLang="ko-KR" dirty="0">
+                <a:solidFill>
+                  <a:srgbClr val="464646"/>
+                </a:solidFill>
+                <a:latin typeface="+mn-ea"/>
+              </a:rPr>
+              <a:t>.</a:t>
+            </a:r>
+          </a:p>
+          <a:p>
+            <a:pPr marL="742950" lvl="1" indent="-285750">
+              <a:lnSpc>
+                <a:spcPct val="150000"/>
+              </a:lnSpc>
+              <a:buFontTx/>
+              <a:buChar char="-"/>
+            </a:pPr>
+            <a:endParaRPr lang="en-US" altLang="ko-KR" dirty="0">
+              <a:latin typeface="+mn-ea"/>
+            </a:endParaRPr>
+          </a:p>
+          <a:p>
+            <a:pPr marL="285750" indent="-285750">
+              <a:lnSpc>
+                <a:spcPct val="150000"/>
+              </a:lnSpc>
+              <a:buFont typeface="Wingdings" panose="05000000000000000000" pitchFamily="2" charset="2"/>
+              <a:buChar char="§"/>
+            </a:pPr>
+            <a:r>
+              <a:rPr lang="ko-KR" altLang="en-US" dirty="0">
+                <a:latin typeface="+mn-ea"/>
+              </a:rPr>
+              <a:t>관리자</a:t>
+            </a:r>
+            <a:r>
+              <a:rPr lang="ko-KR" altLang="en-US" dirty="0">
+                <a:solidFill>
+                  <a:srgbClr val="464646"/>
+                </a:solidFill>
+                <a:latin typeface="+mn-ea"/>
+              </a:rPr>
+              <a:t> </a:t>
+            </a:r>
+          </a:p>
+          <a:p>
+            <a:pPr marL="742950" lvl="1" indent="-285750">
+              <a:lnSpc>
+                <a:spcPct val="150000"/>
+              </a:lnSpc>
+              <a:buFontTx/>
+              <a:buChar char="-"/>
+            </a:pPr>
+            <a:r>
+              <a:rPr lang="ko-KR" altLang="en-US" dirty="0">
+                <a:solidFill>
+                  <a:srgbClr val="464646"/>
+                </a:solidFill>
+                <a:latin typeface="+mn-ea"/>
+              </a:rPr>
+              <a:t>관리자 모드에서는 전반적인 회원 관리가 가능하며</a:t>
+            </a:r>
+            <a:r>
+              <a:rPr lang="en-US" altLang="ko-KR" dirty="0">
+                <a:solidFill>
+                  <a:srgbClr val="464646"/>
+                </a:solidFill>
+                <a:latin typeface="+mn-ea"/>
+              </a:rPr>
+              <a:t>, </a:t>
+            </a:r>
+            <a:r>
+              <a:rPr lang="ko-KR" altLang="en-US" dirty="0">
+                <a:solidFill>
+                  <a:srgbClr val="464646"/>
+                </a:solidFill>
+                <a:latin typeface="+mn-ea"/>
+              </a:rPr>
+              <a:t>회원 탈퇴 및 회원 목록 보기가 가능하다</a:t>
+            </a:r>
+            <a:r>
+              <a:rPr lang="en-US" altLang="ko-KR" dirty="0">
+                <a:solidFill>
+                  <a:srgbClr val="464646"/>
+                </a:solidFill>
+                <a:latin typeface="+mn-ea"/>
+              </a:rPr>
+              <a:t>.</a:t>
+            </a:r>
+          </a:p>
+          <a:p>
+            <a:pPr marL="742950" lvl="1" indent="-285750">
+              <a:lnSpc>
+                <a:spcPct val="150000"/>
+              </a:lnSpc>
+              <a:buFontTx/>
+              <a:buChar char="-"/>
+            </a:pPr>
+            <a:r>
+              <a:rPr lang="ko-KR" altLang="en-US" dirty="0">
+                <a:solidFill>
+                  <a:srgbClr val="464646"/>
+                </a:solidFill>
+                <a:latin typeface="+mn-ea"/>
+              </a:rPr>
+              <a:t>공지 게시판 글 작성 및 수정</a:t>
+            </a:r>
+            <a:r>
+              <a:rPr lang="en-US" altLang="ko-KR" dirty="0">
+                <a:solidFill>
+                  <a:srgbClr val="464646"/>
+                </a:solidFill>
+                <a:latin typeface="+mn-ea"/>
+              </a:rPr>
+              <a:t>, </a:t>
+            </a:r>
+            <a:r>
+              <a:rPr lang="ko-KR" altLang="en-US" dirty="0">
+                <a:solidFill>
+                  <a:srgbClr val="464646"/>
+                </a:solidFill>
+                <a:latin typeface="+mn-ea"/>
+              </a:rPr>
+              <a:t>삭제가 가능하다</a:t>
+            </a:r>
+            <a:r>
+              <a:rPr lang="en-US" altLang="ko-KR" dirty="0">
+                <a:solidFill>
+                  <a:srgbClr val="464646"/>
+                </a:solidFill>
+                <a:latin typeface="+mn-ea"/>
+              </a:rPr>
+              <a:t>.</a:t>
+            </a:r>
+          </a:p>
+          <a:p>
+            <a:pPr marL="742950" lvl="1" indent="-285750">
+              <a:lnSpc>
+                <a:spcPct val="150000"/>
+              </a:lnSpc>
+              <a:buFontTx/>
+              <a:buChar char="-"/>
+            </a:pPr>
+            <a:r>
+              <a:rPr lang="ko-KR" altLang="en-US" dirty="0">
+                <a:solidFill>
+                  <a:srgbClr val="464646"/>
+                </a:solidFill>
+                <a:latin typeface="+mn-ea"/>
+              </a:rPr>
+              <a:t>다른 회원이 등록한 맛집은 관리자 모드에서도 삭제가 가능하다</a:t>
+            </a:r>
+            <a:r>
+              <a:rPr lang="en-US" altLang="ko-KR" dirty="0">
+                <a:solidFill>
+                  <a:srgbClr val="464646"/>
+                </a:solidFill>
+                <a:latin typeface="+mn-ea"/>
+              </a:rPr>
+              <a:t>.</a:t>
+            </a:r>
+            <a:r>
+              <a:rPr lang="ko-KR" altLang="en-US" dirty="0">
+                <a:solidFill>
+                  <a:srgbClr val="464646"/>
+                </a:solidFill>
+                <a:latin typeface="+mn-ea"/>
+              </a:rPr>
+              <a:t> </a:t>
+            </a:r>
+          </a:p>
+          <a:p>
+            <a:pPr lvl="1">
+              <a:lnSpc>
+                <a:spcPct val="150000"/>
+              </a:lnSpc>
+            </a:pPr>
+            <a:endParaRPr lang="en-US" altLang="ko-KR" dirty="0">
+              <a:solidFill>
+                <a:schemeClr val="tx1"/>
+              </a:solidFill>
+              <a:latin typeface="+mn-ea"/>
+            </a:endParaRPr>
+          </a:p>
+        </p:txBody>
+      </p:sp>
+    </p:spTree>
+    <p:extLst>
+      <p:ext uri="{BB962C8B-B14F-4D97-AF65-F5344CB8AC3E}">
+        <p14:creationId xmlns:p14="http://schemas.microsoft.com/office/powerpoint/2010/main" val="2345500678"/>
       </p:ext>
     </p:extLst>
   </p:cSld>
@@ -13904,632 +14300,102 @@
                 <a:latin typeface="Gmarket Sans Medium" pitchFamily="34" charset="0"/>
                 <a:cs typeface="Gmarket Sans Medium" pitchFamily="34" charset="0"/>
               </a:rPr>
-              <a:t>5. </a:t>
-            </a:r>
-            <a:r>
-              <a:rPr lang="ko-KR" altLang="en-US" sz="4000" dirty="0">
+              <a:t>6. </a:t>
+            </a:r>
+            <a:r>
+              <a:rPr lang="ko-KR" altLang="en-US" sz="4000" dirty="0" err="1">
                 <a:solidFill>
                   <a:srgbClr val="0181D8"/>
                 </a:solidFill>
                 <a:latin typeface="Gmarket Sans Medium" pitchFamily="34" charset="0"/>
                 <a:cs typeface="Gmarket Sans Medium" pitchFamily="34" charset="0"/>
               </a:rPr>
-              <a:t>요구사항 분석</a:t>
+              <a:t>유스케이스</a:t>
+            </a:r>
+            <a:r>
+              <a:rPr lang="ko-KR" altLang="en-US" sz="4000" dirty="0">
+                <a:solidFill>
+                  <a:srgbClr val="0181D8"/>
+                </a:solidFill>
+                <a:latin typeface="Gmarket Sans Medium" pitchFamily="34" charset="0"/>
+                <a:cs typeface="Gmarket Sans Medium" pitchFamily="34" charset="0"/>
+              </a:rPr>
+              <a:t> 다이어그램 </a:t>
+            </a:r>
+            <a:r>
+              <a:rPr lang="en-US" altLang="ko-KR" sz="4000" dirty="0">
+                <a:solidFill>
+                  <a:srgbClr val="0181D8"/>
+                </a:solidFill>
+                <a:latin typeface="Gmarket Sans Medium" pitchFamily="34" charset="0"/>
+                <a:cs typeface="Gmarket Sans Medium" pitchFamily="34" charset="0"/>
+              </a:rPr>
+              <a:t>(</a:t>
+            </a:r>
+            <a:r>
+              <a:rPr lang="en-US" altLang="ko-KR" sz="4000" dirty="0" err="1">
+                <a:solidFill>
+                  <a:srgbClr val="0181D8"/>
+                </a:solidFill>
+                <a:latin typeface="Gmarket Sans Medium" pitchFamily="34" charset="0"/>
+                <a:cs typeface="Gmarket Sans Medium" pitchFamily="34" charset="0"/>
+              </a:rPr>
+              <a:t>Usecase</a:t>
+            </a:r>
+            <a:r>
+              <a:rPr lang="en-US" altLang="ko-KR" sz="4000" dirty="0">
+                <a:solidFill>
+                  <a:srgbClr val="0181D8"/>
+                </a:solidFill>
+                <a:latin typeface="Gmarket Sans Medium" pitchFamily="34" charset="0"/>
+                <a:cs typeface="Gmarket Sans Medium" pitchFamily="34" charset="0"/>
+              </a:rPr>
+              <a:t> Diagram)</a:t>
             </a:r>
             <a:endParaRPr lang="en-US" dirty="0"/>
           </a:p>
         </p:txBody>
       </p:sp>
-      <p:sp>
-        <p:nvSpPr>
-          <p:cNvPr id="10" name="직사각형 9">
+      <p:pic>
+        <p:nvPicPr>
+          <p:cNvPr id="4" name="그림 3">
             <a:extLst>
               <a:ext uri="{FF2B5EF4-FFF2-40B4-BE49-F238E27FC236}">
-                <a16:creationId xmlns:a16="http://schemas.microsoft.com/office/drawing/2014/main" id="{DB61DEEE-63A9-495A-BC6E-230ECFAA2AD3}"/>
+                <a16:creationId xmlns:a16="http://schemas.microsoft.com/office/drawing/2014/main" id="{E3CDB70D-1340-43DA-ABD3-9B37AE4DB0BD}"/>
               </a:ext>
             </a:extLst>
           </p:cNvPr>
-          <p:cNvSpPr/>
+          <p:cNvPicPr>
+            <a:picLocks noChangeAspect="1"/>
+          </p:cNvPicPr>
           <p:nvPr/>
-        </p:nvSpPr>
+        </p:nvPicPr>
+        <p:blipFill>
+          <a:blip r:embed="rId3">
+            <a:extLst>
+              <a:ext uri="{28A0092B-C50C-407E-A947-70E740481C1C}">
+                <a14:useLocalDpi xmlns:a14="http://schemas.microsoft.com/office/drawing/2010/main" val="0"/>
+              </a:ext>
+            </a:extLst>
+          </a:blip>
+          <a:stretch>
+            <a:fillRect/>
+          </a:stretch>
+        </p:blipFill>
         <p:spPr>
           <a:xfrm>
-            <a:off x="914400" y="1638300"/>
-            <a:ext cx="14325600" cy="7467600"/>
+            <a:off x="140191" y="1506504"/>
+            <a:ext cx="16230600" cy="8988159"/>
           </a:xfrm>
           <a:prstGeom prst="rect">
             <a:avLst/>
           </a:prstGeom>
-          <a:noFill/>
-          <a:ln w="9525" cap="flat" cmpd="sng" algn="ctr">
-            <a:solidFill>
-              <a:schemeClr val="accent1"/>
-            </a:solidFill>
-            <a:prstDash val="solid"/>
-            <a:round/>
-            <a:headEnd type="none" w="med" len="med"/>
-            <a:tailEnd type="none" w="med" len="med"/>
-          </a:ln>
         </p:spPr>
-        <p:style>
-          <a:lnRef idx="0">
-            <a:scrgbClr r="0" g="0" b="0"/>
-          </a:lnRef>
-          <a:fillRef idx="0">
-            <a:scrgbClr r="0" g="0" b="0"/>
-          </a:fillRef>
-          <a:effectRef idx="0">
-            <a:scrgbClr r="0" g="0" b="0"/>
-          </a:effectRef>
-          <a:fontRef idx="minor">
-            <a:schemeClr val="accent1"/>
-          </a:fontRef>
-        </p:style>
-        <p:txBody>
-          <a:bodyPr rtlCol="0" anchor="ctr"/>
-          <a:lstStyle/>
-          <a:p>
-            <a:pPr marL="285750" indent="-285750">
-              <a:lnSpc>
-                <a:spcPct val="150000"/>
-              </a:lnSpc>
-              <a:buFont typeface="Wingdings" panose="05000000000000000000" pitchFamily="2" charset="2"/>
-              <a:buChar char="§"/>
-            </a:pPr>
-            <a:r>
-              <a:rPr lang="ko-KR" altLang="en-US" dirty="0">
-                <a:latin typeface="+mn-ea"/>
-              </a:rPr>
-              <a:t>비회원</a:t>
-            </a:r>
-            <a:r>
-              <a:rPr lang="ko-KR" altLang="en-US" dirty="0">
-                <a:solidFill>
-                  <a:srgbClr val="464646"/>
-                </a:solidFill>
-                <a:latin typeface="+mn-ea"/>
-              </a:rPr>
-              <a:t> </a:t>
-            </a:r>
-          </a:p>
-          <a:p>
-            <a:pPr marL="742950" lvl="1" indent="-285750">
-              <a:lnSpc>
-                <a:spcPct val="150000"/>
-              </a:lnSpc>
-              <a:buFontTx/>
-              <a:buChar char="-"/>
-            </a:pPr>
-            <a:r>
-              <a:rPr lang="ko-KR" altLang="en-US" dirty="0">
-                <a:solidFill>
-                  <a:srgbClr val="464646"/>
-                </a:solidFill>
-                <a:latin typeface="+mn-ea"/>
-              </a:rPr>
-              <a:t>맛집 검색 및 한 줄 평 보기와 자유 게시판</a:t>
-            </a:r>
-            <a:r>
-              <a:rPr lang="en-US" altLang="ko-KR" dirty="0">
-                <a:solidFill>
-                  <a:srgbClr val="464646"/>
-                </a:solidFill>
-                <a:latin typeface="+mn-ea"/>
-              </a:rPr>
-              <a:t>, </a:t>
-            </a:r>
-            <a:r>
-              <a:rPr lang="ko-KR" altLang="en-US" dirty="0">
-                <a:solidFill>
-                  <a:srgbClr val="464646"/>
-                </a:solidFill>
-                <a:latin typeface="+mn-ea"/>
-              </a:rPr>
-              <a:t>공지 게시판 상세 보기만 가능하다</a:t>
-            </a:r>
-            <a:r>
-              <a:rPr lang="en-US" altLang="ko-KR" dirty="0">
-                <a:solidFill>
-                  <a:srgbClr val="464646"/>
-                </a:solidFill>
-                <a:latin typeface="+mn-ea"/>
-              </a:rPr>
-              <a:t>.</a:t>
-            </a:r>
-          </a:p>
-          <a:p>
-            <a:pPr marL="742950" lvl="1" indent="-285750">
-              <a:lnSpc>
-                <a:spcPct val="150000"/>
-              </a:lnSpc>
-              <a:buFontTx/>
-              <a:buChar char="-"/>
-            </a:pPr>
-            <a:endParaRPr lang="ko-KR" altLang="en-US" dirty="0">
-              <a:solidFill>
-                <a:srgbClr val="464646"/>
-              </a:solidFill>
-              <a:latin typeface="+mn-ea"/>
-            </a:endParaRPr>
-          </a:p>
-          <a:p>
-            <a:pPr marL="285750" indent="-285750">
-              <a:lnSpc>
-                <a:spcPct val="150000"/>
-              </a:lnSpc>
-              <a:buFont typeface="Wingdings" panose="05000000000000000000" pitchFamily="2" charset="2"/>
-              <a:buChar char="§"/>
-            </a:pPr>
-            <a:r>
-              <a:rPr lang="ko-KR" altLang="en-US" dirty="0">
-                <a:latin typeface="+mn-ea"/>
-              </a:rPr>
-              <a:t>회원</a:t>
-            </a:r>
-            <a:endParaRPr lang="en-US" altLang="ko-KR" dirty="0">
-              <a:latin typeface="+mn-ea"/>
-            </a:endParaRPr>
-          </a:p>
-          <a:p>
-            <a:pPr marL="742950" lvl="1" indent="-285750">
-              <a:lnSpc>
-                <a:spcPct val="150000"/>
-              </a:lnSpc>
-              <a:buFontTx/>
-              <a:buChar char="-"/>
-            </a:pPr>
-            <a:r>
-              <a:rPr lang="ko-KR" altLang="en-US" dirty="0">
-                <a:solidFill>
-                  <a:srgbClr val="464646"/>
-                </a:solidFill>
-                <a:latin typeface="+mn-ea"/>
-              </a:rPr>
-              <a:t>로그인 후 마이 페이지를 통해 정보 수정과 회원 탈퇴</a:t>
-            </a:r>
-            <a:r>
-              <a:rPr lang="en-US" altLang="ko-KR" dirty="0">
-                <a:solidFill>
-                  <a:srgbClr val="464646"/>
-                </a:solidFill>
-                <a:latin typeface="+mn-ea"/>
-              </a:rPr>
-              <a:t>, </a:t>
-            </a:r>
-            <a:r>
-              <a:rPr lang="ko-KR" altLang="en-US" dirty="0">
-                <a:solidFill>
-                  <a:srgbClr val="464646"/>
-                </a:solidFill>
-                <a:latin typeface="+mn-ea"/>
-              </a:rPr>
-              <a:t>작성 글 목록 보기가 가능하다</a:t>
-            </a:r>
-            <a:r>
-              <a:rPr lang="en-US" altLang="ko-KR" dirty="0">
-                <a:solidFill>
-                  <a:srgbClr val="464646"/>
-                </a:solidFill>
-                <a:latin typeface="+mn-ea"/>
-              </a:rPr>
-              <a:t>.</a:t>
-            </a:r>
-          </a:p>
-          <a:p>
-            <a:pPr marL="742950" lvl="1" indent="-285750">
-              <a:lnSpc>
-                <a:spcPct val="150000"/>
-              </a:lnSpc>
-              <a:buFontTx/>
-              <a:buChar char="-"/>
-            </a:pPr>
-            <a:r>
-              <a:rPr lang="ko-KR" altLang="en-US" dirty="0">
-                <a:solidFill>
-                  <a:srgbClr val="464646"/>
-                </a:solidFill>
-                <a:latin typeface="+mn-ea"/>
-              </a:rPr>
-              <a:t>맛집 등록은 로그인한 회원만 가능하며</a:t>
-            </a:r>
-            <a:r>
-              <a:rPr lang="en-US" altLang="ko-KR" dirty="0">
-                <a:solidFill>
-                  <a:srgbClr val="464646"/>
-                </a:solidFill>
-                <a:latin typeface="+mn-ea"/>
-              </a:rPr>
-              <a:t>, </a:t>
-            </a:r>
-            <a:r>
-              <a:rPr lang="ko-KR" altLang="en-US" dirty="0">
-                <a:solidFill>
-                  <a:srgbClr val="464646"/>
-                </a:solidFill>
-                <a:latin typeface="+mn-ea"/>
-              </a:rPr>
-              <a:t>자신이 등록한 맛집은 수정 및 삭제가 가능하다</a:t>
-            </a:r>
-            <a:r>
-              <a:rPr lang="en-US" altLang="ko-KR" dirty="0">
-                <a:solidFill>
-                  <a:srgbClr val="464646"/>
-                </a:solidFill>
-                <a:latin typeface="+mn-ea"/>
-              </a:rPr>
-              <a:t>.</a:t>
-            </a:r>
-          </a:p>
-          <a:p>
-            <a:pPr marL="742950" lvl="1" indent="-285750">
-              <a:lnSpc>
-                <a:spcPct val="150000"/>
-              </a:lnSpc>
-              <a:buFontTx/>
-              <a:buChar char="-"/>
-            </a:pPr>
-            <a:r>
-              <a:rPr lang="ko-KR" altLang="en-US" dirty="0">
-                <a:solidFill>
-                  <a:srgbClr val="464646"/>
-                </a:solidFill>
-                <a:latin typeface="+mn-ea"/>
-              </a:rPr>
-              <a:t>맛집에 대한 상세 내용과 한 줄 평을 볼 수 있으며 평점 또한 매길 수 있다</a:t>
-            </a:r>
-            <a:r>
-              <a:rPr lang="en-US" altLang="ko-KR" dirty="0">
-                <a:solidFill>
-                  <a:srgbClr val="464646"/>
-                </a:solidFill>
-                <a:latin typeface="+mn-ea"/>
-              </a:rPr>
-              <a:t>.</a:t>
-            </a:r>
-          </a:p>
-          <a:p>
-            <a:pPr marL="742950" lvl="1" indent="-285750">
-              <a:lnSpc>
-                <a:spcPct val="150000"/>
-              </a:lnSpc>
-              <a:buFontTx/>
-              <a:buChar char="-"/>
-            </a:pPr>
-            <a:r>
-              <a:rPr lang="ko-KR" altLang="en-US" dirty="0">
-                <a:solidFill>
-                  <a:srgbClr val="464646"/>
-                </a:solidFill>
-                <a:latin typeface="+mn-ea"/>
-              </a:rPr>
-              <a:t>한 줄 평에 대해선 추천과 비추천을 누를 수 있다</a:t>
-            </a:r>
-            <a:r>
-              <a:rPr lang="en-US" altLang="ko-KR" dirty="0">
-                <a:solidFill>
-                  <a:srgbClr val="464646"/>
-                </a:solidFill>
-                <a:latin typeface="+mn-ea"/>
-              </a:rPr>
-              <a:t>.</a:t>
-            </a:r>
-          </a:p>
-          <a:p>
-            <a:pPr marL="742950" lvl="1" indent="-285750">
-              <a:lnSpc>
-                <a:spcPct val="150000"/>
-              </a:lnSpc>
-              <a:buFontTx/>
-              <a:buChar char="-"/>
-            </a:pPr>
-            <a:r>
-              <a:rPr lang="ko-KR" altLang="en-US" dirty="0">
-                <a:solidFill>
-                  <a:srgbClr val="464646"/>
-                </a:solidFill>
-                <a:latin typeface="+mn-ea"/>
-              </a:rPr>
-              <a:t>자유 게시판 글 작성과 성세 보기가 가능하며</a:t>
-            </a:r>
-            <a:r>
-              <a:rPr lang="en-US" altLang="ko-KR" dirty="0">
-                <a:solidFill>
-                  <a:srgbClr val="464646"/>
-                </a:solidFill>
-                <a:latin typeface="+mn-ea"/>
-              </a:rPr>
-              <a:t>,</a:t>
-            </a:r>
-            <a:r>
-              <a:rPr lang="ko-KR" altLang="en-US" dirty="0">
-                <a:solidFill>
-                  <a:srgbClr val="464646"/>
-                </a:solidFill>
-                <a:latin typeface="+mn-ea"/>
-              </a:rPr>
-              <a:t> 답변 작성이 가능하다</a:t>
-            </a:r>
-            <a:r>
-              <a:rPr lang="en-US" altLang="ko-KR" dirty="0">
-                <a:solidFill>
-                  <a:srgbClr val="464646"/>
-                </a:solidFill>
-                <a:latin typeface="+mn-ea"/>
-              </a:rPr>
-              <a:t>.</a:t>
-            </a:r>
-          </a:p>
-          <a:p>
-            <a:pPr marL="742950" lvl="1" indent="-285750">
-              <a:lnSpc>
-                <a:spcPct val="150000"/>
-              </a:lnSpc>
-              <a:buFontTx/>
-              <a:buChar char="-"/>
-            </a:pPr>
-            <a:r>
-              <a:rPr lang="ko-KR" altLang="en-US" dirty="0">
-                <a:solidFill>
-                  <a:srgbClr val="464646"/>
-                </a:solidFill>
-                <a:latin typeface="+mn-ea"/>
-              </a:rPr>
-              <a:t>게시판 글 검색은 제목과 본문 내용으로 검색이 가능하다</a:t>
-            </a:r>
-            <a:r>
-              <a:rPr lang="en-US" altLang="ko-KR" dirty="0">
-                <a:solidFill>
-                  <a:srgbClr val="464646"/>
-                </a:solidFill>
-                <a:latin typeface="+mn-ea"/>
-              </a:rPr>
-              <a:t>.</a:t>
-            </a:r>
-          </a:p>
-          <a:p>
-            <a:pPr marL="742950" lvl="1" indent="-285750">
-              <a:lnSpc>
-                <a:spcPct val="150000"/>
-              </a:lnSpc>
-              <a:buFontTx/>
-              <a:buChar char="-"/>
-            </a:pPr>
-            <a:r>
-              <a:rPr lang="ko-KR" altLang="en-US" dirty="0">
-                <a:solidFill>
-                  <a:srgbClr val="464646"/>
-                </a:solidFill>
-                <a:latin typeface="+mn-ea"/>
-              </a:rPr>
-              <a:t>등록된 맛집은 평점이 </a:t>
-            </a:r>
-            <a:r>
-              <a:rPr lang="en-US" altLang="ko-KR" dirty="0">
-                <a:solidFill>
-                  <a:srgbClr val="464646"/>
-                </a:solidFill>
-                <a:latin typeface="+mn-ea"/>
-              </a:rPr>
-              <a:t>4.5</a:t>
-            </a:r>
-            <a:r>
-              <a:rPr lang="ko-KR" altLang="en-US" dirty="0">
-                <a:solidFill>
-                  <a:srgbClr val="464646"/>
-                </a:solidFill>
-                <a:latin typeface="+mn-ea"/>
-              </a:rPr>
-              <a:t>점 이상이고</a:t>
-            </a:r>
-            <a:r>
-              <a:rPr lang="en-US" altLang="ko-KR" dirty="0">
-                <a:solidFill>
-                  <a:srgbClr val="464646"/>
-                </a:solidFill>
-                <a:latin typeface="+mn-ea"/>
-              </a:rPr>
-              <a:t> 5</a:t>
-            </a:r>
-            <a:r>
-              <a:rPr lang="ko-KR" altLang="en-US" dirty="0">
-                <a:solidFill>
-                  <a:srgbClr val="464646"/>
-                </a:solidFill>
-                <a:latin typeface="+mn-ea"/>
-              </a:rPr>
-              <a:t>명 이상이 평점을 등록했을 경우에 추천 맛집 리스트에 출력된다</a:t>
-            </a:r>
-            <a:r>
-              <a:rPr lang="en-US" altLang="ko-KR" dirty="0">
-                <a:solidFill>
-                  <a:srgbClr val="464646"/>
-                </a:solidFill>
-                <a:latin typeface="+mn-ea"/>
-              </a:rPr>
-              <a:t>.</a:t>
-            </a:r>
-          </a:p>
-          <a:p>
-            <a:pPr marL="742950" lvl="1" indent="-285750">
-              <a:lnSpc>
-                <a:spcPct val="150000"/>
-              </a:lnSpc>
-              <a:buFontTx/>
-              <a:buChar char="-"/>
-            </a:pPr>
-            <a:endParaRPr lang="en-US" altLang="ko-KR" dirty="0">
-              <a:latin typeface="+mn-ea"/>
-            </a:endParaRPr>
-          </a:p>
-          <a:p>
-            <a:pPr marL="285750" indent="-285750">
-              <a:lnSpc>
-                <a:spcPct val="150000"/>
-              </a:lnSpc>
-              <a:buFont typeface="Wingdings" panose="05000000000000000000" pitchFamily="2" charset="2"/>
-              <a:buChar char="§"/>
-            </a:pPr>
-            <a:r>
-              <a:rPr lang="ko-KR" altLang="en-US" dirty="0">
-                <a:latin typeface="+mn-ea"/>
-              </a:rPr>
-              <a:t>관리자</a:t>
-            </a:r>
-            <a:r>
-              <a:rPr lang="ko-KR" altLang="en-US" dirty="0">
-                <a:solidFill>
-                  <a:srgbClr val="464646"/>
-                </a:solidFill>
-                <a:latin typeface="+mn-ea"/>
-              </a:rPr>
-              <a:t> </a:t>
-            </a:r>
-          </a:p>
-          <a:p>
-            <a:pPr marL="742950" lvl="1" indent="-285750">
-              <a:lnSpc>
-                <a:spcPct val="150000"/>
-              </a:lnSpc>
-              <a:buFontTx/>
-              <a:buChar char="-"/>
-            </a:pPr>
-            <a:r>
-              <a:rPr lang="ko-KR" altLang="en-US" dirty="0">
-                <a:solidFill>
-                  <a:srgbClr val="464646"/>
-                </a:solidFill>
-                <a:latin typeface="+mn-ea"/>
-              </a:rPr>
-              <a:t>관리자 모드에서는 전반적인 회원 관리가 가능하며</a:t>
-            </a:r>
-            <a:r>
-              <a:rPr lang="en-US" altLang="ko-KR" dirty="0">
-                <a:solidFill>
-                  <a:srgbClr val="464646"/>
-                </a:solidFill>
-                <a:latin typeface="+mn-ea"/>
-              </a:rPr>
-              <a:t>, </a:t>
-            </a:r>
-            <a:r>
-              <a:rPr lang="ko-KR" altLang="en-US" dirty="0">
-                <a:solidFill>
-                  <a:srgbClr val="464646"/>
-                </a:solidFill>
-                <a:latin typeface="+mn-ea"/>
-              </a:rPr>
-              <a:t>회원 탈퇴 및 회원 목록 보기가 가능하다</a:t>
-            </a:r>
-            <a:r>
-              <a:rPr lang="en-US" altLang="ko-KR" dirty="0">
-                <a:solidFill>
-                  <a:srgbClr val="464646"/>
-                </a:solidFill>
-                <a:latin typeface="+mn-ea"/>
-              </a:rPr>
-              <a:t>.</a:t>
-            </a:r>
-          </a:p>
-          <a:p>
-            <a:pPr marL="742950" lvl="1" indent="-285750">
-              <a:lnSpc>
-                <a:spcPct val="150000"/>
-              </a:lnSpc>
-              <a:buFontTx/>
-              <a:buChar char="-"/>
-            </a:pPr>
-            <a:r>
-              <a:rPr lang="ko-KR" altLang="en-US" dirty="0">
-                <a:solidFill>
-                  <a:srgbClr val="464646"/>
-                </a:solidFill>
-                <a:latin typeface="+mn-ea"/>
-              </a:rPr>
-              <a:t>공지 게시판 글 작성 및 수정</a:t>
-            </a:r>
-            <a:r>
-              <a:rPr lang="en-US" altLang="ko-KR" dirty="0">
-                <a:solidFill>
-                  <a:srgbClr val="464646"/>
-                </a:solidFill>
-                <a:latin typeface="+mn-ea"/>
-              </a:rPr>
-              <a:t>, </a:t>
-            </a:r>
-            <a:r>
-              <a:rPr lang="ko-KR" altLang="en-US" dirty="0">
-                <a:solidFill>
-                  <a:srgbClr val="464646"/>
-                </a:solidFill>
-                <a:latin typeface="+mn-ea"/>
-              </a:rPr>
-              <a:t>삭제가 가능하다</a:t>
-            </a:r>
-            <a:r>
-              <a:rPr lang="en-US" altLang="ko-KR" dirty="0">
-                <a:solidFill>
-                  <a:srgbClr val="464646"/>
-                </a:solidFill>
-                <a:latin typeface="+mn-ea"/>
-              </a:rPr>
-              <a:t>.</a:t>
-            </a:r>
-          </a:p>
-          <a:p>
-            <a:pPr marL="742950" lvl="1" indent="-285750">
-              <a:lnSpc>
-                <a:spcPct val="150000"/>
-              </a:lnSpc>
-              <a:buFontTx/>
-              <a:buChar char="-"/>
-            </a:pPr>
-            <a:r>
-              <a:rPr lang="ko-KR" altLang="en-US" dirty="0">
-                <a:solidFill>
-                  <a:srgbClr val="464646"/>
-                </a:solidFill>
-                <a:latin typeface="+mn-ea"/>
-              </a:rPr>
-              <a:t>다른 회원이 등록한 맛집은 관리자 모드에서도 삭제가 가능하다</a:t>
-            </a:r>
-            <a:r>
-              <a:rPr lang="en-US" altLang="ko-KR" dirty="0">
-                <a:solidFill>
-                  <a:srgbClr val="464646"/>
-                </a:solidFill>
-                <a:latin typeface="+mn-ea"/>
-              </a:rPr>
-              <a:t>.</a:t>
-            </a:r>
-            <a:r>
-              <a:rPr lang="ko-KR" altLang="en-US" dirty="0">
-                <a:solidFill>
-                  <a:srgbClr val="464646"/>
-                </a:solidFill>
-                <a:latin typeface="+mn-ea"/>
-              </a:rPr>
-              <a:t> </a:t>
-            </a:r>
-          </a:p>
-          <a:p>
-            <a:pPr lvl="1">
-              <a:lnSpc>
-                <a:spcPct val="150000"/>
-              </a:lnSpc>
-            </a:pPr>
-            <a:endParaRPr lang="en-US" altLang="ko-KR" dirty="0">
-              <a:solidFill>
-                <a:schemeClr val="tx1"/>
-              </a:solidFill>
-              <a:latin typeface="+mn-ea"/>
-            </a:endParaRPr>
-          </a:p>
-        </p:txBody>
-      </p:sp>
+      </p:pic>
     </p:spTree>
     <p:extLst>
       <p:ext uri="{BB962C8B-B14F-4D97-AF65-F5344CB8AC3E}">
-        <p14:creationId xmlns:p14="http://schemas.microsoft.com/office/powerpoint/2010/main" val="2345500678"/>
+        <p14:creationId xmlns:p14="http://schemas.microsoft.com/office/powerpoint/2010/main" val="4108203812"/>
       </p:ext>
     </p:extLst>
   </p:cSld>

--- a/project/MustEat.pptx
+++ b/project/MustEat.pptx
@@ -5,7 +5,7 @@
     <p:sldMasterId id="2147483662" r:id="rId1"/>
   </p:sldMasterIdLst>
   <p:notesMasterIdLst>
-    <p:notesMasterId r:id="rId15"/>
+    <p:notesMasterId r:id="rId16"/>
   </p:notesMasterIdLst>
   <p:sldIdLst>
     <p:sldId id="256" r:id="rId2"/>
@@ -18,9 +18,10 @@
     <p:sldId id="276" r:id="rId9"/>
     <p:sldId id="274" r:id="rId10"/>
     <p:sldId id="277" r:id="rId11"/>
-    <p:sldId id="278" r:id="rId12"/>
-    <p:sldId id="279" r:id="rId13"/>
-    <p:sldId id="268" r:id="rId14"/>
+    <p:sldId id="280" r:id="rId12"/>
+    <p:sldId id="278" r:id="rId13"/>
+    <p:sldId id="279" r:id="rId14"/>
+    <p:sldId id="268" r:id="rId15"/>
   </p:sldIdLst>
   <p:sldSz cx="18288000" cy="10287000"/>
   <p:notesSz cx="10287000" cy="18288000"/>
@@ -3474,45 +3475,6 @@
       </p:sp>
       <p:sp>
         <p:nvSpPr>
-          <p:cNvPr id="3" name="Object 3"/>
-          <p:cNvSpPr txBox="1"/>
-          <p:nvPr/>
-        </p:nvSpPr>
-        <p:spPr>
-          <a:xfrm rot="5400000">
-            <a:off x="12885688" y="4983480"/>
-            <a:ext cx="8988160" cy="320040"/>
-          </a:xfrm>
-          <a:prstGeom prst="rect">
-            <a:avLst/>
-          </a:prstGeom>
-          <a:noFill/>
-        </p:spPr>
-        <p:txBody>
-          <a:bodyPr wrap="square" anchor="ctr">
-            <a:spAutoFit/>
-          </a:bodyPr>
-          <a:lstStyle/>
-          <a:p>
-            <a:pPr algn="ctr">
-              <a:defRPr/>
-            </a:pPr>
-            <a:r>
-              <a:rPr lang="en-US" sz="1500" b="1">
-                <a:solidFill>
-                  <a:srgbClr val="000000"/>
-                </a:solidFill>
-                <a:latin typeface="Gmarket Sans Light"/>
-                <a:cs typeface="Gmarket Sans Light"/>
-              </a:rPr>
-              <a:t>PLEASE ENTER YOUR TEXT</a:t>
-            </a:r>
-            <a:endParaRPr lang="en-US"/>
-          </a:p>
-        </p:txBody>
-      </p:sp>
-      <p:sp>
-        <p:nvSpPr>
           <p:cNvPr id="4" name="Object 4"/>
           <p:cNvSpPr txBox="1"/>
           <p:nvPr/>
@@ -3607,7 +3569,7 @@
         </p:nvSpPr>
         <p:spPr>
           <a:xfrm>
-            <a:off x="917960" y="5722676"/>
+            <a:off x="721569" y="6957810"/>
             <a:ext cx="8077200" cy="823558"/>
           </a:xfrm>
           <a:prstGeom prst="rect">
@@ -3625,15 +3587,22 @@
               <a:defRPr/>
             </a:pPr>
             <a:r>
-              <a:rPr lang="en-US" altLang="ko-KR" sz="4800" dirty="0">
+              <a:rPr lang="ko-KR" altLang="en-US" sz="4800" dirty="0">
                 <a:solidFill>
                   <a:srgbClr val="000000"/>
                 </a:solidFill>
                 <a:latin typeface="S-Core Dream 3 Light"/>
                 <a:cs typeface="S-Core Dream 3 Light"/>
               </a:rPr>
-              <a:t>Must - Eat</a:t>
-            </a:r>
+              <a:t>프로젝트 로고 및 제목</a:t>
+            </a:r>
+            <a:endParaRPr lang="en-US" altLang="ko-KR" sz="4800" dirty="0">
+              <a:solidFill>
+                <a:srgbClr val="000000"/>
+              </a:solidFill>
+              <a:latin typeface="S-Core Dream 3 Light"/>
+              <a:cs typeface="S-Core Dream 3 Light"/>
+            </a:endParaRPr>
           </a:p>
         </p:txBody>
       </p:sp>
@@ -3645,8 +3614,8 @@
         </p:nvGrpSpPr>
         <p:grpSpPr>
           <a:xfrm>
-            <a:off x="1304724" y="7883654"/>
-            <a:ext cx="4180952" cy="36571"/>
+            <a:off x="999924" y="4885617"/>
+            <a:ext cx="5553276" cy="45719"/>
             <a:chOff x="1609524" y="4841229"/>
             <a:chExt cx="4180952" cy="36571"/>
           </a:xfrm>
@@ -3684,8 +3653,8 @@
         </p:nvSpPr>
         <p:spPr>
           <a:xfrm>
-            <a:off x="2514600" y="7614475"/>
-            <a:ext cx="4176526" cy="419050"/>
+            <a:off x="2209800" y="4616438"/>
+            <a:ext cx="5334000" cy="430887"/>
           </a:xfrm>
           <a:prstGeom prst="rect">
             <a:avLst/>
@@ -3702,7 +3671,7 @@
               <a:defRPr/>
             </a:pPr>
             <a:r>
-              <a:rPr lang="en-US" altLang="ko-KR" sz="2200">
+              <a:rPr lang="en-US" altLang="ko-KR" sz="2200" dirty="0">
                 <a:solidFill>
                   <a:srgbClr val="000000"/>
                 </a:solidFill>
@@ -3730,7 +3699,7 @@
         </p:blipFill>
         <p:spPr>
           <a:xfrm rot="10800000">
-            <a:off x="380999" y="7119125"/>
+            <a:off x="76199" y="4121088"/>
             <a:ext cx="1140896" cy="1243372"/>
           </a:xfrm>
           <a:prstGeom prst="rect">
@@ -3771,7 +3740,7 @@
     <mc:Choice Requires="p14">
       <p:transition/>
     </mc:Choice>
-    <mc:Fallback xmlns="" xmlns:c="http://schemas.openxmlformats.org/drawingml/2006/chart" xmlns:dgm="http://schemas.openxmlformats.org/drawingml/2006/diagram" xmlns:dsp="http://schemas.microsoft.com/office/drawing/2008/diagram">
+    <mc:Fallback xmlns:dsp="http://schemas.microsoft.com/office/drawing/2008/diagram" xmlns:dgm="http://schemas.openxmlformats.org/drawingml/2006/diagram" xmlns:c="http://schemas.openxmlformats.org/drawingml/2006/chart" xmlns="">
       <p:transition/>
     </mc:Fallback>
   </mc:AlternateContent>
@@ -3885,7 +3854,7 @@
         <p:spPr>
           <a:xfrm>
             <a:off x="746650" y="648777"/>
-            <a:ext cx="9735757" cy="707886"/>
+            <a:ext cx="12485055" cy="707886"/>
           </a:xfrm>
           <a:prstGeom prst="rect">
             <a:avLst/>
@@ -3926,9 +3895,2843 @@
                 <a:latin typeface="Gmarket Sans Medium" pitchFamily="34" charset="0"/>
                 <a:cs typeface="Gmarket Sans Medium" pitchFamily="34" charset="0"/>
               </a:rPr>
-              <a:t>(Sequence Diagram)</a:t>
+              <a:t>(User</a:t>
+            </a:r>
+            <a:r>
+              <a:rPr lang="ko-KR" altLang="en-US" sz="4000" dirty="0">
+                <a:solidFill>
+                  <a:srgbClr val="0181D8"/>
+                </a:solidFill>
+                <a:latin typeface="Gmarket Sans Medium" pitchFamily="34" charset="0"/>
+                <a:cs typeface="Gmarket Sans Medium" pitchFamily="34" charset="0"/>
+              </a:rPr>
+              <a:t> </a:t>
+            </a:r>
+            <a:r>
+              <a:rPr lang="en-US" altLang="ko-KR" sz="4000" dirty="0">
+                <a:solidFill>
+                  <a:srgbClr val="0181D8"/>
+                </a:solidFill>
+                <a:latin typeface="Gmarket Sans Medium" pitchFamily="34" charset="0"/>
+                <a:cs typeface="Gmarket Sans Medium" pitchFamily="34" charset="0"/>
+              </a:rPr>
+              <a:t>Mode Sequence Diagram)</a:t>
             </a:r>
             <a:endParaRPr lang="en-US" dirty="0"/>
+          </a:p>
+        </p:txBody>
+      </p:sp>
+      <p:sp>
+        <p:nvSpPr>
+          <p:cNvPr id="90" name="직사각형 89">
+            <a:extLst>
+              <a:ext uri="{FF2B5EF4-FFF2-40B4-BE49-F238E27FC236}">
+                <a16:creationId xmlns:a16="http://schemas.microsoft.com/office/drawing/2014/main" id="{D7E8F8B3-37F8-431A-819D-2DCE19EB7F61}"/>
+              </a:ext>
+            </a:extLst>
+          </p:cNvPr>
+          <p:cNvSpPr/>
+          <p:nvPr/>
+        </p:nvSpPr>
+        <p:spPr>
+          <a:xfrm>
+            <a:off x="1627295" y="2171801"/>
+            <a:ext cx="1310750" cy="707886"/>
+          </a:xfrm>
+          <a:prstGeom prst="rect">
+            <a:avLst/>
+          </a:prstGeom>
+          <a:solidFill>
+            <a:srgbClr val="61B0E7"/>
+          </a:solidFill>
+          <a:ln>
+            <a:noFill/>
+          </a:ln>
+        </p:spPr>
+        <p:style>
+          <a:lnRef idx="0">
+            <a:scrgbClr r="0" g="0" b="0"/>
+          </a:lnRef>
+          <a:fillRef idx="0">
+            <a:scrgbClr r="0" g="0" b="0"/>
+          </a:fillRef>
+          <a:effectRef idx="0">
+            <a:scrgbClr r="0" g="0" b="0"/>
+          </a:effectRef>
+          <a:fontRef idx="minor">
+            <a:schemeClr val="lt1"/>
+          </a:fontRef>
+        </p:style>
+        <p:txBody>
+          <a:bodyPr rtlCol="0" anchor="ctr"/>
+          <a:lstStyle/>
+          <a:p>
+            <a:pPr algn="ctr"/>
+            <a:r>
+              <a:rPr lang="ko-KR" altLang="en-US" dirty="0"/>
+              <a:t>방문</a:t>
+            </a:r>
+          </a:p>
+        </p:txBody>
+      </p:sp>
+      <p:sp>
+        <p:nvSpPr>
+          <p:cNvPr id="91" name="직사각형 90">
+            <a:extLst>
+              <a:ext uri="{FF2B5EF4-FFF2-40B4-BE49-F238E27FC236}">
+                <a16:creationId xmlns:a16="http://schemas.microsoft.com/office/drawing/2014/main" id="{7CF1CB69-608E-4B14-9E7E-5106BD30796A}"/>
+              </a:ext>
+            </a:extLst>
+          </p:cNvPr>
+          <p:cNvSpPr/>
+          <p:nvPr/>
+        </p:nvSpPr>
+        <p:spPr>
+          <a:xfrm>
+            <a:off x="3234483" y="2171801"/>
+            <a:ext cx="1310750" cy="707886"/>
+          </a:xfrm>
+          <a:prstGeom prst="rect">
+            <a:avLst/>
+          </a:prstGeom>
+          <a:solidFill>
+            <a:srgbClr val="61B0E7"/>
+          </a:solidFill>
+          <a:ln>
+            <a:noFill/>
+          </a:ln>
+        </p:spPr>
+        <p:style>
+          <a:lnRef idx="0">
+            <a:scrgbClr r="0" g="0" b="0"/>
+          </a:lnRef>
+          <a:fillRef idx="0">
+            <a:scrgbClr r="0" g="0" b="0"/>
+          </a:fillRef>
+          <a:effectRef idx="0">
+            <a:scrgbClr r="0" g="0" b="0"/>
+          </a:effectRef>
+          <a:fontRef idx="minor">
+            <a:schemeClr val="lt1"/>
+          </a:fontRef>
+        </p:style>
+        <p:txBody>
+          <a:bodyPr rtlCol="0" anchor="ctr"/>
+          <a:lstStyle/>
+          <a:p>
+            <a:pPr algn="ctr"/>
+            <a:r>
+              <a:rPr lang="ko-KR" altLang="en-US" dirty="0"/>
+              <a:t>가입</a:t>
+            </a:r>
+          </a:p>
+        </p:txBody>
+      </p:sp>
+      <p:sp>
+        <p:nvSpPr>
+          <p:cNvPr id="92" name="직사각형 91">
+            <a:extLst>
+              <a:ext uri="{FF2B5EF4-FFF2-40B4-BE49-F238E27FC236}">
+                <a16:creationId xmlns:a16="http://schemas.microsoft.com/office/drawing/2014/main" id="{163EA104-08AE-4E4C-BE01-DC996859E13C}"/>
+              </a:ext>
+            </a:extLst>
+          </p:cNvPr>
+          <p:cNvSpPr/>
+          <p:nvPr/>
+        </p:nvSpPr>
+        <p:spPr>
+          <a:xfrm>
+            <a:off x="4841671" y="2171902"/>
+            <a:ext cx="1310750" cy="707886"/>
+          </a:xfrm>
+          <a:prstGeom prst="rect">
+            <a:avLst/>
+          </a:prstGeom>
+          <a:solidFill>
+            <a:srgbClr val="61B0E7"/>
+          </a:solidFill>
+          <a:ln>
+            <a:noFill/>
+          </a:ln>
+        </p:spPr>
+        <p:style>
+          <a:lnRef idx="0">
+            <a:scrgbClr r="0" g="0" b="0"/>
+          </a:lnRef>
+          <a:fillRef idx="0">
+            <a:scrgbClr r="0" g="0" b="0"/>
+          </a:fillRef>
+          <a:effectRef idx="0">
+            <a:scrgbClr r="0" g="0" b="0"/>
+          </a:effectRef>
+          <a:fontRef idx="minor">
+            <a:schemeClr val="lt1"/>
+          </a:fontRef>
+        </p:style>
+        <p:txBody>
+          <a:bodyPr rtlCol="0" anchor="ctr"/>
+          <a:lstStyle/>
+          <a:p>
+            <a:pPr algn="ctr"/>
+            <a:r>
+              <a:rPr lang="ko-KR" altLang="en-US" dirty="0"/>
+              <a:t>로그인</a:t>
+            </a:r>
+            <a:endParaRPr lang="en-US" altLang="ko-KR" dirty="0"/>
+          </a:p>
+          <a:p>
+            <a:pPr algn="ctr"/>
+            <a:r>
+              <a:rPr lang="ko-KR" altLang="en-US" dirty="0"/>
+              <a:t>로그아웃</a:t>
+            </a:r>
+          </a:p>
+        </p:txBody>
+      </p:sp>
+      <p:sp>
+        <p:nvSpPr>
+          <p:cNvPr id="93" name="직사각형 92">
+            <a:extLst>
+              <a:ext uri="{FF2B5EF4-FFF2-40B4-BE49-F238E27FC236}">
+                <a16:creationId xmlns:a16="http://schemas.microsoft.com/office/drawing/2014/main" id="{F1BB69CE-077F-460C-928D-72D7CBB845CF}"/>
+              </a:ext>
+            </a:extLst>
+          </p:cNvPr>
+          <p:cNvSpPr/>
+          <p:nvPr/>
+        </p:nvSpPr>
+        <p:spPr>
+          <a:xfrm>
+            <a:off x="11219749" y="2171700"/>
+            <a:ext cx="1310750" cy="707886"/>
+          </a:xfrm>
+          <a:prstGeom prst="rect">
+            <a:avLst/>
+          </a:prstGeom>
+          <a:solidFill>
+            <a:srgbClr val="61B0E7"/>
+          </a:solidFill>
+          <a:ln>
+            <a:noFill/>
+          </a:ln>
+        </p:spPr>
+        <p:style>
+          <a:lnRef idx="0">
+            <a:scrgbClr r="0" g="0" b="0"/>
+          </a:lnRef>
+          <a:fillRef idx="0">
+            <a:scrgbClr r="0" g="0" b="0"/>
+          </a:fillRef>
+          <a:effectRef idx="0">
+            <a:scrgbClr r="0" g="0" b="0"/>
+          </a:effectRef>
+          <a:fontRef idx="minor">
+            <a:schemeClr val="lt1"/>
+          </a:fontRef>
+        </p:style>
+        <p:txBody>
+          <a:bodyPr rtlCol="0" anchor="ctr"/>
+          <a:lstStyle/>
+          <a:p>
+            <a:pPr algn="ctr"/>
+            <a:r>
+              <a:rPr lang="ko-KR" altLang="en-US" dirty="0"/>
+              <a:t>마이</a:t>
+            </a:r>
+            <a:endParaRPr lang="en-US" altLang="ko-KR" dirty="0"/>
+          </a:p>
+          <a:p>
+            <a:pPr algn="ctr"/>
+            <a:r>
+              <a:rPr lang="ko-KR" altLang="en-US" dirty="0"/>
+              <a:t>페이지</a:t>
+            </a:r>
+          </a:p>
+        </p:txBody>
+      </p:sp>
+      <p:sp>
+        <p:nvSpPr>
+          <p:cNvPr id="96" name="직사각형 95">
+            <a:extLst>
+              <a:ext uri="{FF2B5EF4-FFF2-40B4-BE49-F238E27FC236}">
+                <a16:creationId xmlns:a16="http://schemas.microsoft.com/office/drawing/2014/main" id="{DC247F0B-A489-479B-A19A-1F9E469BD740}"/>
+              </a:ext>
+            </a:extLst>
+          </p:cNvPr>
+          <p:cNvSpPr/>
+          <p:nvPr/>
+        </p:nvSpPr>
+        <p:spPr>
+          <a:xfrm>
+            <a:off x="12801600" y="2171700"/>
+            <a:ext cx="1310750" cy="707886"/>
+          </a:xfrm>
+          <a:prstGeom prst="rect">
+            <a:avLst/>
+          </a:prstGeom>
+          <a:solidFill>
+            <a:srgbClr val="61B0E7"/>
+          </a:solidFill>
+          <a:ln>
+            <a:noFill/>
+          </a:ln>
+        </p:spPr>
+        <p:style>
+          <a:lnRef idx="0">
+            <a:scrgbClr r="0" g="0" b="0"/>
+          </a:lnRef>
+          <a:fillRef idx="0">
+            <a:scrgbClr r="0" g="0" b="0"/>
+          </a:fillRef>
+          <a:effectRef idx="0">
+            <a:scrgbClr r="0" g="0" b="0"/>
+          </a:effectRef>
+          <a:fontRef idx="minor">
+            <a:schemeClr val="lt1"/>
+          </a:fontRef>
+        </p:style>
+        <p:txBody>
+          <a:bodyPr rtlCol="0" anchor="ctr"/>
+          <a:lstStyle/>
+          <a:p>
+            <a:pPr algn="ctr"/>
+            <a:r>
+              <a:rPr lang="ko-KR" altLang="en-US" dirty="0"/>
+              <a:t>게시판</a:t>
+            </a:r>
+          </a:p>
+        </p:txBody>
+      </p:sp>
+      <p:sp>
+        <p:nvSpPr>
+          <p:cNvPr id="98" name="직사각형 97">
+            <a:extLst>
+              <a:ext uri="{FF2B5EF4-FFF2-40B4-BE49-F238E27FC236}">
+                <a16:creationId xmlns:a16="http://schemas.microsoft.com/office/drawing/2014/main" id="{F479937D-27BB-419B-9B86-C0DB7C55F477}"/>
+              </a:ext>
+            </a:extLst>
+          </p:cNvPr>
+          <p:cNvSpPr/>
+          <p:nvPr/>
+        </p:nvSpPr>
+        <p:spPr>
+          <a:xfrm>
+            <a:off x="6423522" y="2171700"/>
+            <a:ext cx="1310750" cy="707886"/>
+          </a:xfrm>
+          <a:prstGeom prst="rect">
+            <a:avLst/>
+          </a:prstGeom>
+          <a:solidFill>
+            <a:srgbClr val="61B0E7"/>
+          </a:solidFill>
+          <a:ln>
+            <a:noFill/>
+          </a:ln>
+        </p:spPr>
+        <p:style>
+          <a:lnRef idx="0">
+            <a:scrgbClr r="0" g="0" b="0"/>
+          </a:lnRef>
+          <a:fillRef idx="0">
+            <a:scrgbClr r="0" g="0" b="0"/>
+          </a:fillRef>
+          <a:effectRef idx="0">
+            <a:scrgbClr r="0" g="0" b="0"/>
+          </a:effectRef>
+          <a:fontRef idx="minor">
+            <a:schemeClr val="lt1"/>
+          </a:fontRef>
+        </p:style>
+        <p:txBody>
+          <a:bodyPr rtlCol="0" anchor="ctr"/>
+          <a:lstStyle/>
+          <a:p>
+            <a:pPr algn="ctr"/>
+            <a:r>
+              <a:rPr lang="ko-KR" altLang="en-US" dirty="0"/>
+              <a:t>맛집 검색</a:t>
+            </a:r>
+          </a:p>
+        </p:txBody>
+      </p:sp>
+      <p:sp>
+        <p:nvSpPr>
+          <p:cNvPr id="99" name="직사각형 98">
+            <a:extLst>
+              <a:ext uri="{FF2B5EF4-FFF2-40B4-BE49-F238E27FC236}">
+                <a16:creationId xmlns:a16="http://schemas.microsoft.com/office/drawing/2014/main" id="{393088F6-AB43-4915-8279-7A57265525D0}"/>
+              </a:ext>
+            </a:extLst>
+          </p:cNvPr>
+          <p:cNvSpPr/>
+          <p:nvPr/>
+        </p:nvSpPr>
+        <p:spPr>
+          <a:xfrm>
+            <a:off x="8030710" y="2171700"/>
+            <a:ext cx="1310750" cy="707886"/>
+          </a:xfrm>
+          <a:prstGeom prst="rect">
+            <a:avLst/>
+          </a:prstGeom>
+          <a:solidFill>
+            <a:srgbClr val="61B0E7"/>
+          </a:solidFill>
+          <a:ln>
+            <a:noFill/>
+          </a:ln>
+        </p:spPr>
+        <p:style>
+          <a:lnRef idx="0">
+            <a:scrgbClr r="0" g="0" b="0"/>
+          </a:lnRef>
+          <a:fillRef idx="0">
+            <a:scrgbClr r="0" g="0" b="0"/>
+          </a:fillRef>
+          <a:effectRef idx="0">
+            <a:scrgbClr r="0" g="0" b="0"/>
+          </a:effectRef>
+          <a:fontRef idx="minor">
+            <a:schemeClr val="lt1"/>
+          </a:fontRef>
+        </p:style>
+        <p:txBody>
+          <a:bodyPr rtlCol="0" anchor="ctr"/>
+          <a:lstStyle/>
+          <a:p>
+            <a:pPr algn="ctr"/>
+            <a:r>
+              <a:rPr lang="ko-KR" altLang="en-US" dirty="0"/>
+              <a:t>맛집 등록</a:t>
+            </a:r>
+          </a:p>
+        </p:txBody>
+      </p:sp>
+      <p:sp>
+        <p:nvSpPr>
+          <p:cNvPr id="100" name="직사각형 99">
+            <a:extLst>
+              <a:ext uri="{FF2B5EF4-FFF2-40B4-BE49-F238E27FC236}">
+                <a16:creationId xmlns:a16="http://schemas.microsoft.com/office/drawing/2014/main" id="{AB527B37-FDEC-47BC-ACE7-948AC476203E}"/>
+              </a:ext>
+            </a:extLst>
+          </p:cNvPr>
+          <p:cNvSpPr/>
+          <p:nvPr/>
+        </p:nvSpPr>
+        <p:spPr>
+          <a:xfrm>
+            <a:off x="9637898" y="2171801"/>
+            <a:ext cx="1310750" cy="707886"/>
+          </a:xfrm>
+          <a:prstGeom prst="rect">
+            <a:avLst/>
+          </a:prstGeom>
+          <a:solidFill>
+            <a:srgbClr val="61B0E7"/>
+          </a:solidFill>
+          <a:ln>
+            <a:noFill/>
+          </a:ln>
+        </p:spPr>
+        <p:style>
+          <a:lnRef idx="0">
+            <a:scrgbClr r="0" g="0" b="0"/>
+          </a:lnRef>
+          <a:fillRef idx="0">
+            <a:scrgbClr r="0" g="0" b="0"/>
+          </a:fillRef>
+          <a:effectRef idx="0">
+            <a:scrgbClr r="0" g="0" b="0"/>
+          </a:effectRef>
+          <a:fontRef idx="minor">
+            <a:schemeClr val="lt1"/>
+          </a:fontRef>
+        </p:style>
+        <p:txBody>
+          <a:bodyPr rtlCol="0" anchor="ctr"/>
+          <a:lstStyle/>
+          <a:p>
+            <a:pPr algn="ctr"/>
+            <a:r>
+              <a:rPr lang="ko-KR" altLang="en-US" dirty="0"/>
+              <a:t>한 줄 평</a:t>
+            </a:r>
+            <a:endParaRPr lang="en-US" altLang="ko-KR" dirty="0"/>
+          </a:p>
+          <a:p>
+            <a:pPr algn="ctr"/>
+            <a:r>
+              <a:rPr lang="ko-KR" altLang="en-US" dirty="0"/>
+              <a:t>작성</a:t>
+            </a:r>
+          </a:p>
+        </p:txBody>
+      </p:sp>
+      <p:cxnSp>
+        <p:nvCxnSpPr>
+          <p:cNvPr id="968" name="직선 연결선 967">
+            <a:extLst>
+              <a:ext uri="{FF2B5EF4-FFF2-40B4-BE49-F238E27FC236}">
+                <a16:creationId xmlns:a16="http://schemas.microsoft.com/office/drawing/2014/main" id="{9A60C699-BEF1-45D4-8D04-CAA86E94B615}"/>
+              </a:ext>
+            </a:extLst>
+          </p:cNvPr>
+          <p:cNvCxnSpPr>
+            <a:cxnSpLocks/>
+            <a:stCxn id="90" idx="2"/>
+          </p:cNvCxnSpPr>
+          <p:nvPr/>
+        </p:nvCxnSpPr>
+        <p:spPr>
+          <a:xfrm>
+            <a:off x="2282670" y="2879687"/>
+            <a:ext cx="0" cy="5977341"/>
+          </a:xfrm>
+          <a:prstGeom prst="line">
+            <a:avLst/>
+          </a:prstGeom>
+          <a:ln w="31750" cap="flat" cmpd="sng" algn="ctr">
+            <a:solidFill>
+              <a:schemeClr val="accent1"/>
+            </a:solidFill>
+            <a:prstDash val="lgDash"/>
+            <a:round/>
+            <a:headEnd type="none" w="med" len="med"/>
+            <a:tailEnd type="none" w="med" len="med"/>
+          </a:ln>
+        </p:spPr>
+        <p:style>
+          <a:lnRef idx="0">
+            <a:scrgbClr r="0" g="0" b="0"/>
+          </a:lnRef>
+          <a:fillRef idx="0">
+            <a:scrgbClr r="0" g="0" b="0"/>
+          </a:fillRef>
+          <a:effectRef idx="0">
+            <a:scrgbClr r="0" g="0" b="0"/>
+          </a:effectRef>
+          <a:fontRef idx="minor">
+            <a:schemeClr val="tx1"/>
+          </a:fontRef>
+        </p:style>
+      </p:cxnSp>
+      <p:cxnSp>
+        <p:nvCxnSpPr>
+          <p:cNvPr id="112" name="직선 연결선 111">
+            <a:extLst>
+              <a:ext uri="{FF2B5EF4-FFF2-40B4-BE49-F238E27FC236}">
+                <a16:creationId xmlns:a16="http://schemas.microsoft.com/office/drawing/2014/main" id="{5D161FA5-DA4C-4599-82AD-2BCFC1315C65}"/>
+              </a:ext>
+            </a:extLst>
+          </p:cNvPr>
+          <p:cNvCxnSpPr>
+            <a:cxnSpLocks/>
+          </p:cNvCxnSpPr>
+          <p:nvPr/>
+        </p:nvCxnSpPr>
+        <p:spPr>
+          <a:xfrm>
+            <a:off x="3889858" y="2879586"/>
+            <a:ext cx="0" cy="5977341"/>
+          </a:xfrm>
+          <a:prstGeom prst="line">
+            <a:avLst/>
+          </a:prstGeom>
+          <a:ln w="31750" cap="flat" cmpd="sng" algn="ctr">
+            <a:solidFill>
+              <a:schemeClr val="accent1"/>
+            </a:solidFill>
+            <a:prstDash val="lgDash"/>
+            <a:round/>
+            <a:headEnd type="none" w="med" len="med"/>
+            <a:tailEnd type="none" w="med" len="med"/>
+          </a:ln>
+        </p:spPr>
+        <p:style>
+          <a:lnRef idx="0">
+            <a:scrgbClr r="0" g="0" b="0"/>
+          </a:lnRef>
+          <a:fillRef idx="0">
+            <a:scrgbClr r="0" g="0" b="0"/>
+          </a:fillRef>
+          <a:effectRef idx="0">
+            <a:scrgbClr r="0" g="0" b="0"/>
+          </a:effectRef>
+          <a:fontRef idx="minor">
+            <a:schemeClr val="tx1"/>
+          </a:fontRef>
+        </p:style>
+      </p:cxnSp>
+      <p:cxnSp>
+        <p:nvCxnSpPr>
+          <p:cNvPr id="113" name="직선 연결선 112">
+            <a:extLst>
+              <a:ext uri="{FF2B5EF4-FFF2-40B4-BE49-F238E27FC236}">
+                <a16:creationId xmlns:a16="http://schemas.microsoft.com/office/drawing/2014/main" id="{5B3FC862-0D3C-4F84-BE89-CBBDB8EBB05F}"/>
+              </a:ext>
+            </a:extLst>
+          </p:cNvPr>
+          <p:cNvCxnSpPr>
+            <a:cxnSpLocks/>
+          </p:cNvCxnSpPr>
+          <p:nvPr/>
+        </p:nvCxnSpPr>
+        <p:spPr>
+          <a:xfrm>
+            <a:off x="5497046" y="2879585"/>
+            <a:ext cx="0" cy="5977341"/>
+          </a:xfrm>
+          <a:prstGeom prst="line">
+            <a:avLst/>
+          </a:prstGeom>
+          <a:ln w="31750" cap="flat" cmpd="sng" algn="ctr">
+            <a:solidFill>
+              <a:schemeClr val="accent1"/>
+            </a:solidFill>
+            <a:prstDash val="lgDash"/>
+            <a:round/>
+            <a:headEnd type="none" w="med" len="med"/>
+            <a:tailEnd type="none" w="med" len="med"/>
+          </a:ln>
+        </p:spPr>
+        <p:style>
+          <a:lnRef idx="0">
+            <a:scrgbClr r="0" g="0" b="0"/>
+          </a:lnRef>
+          <a:fillRef idx="0">
+            <a:scrgbClr r="0" g="0" b="0"/>
+          </a:fillRef>
+          <a:effectRef idx="0">
+            <a:scrgbClr r="0" g="0" b="0"/>
+          </a:effectRef>
+          <a:fontRef idx="minor">
+            <a:schemeClr val="tx1"/>
+          </a:fontRef>
+        </p:style>
+      </p:cxnSp>
+      <p:cxnSp>
+        <p:nvCxnSpPr>
+          <p:cNvPr id="114" name="직선 연결선 113">
+            <a:extLst>
+              <a:ext uri="{FF2B5EF4-FFF2-40B4-BE49-F238E27FC236}">
+                <a16:creationId xmlns:a16="http://schemas.microsoft.com/office/drawing/2014/main" id="{FBD7BE20-EA8F-4A08-9905-0F56C8878891}"/>
+              </a:ext>
+            </a:extLst>
+          </p:cNvPr>
+          <p:cNvCxnSpPr>
+            <a:cxnSpLocks/>
+          </p:cNvCxnSpPr>
+          <p:nvPr/>
+        </p:nvCxnSpPr>
+        <p:spPr>
+          <a:xfrm>
+            <a:off x="7078897" y="2879584"/>
+            <a:ext cx="0" cy="5977341"/>
+          </a:xfrm>
+          <a:prstGeom prst="line">
+            <a:avLst/>
+          </a:prstGeom>
+          <a:ln w="31750" cap="flat" cmpd="sng" algn="ctr">
+            <a:solidFill>
+              <a:schemeClr val="accent1"/>
+            </a:solidFill>
+            <a:prstDash val="lgDash"/>
+            <a:round/>
+            <a:headEnd type="none" w="med" len="med"/>
+            <a:tailEnd type="none" w="med" len="med"/>
+          </a:ln>
+        </p:spPr>
+        <p:style>
+          <a:lnRef idx="0">
+            <a:scrgbClr r="0" g="0" b="0"/>
+          </a:lnRef>
+          <a:fillRef idx="0">
+            <a:scrgbClr r="0" g="0" b="0"/>
+          </a:fillRef>
+          <a:effectRef idx="0">
+            <a:scrgbClr r="0" g="0" b="0"/>
+          </a:effectRef>
+          <a:fontRef idx="minor">
+            <a:schemeClr val="tx1"/>
+          </a:fontRef>
+        </p:style>
+      </p:cxnSp>
+      <p:cxnSp>
+        <p:nvCxnSpPr>
+          <p:cNvPr id="115" name="직선 연결선 114">
+            <a:extLst>
+              <a:ext uri="{FF2B5EF4-FFF2-40B4-BE49-F238E27FC236}">
+                <a16:creationId xmlns:a16="http://schemas.microsoft.com/office/drawing/2014/main" id="{6313921F-18D0-41EA-9AD4-EB645FE68BCD}"/>
+              </a:ext>
+            </a:extLst>
+          </p:cNvPr>
+          <p:cNvCxnSpPr>
+            <a:cxnSpLocks/>
+          </p:cNvCxnSpPr>
+          <p:nvPr/>
+        </p:nvCxnSpPr>
+        <p:spPr>
+          <a:xfrm>
+            <a:off x="8718742" y="2879584"/>
+            <a:ext cx="0" cy="5977341"/>
+          </a:xfrm>
+          <a:prstGeom prst="line">
+            <a:avLst/>
+          </a:prstGeom>
+          <a:ln w="31750" cap="flat" cmpd="sng" algn="ctr">
+            <a:solidFill>
+              <a:schemeClr val="accent1"/>
+            </a:solidFill>
+            <a:prstDash val="lgDash"/>
+            <a:round/>
+            <a:headEnd type="none" w="med" len="med"/>
+            <a:tailEnd type="none" w="med" len="med"/>
+          </a:ln>
+        </p:spPr>
+        <p:style>
+          <a:lnRef idx="0">
+            <a:scrgbClr r="0" g="0" b="0"/>
+          </a:lnRef>
+          <a:fillRef idx="0">
+            <a:scrgbClr r="0" g="0" b="0"/>
+          </a:fillRef>
+          <a:effectRef idx="0">
+            <a:scrgbClr r="0" g="0" b="0"/>
+          </a:effectRef>
+          <a:fontRef idx="minor">
+            <a:schemeClr val="tx1"/>
+          </a:fontRef>
+        </p:style>
+      </p:cxnSp>
+      <p:cxnSp>
+        <p:nvCxnSpPr>
+          <p:cNvPr id="116" name="직선 연결선 115">
+            <a:extLst>
+              <a:ext uri="{FF2B5EF4-FFF2-40B4-BE49-F238E27FC236}">
+                <a16:creationId xmlns:a16="http://schemas.microsoft.com/office/drawing/2014/main" id="{AD2930C2-A021-4F28-B27A-D0089BD29FEB}"/>
+              </a:ext>
+            </a:extLst>
+          </p:cNvPr>
+          <p:cNvCxnSpPr>
+            <a:cxnSpLocks/>
+          </p:cNvCxnSpPr>
+          <p:nvPr/>
+        </p:nvCxnSpPr>
+        <p:spPr>
+          <a:xfrm>
+            <a:off x="10293273" y="2879584"/>
+            <a:ext cx="0" cy="5977341"/>
+          </a:xfrm>
+          <a:prstGeom prst="line">
+            <a:avLst/>
+          </a:prstGeom>
+          <a:ln w="31750" cap="flat" cmpd="sng" algn="ctr">
+            <a:solidFill>
+              <a:schemeClr val="accent1"/>
+            </a:solidFill>
+            <a:prstDash val="lgDash"/>
+            <a:round/>
+            <a:headEnd type="none" w="med" len="med"/>
+            <a:tailEnd type="none" w="med" len="med"/>
+          </a:ln>
+        </p:spPr>
+        <p:style>
+          <a:lnRef idx="0">
+            <a:scrgbClr r="0" g="0" b="0"/>
+          </a:lnRef>
+          <a:fillRef idx="0">
+            <a:scrgbClr r="0" g="0" b="0"/>
+          </a:fillRef>
+          <a:effectRef idx="0">
+            <a:scrgbClr r="0" g="0" b="0"/>
+          </a:effectRef>
+          <a:fontRef idx="minor">
+            <a:schemeClr val="tx1"/>
+          </a:fontRef>
+        </p:style>
+      </p:cxnSp>
+      <p:cxnSp>
+        <p:nvCxnSpPr>
+          <p:cNvPr id="117" name="직선 연결선 116">
+            <a:extLst>
+              <a:ext uri="{FF2B5EF4-FFF2-40B4-BE49-F238E27FC236}">
+                <a16:creationId xmlns:a16="http://schemas.microsoft.com/office/drawing/2014/main" id="{ED2B912D-CEDB-472B-A682-2A016D342222}"/>
+              </a:ext>
+            </a:extLst>
+          </p:cNvPr>
+          <p:cNvCxnSpPr>
+            <a:cxnSpLocks/>
+          </p:cNvCxnSpPr>
+          <p:nvPr/>
+        </p:nvCxnSpPr>
+        <p:spPr>
+          <a:xfrm>
+            <a:off x="11893267" y="2879584"/>
+            <a:ext cx="0" cy="5977341"/>
+          </a:xfrm>
+          <a:prstGeom prst="line">
+            <a:avLst/>
+          </a:prstGeom>
+          <a:ln w="31750" cap="flat" cmpd="sng" algn="ctr">
+            <a:solidFill>
+              <a:schemeClr val="accent1"/>
+            </a:solidFill>
+            <a:prstDash val="lgDash"/>
+            <a:round/>
+            <a:headEnd type="none" w="med" len="med"/>
+            <a:tailEnd type="none" w="med" len="med"/>
+          </a:ln>
+        </p:spPr>
+        <p:style>
+          <a:lnRef idx="0">
+            <a:scrgbClr r="0" g="0" b="0"/>
+          </a:lnRef>
+          <a:fillRef idx="0">
+            <a:scrgbClr r="0" g="0" b="0"/>
+          </a:fillRef>
+          <a:effectRef idx="0">
+            <a:scrgbClr r="0" g="0" b="0"/>
+          </a:effectRef>
+          <a:fontRef idx="minor">
+            <a:schemeClr val="tx1"/>
+          </a:fontRef>
+        </p:style>
+      </p:cxnSp>
+      <p:cxnSp>
+        <p:nvCxnSpPr>
+          <p:cNvPr id="118" name="직선 연결선 117">
+            <a:extLst>
+              <a:ext uri="{FF2B5EF4-FFF2-40B4-BE49-F238E27FC236}">
+                <a16:creationId xmlns:a16="http://schemas.microsoft.com/office/drawing/2014/main" id="{846E7996-8DCE-4914-984F-DED1F1502053}"/>
+              </a:ext>
+            </a:extLst>
+          </p:cNvPr>
+          <p:cNvCxnSpPr>
+            <a:cxnSpLocks/>
+          </p:cNvCxnSpPr>
+          <p:nvPr/>
+        </p:nvCxnSpPr>
+        <p:spPr>
+          <a:xfrm>
+            <a:off x="13456975" y="2879583"/>
+            <a:ext cx="0" cy="5977341"/>
+          </a:xfrm>
+          <a:prstGeom prst="line">
+            <a:avLst/>
+          </a:prstGeom>
+          <a:ln w="31750" cap="flat" cmpd="sng" algn="ctr">
+            <a:solidFill>
+              <a:schemeClr val="accent1"/>
+            </a:solidFill>
+            <a:prstDash val="lgDash"/>
+            <a:round/>
+            <a:headEnd type="none" w="med" len="med"/>
+            <a:tailEnd type="none" w="med" len="med"/>
+          </a:ln>
+        </p:spPr>
+        <p:style>
+          <a:lnRef idx="0">
+            <a:scrgbClr r="0" g="0" b="0"/>
+          </a:lnRef>
+          <a:fillRef idx="0">
+            <a:scrgbClr r="0" g="0" b="0"/>
+          </a:fillRef>
+          <a:effectRef idx="0">
+            <a:scrgbClr r="0" g="0" b="0"/>
+          </a:effectRef>
+          <a:fontRef idx="minor">
+            <a:schemeClr val="tx1"/>
+          </a:fontRef>
+        </p:style>
+      </p:cxnSp>
+      <p:sp>
+        <p:nvSpPr>
+          <p:cNvPr id="120" name="직사각형 119">
+            <a:extLst>
+              <a:ext uri="{FF2B5EF4-FFF2-40B4-BE49-F238E27FC236}">
+                <a16:creationId xmlns:a16="http://schemas.microsoft.com/office/drawing/2014/main" id="{6920FCA4-83EF-43DB-B35E-59FE6D2A20F9}"/>
+              </a:ext>
+            </a:extLst>
+          </p:cNvPr>
+          <p:cNvSpPr/>
+          <p:nvPr/>
+        </p:nvSpPr>
+        <p:spPr>
+          <a:xfrm>
+            <a:off x="1911894" y="3249525"/>
+            <a:ext cx="755941" cy="461528"/>
+          </a:xfrm>
+          <a:prstGeom prst="rect">
+            <a:avLst/>
+          </a:prstGeom>
+          <a:solidFill>
+            <a:srgbClr val="CDF5FF"/>
+          </a:solidFill>
+          <a:ln>
+            <a:noFill/>
+          </a:ln>
+        </p:spPr>
+        <p:style>
+          <a:lnRef idx="0">
+            <a:scrgbClr r="0" g="0" b="0"/>
+          </a:lnRef>
+          <a:fillRef idx="0">
+            <a:scrgbClr r="0" g="0" b="0"/>
+          </a:fillRef>
+          <a:effectRef idx="0">
+            <a:scrgbClr r="0" g="0" b="0"/>
+          </a:effectRef>
+          <a:fontRef idx="minor">
+            <a:schemeClr val="lt1"/>
+          </a:fontRef>
+        </p:style>
+        <p:txBody>
+          <a:bodyPr rtlCol="0" anchor="ctr"/>
+          <a:lstStyle/>
+          <a:p>
+            <a:pPr algn="ctr"/>
+            <a:endParaRPr lang="ko-KR" altLang="en-US" dirty="0"/>
+          </a:p>
+        </p:txBody>
+      </p:sp>
+      <p:sp>
+        <p:nvSpPr>
+          <p:cNvPr id="121" name="직사각형 120">
+            <a:extLst>
+              <a:ext uri="{FF2B5EF4-FFF2-40B4-BE49-F238E27FC236}">
+                <a16:creationId xmlns:a16="http://schemas.microsoft.com/office/drawing/2014/main" id="{C447383F-E001-4688-9B69-7D80A2FE3B12}"/>
+              </a:ext>
+            </a:extLst>
+          </p:cNvPr>
+          <p:cNvSpPr/>
+          <p:nvPr/>
+        </p:nvSpPr>
+        <p:spPr>
+          <a:xfrm>
+            <a:off x="3544544" y="3264979"/>
+            <a:ext cx="755941" cy="461528"/>
+          </a:xfrm>
+          <a:prstGeom prst="rect">
+            <a:avLst/>
+          </a:prstGeom>
+          <a:solidFill>
+            <a:srgbClr val="CDF5FF"/>
+          </a:solidFill>
+          <a:ln>
+            <a:noFill/>
+          </a:ln>
+        </p:spPr>
+        <p:style>
+          <a:lnRef idx="0">
+            <a:scrgbClr r="0" g="0" b="0"/>
+          </a:lnRef>
+          <a:fillRef idx="0">
+            <a:scrgbClr r="0" g="0" b="0"/>
+          </a:fillRef>
+          <a:effectRef idx="0">
+            <a:scrgbClr r="0" g="0" b="0"/>
+          </a:effectRef>
+          <a:fontRef idx="minor">
+            <a:schemeClr val="lt1"/>
+          </a:fontRef>
+        </p:style>
+        <p:txBody>
+          <a:bodyPr rtlCol="0" anchor="ctr"/>
+          <a:lstStyle/>
+          <a:p>
+            <a:pPr algn="ctr"/>
+            <a:endParaRPr lang="ko-KR" altLang="en-US" dirty="0"/>
+          </a:p>
+        </p:txBody>
+      </p:sp>
+      <p:sp>
+        <p:nvSpPr>
+          <p:cNvPr id="122" name="직사각형 121">
+            <a:extLst>
+              <a:ext uri="{FF2B5EF4-FFF2-40B4-BE49-F238E27FC236}">
+                <a16:creationId xmlns:a16="http://schemas.microsoft.com/office/drawing/2014/main" id="{CCE1C923-0F94-4203-A7A9-8B64286C0CC3}"/>
+              </a:ext>
+            </a:extLst>
+          </p:cNvPr>
+          <p:cNvSpPr/>
+          <p:nvPr/>
+        </p:nvSpPr>
+        <p:spPr>
+          <a:xfrm>
+            <a:off x="1911893" y="4223485"/>
+            <a:ext cx="755941" cy="461528"/>
+          </a:xfrm>
+          <a:prstGeom prst="rect">
+            <a:avLst/>
+          </a:prstGeom>
+          <a:solidFill>
+            <a:srgbClr val="CDF5FF"/>
+          </a:solidFill>
+          <a:ln>
+            <a:noFill/>
+          </a:ln>
+        </p:spPr>
+        <p:style>
+          <a:lnRef idx="0">
+            <a:scrgbClr r="0" g="0" b="0"/>
+          </a:lnRef>
+          <a:fillRef idx="0">
+            <a:scrgbClr r="0" g="0" b="0"/>
+          </a:fillRef>
+          <a:effectRef idx="0">
+            <a:scrgbClr r="0" g="0" b="0"/>
+          </a:effectRef>
+          <a:fontRef idx="minor">
+            <a:schemeClr val="lt1"/>
+          </a:fontRef>
+        </p:style>
+        <p:txBody>
+          <a:bodyPr rtlCol="0" anchor="ctr"/>
+          <a:lstStyle/>
+          <a:p>
+            <a:pPr algn="ctr"/>
+            <a:endParaRPr lang="ko-KR" altLang="en-US" dirty="0"/>
+          </a:p>
+        </p:txBody>
+      </p:sp>
+      <p:sp>
+        <p:nvSpPr>
+          <p:cNvPr id="123" name="직사각형 122">
+            <a:extLst>
+              <a:ext uri="{FF2B5EF4-FFF2-40B4-BE49-F238E27FC236}">
+                <a16:creationId xmlns:a16="http://schemas.microsoft.com/office/drawing/2014/main" id="{1BF0E341-107E-435C-9CCD-234FE479C381}"/>
+              </a:ext>
+            </a:extLst>
+          </p:cNvPr>
+          <p:cNvSpPr/>
+          <p:nvPr/>
+        </p:nvSpPr>
+        <p:spPr>
+          <a:xfrm>
+            <a:off x="5144989" y="4223485"/>
+            <a:ext cx="755941" cy="461528"/>
+          </a:xfrm>
+          <a:prstGeom prst="rect">
+            <a:avLst/>
+          </a:prstGeom>
+          <a:solidFill>
+            <a:srgbClr val="CDF5FF"/>
+          </a:solidFill>
+          <a:ln>
+            <a:noFill/>
+          </a:ln>
+        </p:spPr>
+        <p:style>
+          <a:lnRef idx="0">
+            <a:scrgbClr r="0" g="0" b="0"/>
+          </a:lnRef>
+          <a:fillRef idx="0">
+            <a:scrgbClr r="0" g="0" b="0"/>
+          </a:fillRef>
+          <a:effectRef idx="0">
+            <a:scrgbClr r="0" g="0" b="0"/>
+          </a:effectRef>
+          <a:fontRef idx="minor">
+            <a:schemeClr val="lt1"/>
+          </a:fontRef>
+        </p:style>
+        <p:txBody>
+          <a:bodyPr rtlCol="0" anchor="ctr"/>
+          <a:lstStyle/>
+          <a:p>
+            <a:pPr algn="ctr"/>
+            <a:endParaRPr lang="ko-KR" altLang="en-US" dirty="0"/>
+          </a:p>
+        </p:txBody>
+      </p:sp>
+      <p:sp>
+        <p:nvSpPr>
+          <p:cNvPr id="124" name="직사각형 123">
+            <a:extLst>
+              <a:ext uri="{FF2B5EF4-FFF2-40B4-BE49-F238E27FC236}">
+                <a16:creationId xmlns:a16="http://schemas.microsoft.com/office/drawing/2014/main" id="{1995F07B-5C70-4DAF-9E07-E11D48784ABA}"/>
+              </a:ext>
+            </a:extLst>
+          </p:cNvPr>
+          <p:cNvSpPr/>
+          <p:nvPr/>
+        </p:nvSpPr>
+        <p:spPr>
+          <a:xfrm>
+            <a:off x="1916287" y="5216808"/>
+            <a:ext cx="755941" cy="461528"/>
+          </a:xfrm>
+          <a:prstGeom prst="rect">
+            <a:avLst/>
+          </a:prstGeom>
+          <a:solidFill>
+            <a:srgbClr val="CDF5FF"/>
+          </a:solidFill>
+          <a:ln>
+            <a:noFill/>
+          </a:ln>
+        </p:spPr>
+        <p:style>
+          <a:lnRef idx="0">
+            <a:scrgbClr r="0" g="0" b="0"/>
+          </a:lnRef>
+          <a:fillRef idx="0">
+            <a:scrgbClr r="0" g="0" b="0"/>
+          </a:fillRef>
+          <a:effectRef idx="0">
+            <a:scrgbClr r="0" g="0" b="0"/>
+          </a:effectRef>
+          <a:fontRef idx="minor">
+            <a:schemeClr val="lt1"/>
+          </a:fontRef>
+        </p:style>
+        <p:txBody>
+          <a:bodyPr rtlCol="0" anchor="ctr"/>
+          <a:lstStyle/>
+          <a:p>
+            <a:pPr algn="ctr"/>
+            <a:endParaRPr lang="ko-KR" altLang="en-US" dirty="0"/>
+          </a:p>
+        </p:txBody>
+      </p:sp>
+      <p:sp>
+        <p:nvSpPr>
+          <p:cNvPr id="125" name="직사각형 124">
+            <a:extLst>
+              <a:ext uri="{FF2B5EF4-FFF2-40B4-BE49-F238E27FC236}">
+                <a16:creationId xmlns:a16="http://schemas.microsoft.com/office/drawing/2014/main" id="{C060CA09-0A55-4499-A9F3-C7897511D96A}"/>
+              </a:ext>
+            </a:extLst>
+          </p:cNvPr>
+          <p:cNvSpPr/>
+          <p:nvPr/>
+        </p:nvSpPr>
+        <p:spPr>
+          <a:xfrm>
+            <a:off x="6700926" y="5197445"/>
+            <a:ext cx="755941" cy="461528"/>
+          </a:xfrm>
+          <a:prstGeom prst="rect">
+            <a:avLst/>
+          </a:prstGeom>
+          <a:solidFill>
+            <a:srgbClr val="CDF5FF"/>
+          </a:solidFill>
+          <a:ln>
+            <a:noFill/>
+          </a:ln>
+        </p:spPr>
+        <p:style>
+          <a:lnRef idx="0">
+            <a:scrgbClr r="0" g="0" b="0"/>
+          </a:lnRef>
+          <a:fillRef idx="0">
+            <a:scrgbClr r="0" g="0" b="0"/>
+          </a:fillRef>
+          <a:effectRef idx="0">
+            <a:scrgbClr r="0" g="0" b="0"/>
+          </a:effectRef>
+          <a:fontRef idx="minor">
+            <a:schemeClr val="lt1"/>
+          </a:fontRef>
+        </p:style>
+        <p:txBody>
+          <a:bodyPr rtlCol="0" anchor="ctr"/>
+          <a:lstStyle/>
+          <a:p>
+            <a:pPr algn="ctr"/>
+            <a:endParaRPr lang="ko-KR" altLang="en-US" dirty="0"/>
+          </a:p>
+        </p:txBody>
+      </p:sp>
+      <p:cxnSp>
+        <p:nvCxnSpPr>
+          <p:cNvPr id="975" name="직선 화살표 연결선 974">
+            <a:extLst>
+              <a:ext uri="{FF2B5EF4-FFF2-40B4-BE49-F238E27FC236}">
+                <a16:creationId xmlns:a16="http://schemas.microsoft.com/office/drawing/2014/main" id="{292DC918-F6F0-416A-AB78-FFFD4CAE46C5}"/>
+              </a:ext>
+            </a:extLst>
+          </p:cNvPr>
+          <p:cNvCxnSpPr>
+            <a:cxnSpLocks/>
+          </p:cNvCxnSpPr>
+          <p:nvPr/>
+        </p:nvCxnSpPr>
+        <p:spPr>
+          <a:xfrm>
+            <a:off x="2701698" y="3415464"/>
+            <a:ext cx="800172" cy="0"/>
+          </a:xfrm>
+          <a:prstGeom prst="straightConnector1">
+            <a:avLst/>
+          </a:prstGeom>
+          <a:ln w="15875">
+            <a:headEnd w="lg" len="lg"/>
+            <a:tailEnd type="triangle"/>
+          </a:ln>
+        </p:spPr>
+        <p:style>
+          <a:lnRef idx="1">
+            <a:schemeClr val="accent1"/>
+          </a:lnRef>
+          <a:fillRef idx="0">
+            <a:schemeClr val="accent1"/>
+          </a:fillRef>
+          <a:effectRef idx="0">
+            <a:schemeClr val="accent1"/>
+          </a:effectRef>
+          <a:fontRef idx="minor">
+            <a:schemeClr val="tx1"/>
+          </a:fontRef>
+        </p:style>
+      </p:cxnSp>
+      <p:cxnSp>
+        <p:nvCxnSpPr>
+          <p:cNvPr id="133" name="직선 화살표 연결선 132">
+            <a:extLst>
+              <a:ext uri="{FF2B5EF4-FFF2-40B4-BE49-F238E27FC236}">
+                <a16:creationId xmlns:a16="http://schemas.microsoft.com/office/drawing/2014/main" id="{E88BAD37-36B0-490D-BB36-EE8FC2CCD3A1}"/>
+              </a:ext>
+            </a:extLst>
+          </p:cNvPr>
+          <p:cNvCxnSpPr>
+            <a:cxnSpLocks/>
+          </p:cNvCxnSpPr>
+          <p:nvPr/>
+        </p:nvCxnSpPr>
+        <p:spPr>
+          <a:xfrm flipH="1">
+            <a:off x="2701842" y="3619500"/>
+            <a:ext cx="800028" cy="0"/>
+          </a:xfrm>
+          <a:prstGeom prst="straightConnector1">
+            <a:avLst/>
+          </a:prstGeom>
+          <a:ln w="15875">
+            <a:prstDash val="dash"/>
+            <a:headEnd w="lg" len="lg"/>
+            <a:tailEnd type="triangle"/>
+          </a:ln>
+        </p:spPr>
+        <p:style>
+          <a:lnRef idx="1">
+            <a:schemeClr val="accent1"/>
+          </a:lnRef>
+          <a:fillRef idx="0">
+            <a:schemeClr val="accent1"/>
+          </a:fillRef>
+          <a:effectRef idx="0">
+            <a:schemeClr val="accent1"/>
+          </a:effectRef>
+          <a:fontRef idx="minor">
+            <a:schemeClr val="tx1"/>
+          </a:fontRef>
+        </p:style>
+      </p:cxnSp>
+      <p:sp>
+        <p:nvSpPr>
+          <p:cNvPr id="982" name="TextBox 981">
+            <a:extLst>
+              <a:ext uri="{FF2B5EF4-FFF2-40B4-BE49-F238E27FC236}">
+                <a16:creationId xmlns:a16="http://schemas.microsoft.com/office/drawing/2014/main" id="{F7A13621-10A0-47D2-8A3B-645FA86A0835}"/>
+              </a:ext>
+            </a:extLst>
+          </p:cNvPr>
+          <p:cNvSpPr txBox="1"/>
+          <p:nvPr/>
+        </p:nvSpPr>
+        <p:spPr>
+          <a:xfrm>
+            <a:off x="2417781" y="2945200"/>
+            <a:ext cx="1478290" cy="307777"/>
+          </a:xfrm>
+          <a:prstGeom prst="rect">
+            <a:avLst/>
+          </a:prstGeom>
+          <a:noFill/>
+        </p:spPr>
+        <p:txBody>
+          <a:bodyPr wrap="none" rtlCol="0">
+            <a:spAutoFit/>
+          </a:bodyPr>
+          <a:lstStyle/>
+          <a:p>
+            <a:r>
+              <a:rPr lang="en-US" altLang="ko-KR" sz="1400" dirty="0"/>
+              <a:t>1.  </a:t>
+            </a:r>
+            <a:r>
+              <a:rPr lang="ko-KR" altLang="en-US" sz="1400" dirty="0"/>
+              <a:t>회원정보입력</a:t>
+            </a:r>
+          </a:p>
+        </p:txBody>
+      </p:sp>
+      <p:sp>
+        <p:nvSpPr>
+          <p:cNvPr id="136" name="TextBox 135">
+            <a:extLst>
+              <a:ext uri="{FF2B5EF4-FFF2-40B4-BE49-F238E27FC236}">
+                <a16:creationId xmlns:a16="http://schemas.microsoft.com/office/drawing/2014/main" id="{CAE7750E-4B67-479F-B435-E3C7C24A5243}"/>
+              </a:ext>
+            </a:extLst>
+          </p:cNvPr>
+          <p:cNvSpPr txBox="1"/>
+          <p:nvPr/>
+        </p:nvSpPr>
+        <p:spPr>
+          <a:xfrm>
+            <a:off x="2417781" y="3739380"/>
+            <a:ext cx="1438214" cy="307777"/>
+          </a:xfrm>
+          <a:prstGeom prst="rect">
+            <a:avLst/>
+          </a:prstGeom>
+          <a:noFill/>
+        </p:spPr>
+        <p:txBody>
+          <a:bodyPr wrap="none" rtlCol="0">
+            <a:spAutoFit/>
+          </a:bodyPr>
+          <a:lstStyle/>
+          <a:p>
+            <a:r>
+              <a:rPr lang="en-US" altLang="ko-KR" sz="1400" dirty="0"/>
+              <a:t>2. </a:t>
+            </a:r>
+            <a:r>
+              <a:rPr lang="ko-KR" altLang="en-US" sz="1400" dirty="0"/>
+              <a:t>회원정보확인</a:t>
+            </a:r>
+          </a:p>
+        </p:txBody>
+      </p:sp>
+      <p:sp>
+        <p:nvSpPr>
+          <p:cNvPr id="137" name="직사각형 136">
+            <a:extLst>
+              <a:ext uri="{FF2B5EF4-FFF2-40B4-BE49-F238E27FC236}">
+                <a16:creationId xmlns:a16="http://schemas.microsoft.com/office/drawing/2014/main" id="{9E888FDE-EE1D-46AE-BAE0-9F5C4FDEFC50}"/>
+              </a:ext>
+            </a:extLst>
+          </p:cNvPr>
+          <p:cNvSpPr/>
+          <p:nvPr/>
+        </p:nvSpPr>
+        <p:spPr>
+          <a:xfrm>
+            <a:off x="3968184" y="3330872"/>
+            <a:ext cx="524311" cy="329742"/>
+          </a:xfrm>
+          <a:prstGeom prst="rect">
+            <a:avLst/>
+          </a:prstGeom>
+          <a:solidFill>
+            <a:schemeClr val="bg1"/>
+          </a:solidFill>
+          <a:ln>
+            <a:solidFill>
+              <a:schemeClr val="accent1"/>
+            </a:solidFill>
+          </a:ln>
+        </p:spPr>
+        <p:style>
+          <a:lnRef idx="0">
+            <a:scrgbClr r="0" g="0" b="0"/>
+          </a:lnRef>
+          <a:fillRef idx="0">
+            <a:scrgbClr r="0" g="0" b="0"/>
+          </a:fillRef>
+          <a:effectRef idx="0">
+            <a:scrgbClr r="0" g="0" b="0"/>
+          </a:effectRef>
+          <a:fontRef idx="minor">
+            <a:schemeClr val="lt1"/>
+          </a:fontRef>
+        </p:style>
+        <p:txBody>
+          <a:bodyPr rtlCol="0" anchor="ctr"/>
+          <a:lstStyle/>
+          <a:p>
+            <a:pPr algn="ctr"/>
+            <a:endParaRPr lang="ko-KR" altLang="en-US" dirty="0"/>
+          </a:p>
+        </p:txBody>
+      </p:sp>
+      <p:cxnSp>
+        <p:nvCxnSpPr>
+          <p:cNvPr id="985" name="연결선: 구부러짐 984">
+            <a:extLst>
+              <a:ext uri="{FF2B5EF4-FFF2-40B4-BE49-F238E27FC236}">
+                <a16:creationId xmlns:a16="http://schemas.microsoft.com/office/drawing/2014/main" id="{6F36B2F5-89C9-4565-937F-13DC0DEFF593}"/>
+              </a:ext>
+            </a:extLst>
+          </p:cNvPr>
+          <p:cNvCxnSpPr>
+            <a:cxnSpLocks/>
+            <a:stCxn id="121" idx="0"/>
+            <a:endCxn id="137" idx="3"/>
+          </p:cNvCxnSpPr>
+          <p:nvPr/>
+        </p:nvCxnSpPr>
+        <p:spPr>
+          <a:xfrm rot="16200000" flipH="1">
+            <a:off x="4092123" y="3095371"/>
+            <a:ext cx="230764" cy="569980"/>
+          </a:xfrm>
+          <a:prstGeom prst="curvedConnector4">
+            <a:avLst>
+              <a:gd name="adj1" fmla="val -42455"/>
+              <a:gd name="adj2" fmla="val 140107"/>
+            </a:avLst>
+          </a:prstGeom>
+          <a:ln w="15875">
+            <a:tailEnd type="triangle" w="lg" len="lg"/>
+          </a:ln>
+        </p:spPr>
+        <p:style>
+          <a:lnRef idx="1">
+            <a:schemeClr val="accent1"/>
+          </a:lnRef>
+          <a:fillRef idx="0">
+            <a:schemeClr val="accent1"/>
+          </a:fillRef>
+          <a:effectRef idx="0">
+            <a:schemeClr val="accent1"/>
+          </a:effectRef>
+          <a:fontRef idx="minor">
+            <a:schemeClr val="tx1"/>
+          </a:fontRef>
+        </p:style>
+      </p:cxnSp>
+      <p:sp>
+        <p:nvSpPr>
+          <p:cNvPr id="143" name="TextBox 142">
+            <a:extLst>
+              <a:ext uri="{FF2B5EF4-FFF2-40B4-BE49-F238E27FC236}">
+                <a16:creationId xmlns:a16="http://schemas.microsoft.com/office/drawing/2014/main" id="{D054CAA1-36FD-4C04-96AC-9791C736A089}"/>
+              </a:ext>
+            </a:extLst>
+          </p:cNvPr>
+          <p:cNvSpPr txBox="1"/>
+          <p:nvPr/>
+        </p:nvSpPr>
+        <p:spPr>
+          <a:xfrm>
+            <a:off x="3887013" y="2918444"/>
+            <a:ext cx="1912703" cy="276999"/>
+          </a:xfrm>
+          <a:prstGeom prst="rect">
+            <a:avLst/>
+          </a:prstGeom>
+          <a:noFill/>
+        </p:spPr>
+        <p:txBody>
+          <a:bodyPr wrap="square" rtlCol="0">
+            <a:spAutoFit/>
+          </a:bodyPr>
+          <a:lstStyle/>
+          <a:p>
+            <a:r>
+              <a:rPr lang="en-US" altLang="ko-KR" sz="1200" dirty="0"/>
+              <a:t>1.1 ID, EMAIL </a:t>
+            </a:r>
+            <a:r>
+              <a:rPr lang="ko-KR" altLang="en-US" sz="1200" dirty="0"/>
+              <a:t>중복확인</a:t>
+            </a:r>
+          </a:p>
+        </p:txBody>
+      </p:sp>
+      <p:cxnSp>
+        <p:nvCxnSpPr>
+          <p:cNvPr id="145" name="직선 화살표 연결선 144">
+            <a:extLst>
+              <a:ext uri="{FF2B5EF4-FFF2-40B4-BE49-F238E27FC236}">
+                <a16:creationId xmlns:a16="http://schemas.microsoft.com/office/drawing/2014/main" id="{8F93160D-8EA5-4533-A411-30A149EAF729}"/>
+              </a:ext>
+            </a:extLst>
+          </p:cNvPr>
+          <p:cNvCxnSpPr>
+            <a:cxnSpLocks/>
+          </p:cNvCxnSpPr>
+          <p:nvPr/>
+        </p:nvCxnSpPr>
+        <p:spPr>
+          <a:xfrm>
+            <a:off x="2716765" y="4381500"/>
+            <a:ext cx="2385305" cy="0"/>
+          </a:xfrm>
+          <a:prstGeom prst="straightConnector1">
+            <a:avLst/>
+          </a:prstGeom>
+          <a:ln w="15875">
+            <a:headEnd w="lg" len="lg"/>
+            <a:tailEnd type="triangle"/>
+          </a:ln>
+        </p:spPr>
+        <p:style>
+          <a:lnRef idx="1">
+            <a:schemeClr val="accent1"/>
+          </a:lnRef>
+          <a:fillRef idx="0">
+            <a:schemeClr val="accent1"/>
+          </a:fillRef>
+          <a:effectRef idx="0">
+            <a:schemeClr val="accent1"/>
+          </a:effectRef>
+          <a:fontRef idx="minor">
+            <a:schemeClr val="tx1"/>
+          </a:fontRef>
+        </p:style>
+      </p:cxnSp>
+      <p:cxnSp>
+        <p:nvCxnSpPr>
+          <p:cNvPr id="147" name="직선 화살표 연결선 146">
+            <a:extLst>
+              <a:ext uri="{FF2B5EF4-FFF2-40B4-BE49-F238E27FC236}">
+                <a16:creationId xmlns:a16="http://schemas.microsoft.com/office/drawing/2014/main" id="{9876BD0B-F5D0-4935-9F54-C45114B2EBE1}"/>
+              </a:ext>
+            </a:extLst>
+          </p:cNvPr>
+          <p:cNvCxnSpPr>
+            <a:cxnSpLocks/>
+          </p:cNvCxnSpPr>
+          <p:nvPr/>
+        </p:nvCxnSpPr>
+        <p:spPr>
+          <a:xfrm flipH="1">
+            <a:off x="2701698" y="4610100"/>
+            <a:ext cx="2400372" cy="0"/>
+          </a:xfrm>
+          <a:prstGeom prst="straightConnector1">
+            <a:avLst/>
+          </a:prstGeom>
+          <a:ln w="15875">
+            <a:prstDash val="dash"/>
+            <a:headEnd w="lg" len="lg"/>
+            <a:tailEnd type="triangle"/>
+          </a:ln>
+        </p:spPr>
+        <p:style>
+          <a:lnRef idx="1">
+            <a:schemeClr val="accent1"/>
+          </a:lnRef>
+          <a:fillRef idx="0">
+            <a:schemeClr val="accent1"/>
+          </a:fillRef>
+          <a:effectRef idx="0">
+            <a:schemeClr val="accent1"/>
+          </a:effectRef>
+          <a:fontRef idx="minor">
+            <a:schemeClr val="tx1"/>
+          </a:fontRef>
+        </p:style>
+      </p:cxnSp>
+      <p:sp>
+        <p:nvSpPr>
+          <p:cNvPr id="150" name="TextBox 149">
+            <a:extLst>
+              <a:ext uri="{FF2B5EF4-FFF2-40B4-BE49-F238E27FC236}">
+                <a16:creationId xmlns:a16="http://schemas.microsoft.com/office/drawing/2014/main" id="{71BA0AC3-2C5B-48F3-AC8F-69D22B506EAB}"/>
+              </a:ext>
+            </a:extLst>
+          </p:cNvPr>
+          <p:cNvSpPr txBox="1"/>
+          <p:nvPr/>
+        </p:nvSpPr>
+        <p:spPr>
+          <a:xfrm>
+            <a:off x="3437025" y="4111799"/>
+            <a:ext cx="899605" cy="307777"/>
+          </a:xfrm>
+          <a:prstGeom prst="rect">
+            <a:avLst/>
+          </a:prstGeom>
+          <a:noFill/>
+        </p:spPr>
+        <p:txBody>
+          <a:bodyPr wrap="none" rtlCol="0">
+            <a:spAutoFit/>
+          </a:bodyPr>
+          <a:lstStyle/>
+          <a:p>
+            <a:r>
+              <a:rPr lang="en-US" altLang="ko-KR" sz="1400" dirty="0"/>
+              <a:t>3. </a:t>
+            </a:r>
+            <a:r>
+              <a:rPr lang="ko-KR" altLang="en-US" sz="1400" dirty="0"/>
+              <a:t>로그인</a:t>
+            </a:r>
+          </a:p>
+        </p:txBody>
+      </p:sp>
+      <p:sp>
+        <p:nvSpPr>
+          <p:cNvPr id="151" name="TextBox 150">
+            <a:extLst>
+              <a:ext uri="{FF2B5EF4-FFF2-40B4-BE49-F238E27FC236}">
+                <a16:creationId xmlns:a16="http://schemas.microsoft.com/office/drawing/2014/main" id="{E8344BE0-4F25-4136-90FE-F676B0BD22EB}"/>
+              </a:ext>
+            </a:extLst>
+          </p:cNvPr>
+          <p:cNvSpPr txBox="1"/>
+          <p:nvPr/>
+        </p:nvSpPr>
+        <p:spPr>
+          <a:xfrm>
+            <a:off x="3043761" y="4685013"/>
+            <a:ext cx="1797287" cy="307777"/>
+          </a:xfrm>
+          <a:prstGeom prst="rect">
+            <a:avLst/>
+          </a:prstGeom>
+          <a:noFill/>
+        </p:spPr>
+        <p:txBody>
+          <a:bodyPr wrap="none" rtlCol="0">
+            <a:spAutoFit/>
+          </a:bodyPr>
+          <a:lstStyle/>
+          <a:p>
+            <a:r>
+              <a:rPr lang="en-US" altLang="ko-KR" sz="1400" dirty="0"/>
+              <a:t>4. </a:t>
+            </a:r>
+            <a:r>
+              <a:rPr lang="ko-KR" altLang="en-US" sz="1400" dirty="0"/>
+              <a:t>회원정보확인승인</a:t>
+            </a:r>
+          </a:p>
+        </p:txBody>
+      </p:sp>
+      <p:cxnSp>
+        <p:nvCxnSpPr>
+          <p:cNvPr id="152" name="직선 화살표 연결선 151">
+            <a:extLst>
+              <a:ext uri="{FF2B5EF4-FFF2-40B4-BE49-F238E27FC236}">
+                <a16:creationId xmlns:a16="http://schemas.microsoft.com/office/drawing/2014/main" id="{E50F219D-5D84-4E35-AB53-CD6433469846}"/>
+              </a:ext>
+            </a:extLst>
+          </p:cNvPr>
+          <p:cNvCxnSpPr>
+            <a:cxnSpLocks/>
+          </p:cNvCxnSpPr>
+          <p:nvPr/>
+        </p:nvCxnSpPr>
+        <p:spPr>
+          <a:xfrm>
+            <a:off x="2729862" y="5372100"/>
+            <a:ext cx="3896208" cy="0"/>
+          </a:xfrm>
+          <a:prstGeom prst="straightConnector1">
+            <a:avLst/>
+          </a:prstGeom>
+          <a:ln w="15875">
+            <a:headEnd w="lg" len="lg"/>
+            <a:tailEnd type="triangle"/>
+          </a:ln>
+        </p:spPr>
+        <p:style>
+          <a:lnRef idx="1">
+            <a:schemeClr val="accent1"/>
+          </a:lnRef>
+          <a:fillRef idx="0">
+            <a:schemeClr val="accent1"/>
+          </a:fillRef>
+          <a:effectRef idx="0">
+            <a:schemeClr val="accent1"/>
+          </a:effectRef>
+          <a:fontRef idx="minor">
+            <a:schemeClr val="tx1"/>
+          </a:fontRef>
+        </p:style>
+      </p:cxnSp>
+      <p:cxnSp>
+        <p:nvCxnSpPr>
+          <p:cNvPr id="154" name="직선 화살표 연결선 153">
+            <a:extLst>
+              <a:ext uri="{FF2B5EF4-FFF2-40B4-BE49-F238E27FC236}">
+                <a16:creationId xmlns:a16="http://schemas.microsoft.com/office/drawing/2014/main" id="{0523357C-2A8A-4D64-BCDA-FCEA44343E62}"/>
+              </a:ext>
+            </a:extLst>
+          </p:cNvPr>
+          <p:cNvCxnSpPr>
+            <a:cxnSpLocks/>
+          </p:cNvCxnSpPr>
+          <p:nvPr/>
+        </p:nvCxnSpPr>
+        <p:spPr>
+          <a:xfrm flipH="1">
+            <a:off x="2744617" y="5600700"/>
+            <a:ext cx="3881453" cy="0"/>
+          </a:xfrm>
+          <a:prstGeom prst="straightConnector1">
+            <a:avLst/>
+          </a:prstGeom>
+          <a:ln w="15875">
+            <a:prstDash val="dash"/>
+            <a:headEnd w="lg" len="lg"/>
+            <a:tailEnd type="triangle"/>
+          </a:ln>
+        </p:spPr>
+        <p:style>
+          <a:lnRef idx="1">
+            <a:schemeClr val="accent1"/>
+          </a:lnRef>
+          <a:fillRef idx="0">
+            <a:schemeClr val="accent1"/>
+          </a:fillRef>
+          <a:effectRef idx="0">
+            <a:schemeClr val="accent1"/>
+          </a:effectRef>
+          <a:fontRef idx="minor">
+            <a:schemeClr val="tx1"/>
+          </a:fontRef>
+        </p:style>
+      </p:cxnSp>
+      <p:sp>
+        <p:nvSpPr>
+          <p:cNvPr id="156" name="TextBox 155">
+            <a:extLst>
+              <a:ext uri="{FF2B5EF4-FFF2-40B4-BE49-F238E27FC236}">
+                <a16:creationId xmlns:a16="http://schemas.microsoft.com/office/drawing/2014/main" id="{CC5A802D-AD5A-475A-A937-AA1E55854D85}"/>
+              </a:ext>
+            </a:extLst>
+          </p:cNvPr>
+          <p:cNvSpPr txBox="1"/>
+          <p:nvPr/>
+        </p:nvSpPr>
+        <p:spPr>
+          <a:xfrm>
+            <a:off x="4125734" y="5087364"/>
+            <a:ext cx="1119217" cy="307777"/>
+          </a:xfrm>
+          <a:prstGeom prst="rect">
+            <a:avLst/>
+          </a:prstGeom>
+          <a:noFill/>
+        </p:spPr>
+        <p:txBody>
+          <a:bodyPr wrap="none" rtlCol="0">
+            <a:spAutoFit/>
+          </a:bodyPr>
+          <a:lstStyle/>
+          <a:p>
+            <a:r>
+              <a:rPr lang="en-US" altLang="ko-KR" sz="1400" dirty="0"/>
+              <a:t>5. </a:t>
+            </a:r>
+            <a:r>
+              <a:rPr lang="ko-KR" altLang="en-US" sz="1400" dirty="0"/>
+              <a:t>맛집 검색</a:t>
+            </a:r>
+          </a:p>
+        </p:txBody>
+      </p:sp>
+      <p:sp>
+        <p:nvSpPr>
+          <p:cNvPr id="157" name="TextBox 156">
+            <a:extLst>
+              <a:ext uri="{FF2B5EF4-FFF2-40B4-BE49-F238E27FC236}">
+                <a16:creationId xmlns:a16="http://schemas.microsoft.com/office/drawing/2014/main" id="{7E1D52EF-A937-4252-81FB-C39C0954993D}"/>
+              </a:ext>
+            </a:extLst>
+          </p:cNvPr>
+          <p:cNvSpPr txBox="1"/>
+          <p:nvPr/>
+        </p:nvSpPr>
+        <p:spPr>
+          <a:xfrm>
+            <a:off x="3936642" y="5676900"/>
+            <a:ext cx="1478290" cy="307777"/>
+          </a:xfrm>
+          <a:prstGeom prst="rect">
+            <a:avLst/>
+          </a:prstGeom>
+          <a:noFill/>
+        </p:spPr>
+        <p:txBody>
+          <a:bodyPr wrap="none" rtlCol="0">
+            <a:spAutoFit/>
+          </a:bodyPr>
+          <a:lstStyle/>
+          <a:p>
+            <a:r>
+              <a:rPr lang="en-US" altLang="ko-KR" sz="1400" dirty="0"/>
+              <a:t>6. </a:t>
+            </a:r>
+            <a:r>
+              <a:rPr lang="ko-KR" altLang="en-US" sz="1400" dirty="0"/>
+              <a:t>맛집 정보확인</a:t>
+            </a:r>
+          </a:p>
+        </p:txBody>
+      </p:sp>
+      <p:sp>
+        <p:nvSpPr>
+          <p:cNvPr id="158" name="직사각형 157">
+            <a:extLst>
+              <a:ext uri="{FF2B5EF4-FFF2-40B4-BE49-F238E27FC236}">
+                <a16:creationId xmlns:a16="http://schemas.microsoft.com/office/drawing/2014/main" id="{23D92E85-4EA5-4B3E-9FBE-E94D8BB85F24}"/>
+              </a:ext>
+            </a:extLst>
+          </p:cNvPr>
+          <p:cNvSpPr/>
+          <p:nvPr/>
+        </p:nvSpPr>
+        <p:spPr>
+          <a:xfrm>
+            <a:off x="1911686" y="6105810"/>
+            <a:ext cx="755941" cy="461528"/>
+          </a:xfrm>
+          <a:prstGeom prst="rect">
+            <a:avLst/>
+          </a:prstGeom>
+          <a:solidFill>
+            <a:srgbClr val="CDF5FF"/>
+          </a:solidFill>
+          <a:ln>
+            <a:noFill/>
+          </a:ln>
+        </p:spPr>
+        <p:style>
+          <a:lnRef idx="0">
+            <a:scrgbClr r="0" g="0" b="0"/>
+          </a:lnRef>
+          <a:fillRef idx="0">
+            <a:scrgbClr r="0" g="0" b="0"/>
+          </a:fillRef>
+          <a:effectRef idx="0">
+            <a:scrgbClr r="0" g="0" b="0"/>
+          </a:effectRef>
+          <a:fontRef idx="minor">
+            <a:schemeClr val="lt1"/>
+          </a:fontRef>
+        </p:style>
+        <p:txBody>
+          <a:bodyPr rtlCol="0" anchor="ctr"/>
+          <a:lstStyle/>
+          <a:p>
+            <a:pPr algn="ctr"/>
+            <a:endParaRPr lang="ko-KR" altLang="en-US" dirty="0"/>
+          </a:p>
+        </p:txBody>
+      </p:sp>
+      <p:sp>
+        <p:nvSpPr>
+          <p:cNvPr id="159" name="직사각형 158">
+            <a:extLst>
+              <a:ext uri="{FF2B5EF4-FFF2-40B4-BE49-F238E27FC236}">
+                <a16:creationId xmlns:a16="http://schemas.microsoft.com/office/drawing/2014/main" id="{9307980B-6809-4FF5-97D0-E28AE126FB7C}"/>
+              </a:ext>
+            </a:extLst>
+          </p:cNvPr>
+          <p:cNvSpPr/>
+          <p:nvPr/>
+        </p:nvSpPr>
+        <p:spPr>
+          <a:xfrm>
+            <a:off x="8377508" y="6105627"/>
+            <a:ext cx="755941" cy="461528"/>
+          </a:xfrm>
+          <a:prstGeom prst="rect">
+            <a:avLst/>
+          </a:prstGeom>
+          <a:solidFill>
+            <a:srgbClr val="CDF5FF"/>
+          </a:solidFill>
+          <a:ln>
+            <a:noFill/>
+          </a:ln>
+        </p:spPr>
+        <p:style>
+          <a:lnRef idx="0">
+            <a:scrgbClr r="0" g="0" b="0"/>
+          </a:lnRef>
+          <a:fillRef idx="0">
+            <a:scrgbClr r="0" g="0" b="0"/>
+          </a:fillRef>
+          <a:effectRef idx="0">
+            <a:scrgbClr r="0" g="0" b="0"/>
+          </a:effectRef>
+          <a:fontRef idx="minor">
+            <a:schemeClr val="lt1"/>
+          </a:fontRef>
+        </p:style>
+        <p:txBody>
+          <a:bodyPr rtlCol="0" anchor="ctr"/>
+          <a:lstStyle/>
+          <a:p>
+            <a:pPr algn="ctr"/>
+            <a:endParaRPr lang="ko-KR" altLang="en-US" dirty="0"/>
+          </a:p>
+        </p:txBody>
+      </p:sp>
+      <p:cxnSp>
+        <p:nvCxnSpPr>
+          <p:cNvPr id="160" name="직선 화살표 연결선 159">
+            <a:extLst>
+              <a:ext uri="{FF2B5EF4-FFF2-40B4-BE49-F238E27FC236}">
+                <a16:creationId xmlns:a16="http://schemas.microsoft.com/office/drawing/2014/main" id="{6881E557-F5AD-4569-80D1-949ED485E9D0}"/>
+              </a:ext>
+            </a:extLst>
+          </p:cNvPr>
+          <p:cNvCxnSpPr>
+            <a:cxnSpLocks/>
+          </p:cNvCxnSpPr>
+          <p:nvPr/>
+        </p:nvCxnSpPr>
+        <p:spPr>
+          <a:xfrm>
+            <a:off x="2716765" y="6286500"/>
+            <a:ext cx="5509505" cy="0"/>
+          </a:xfrm>
+          <a:prstGeom prst="straightConnector1">
+            <a:avLst/>
+          </a:prstGeom>
+          <a:ln w="15875">
+            <a:headEnd w="lg" len="lg"/>
+            <a:tailEnd type="triangle"/>
+          </a:ln>
+        </p:spPr>
+        <p:style>
+          <a:lnRef idx="1">
+            <a:schemeClr val="accent1"/>
+          </a:lnRef>
+          <a:fillRef idx="0">
+            <a:schemeClr val="accent1"/>
+          </a:fillRef>
+          <a:effectRef idx="0">
+            <a:schemeClr val="accent1"/>
+          </a:effectRef>
+          <a:fontRef idx="minor">
+            <a:schemeClr val="tx1"/>
+          </a:fontRef>
+        </p:style>
+      </p:cxnSp>
+      <p:cxnSp>
+        <p:nvCxnSpPr>
+          <p:cNvPr id="162" name="직선 화살표 연결선 161">
+            <a:extLst>
+              <a:ext uri="{FF2B5EF4-FFF2-40B4-BE49-F238E27FC236}">
+                <a16:creationId xmlns:a16="http://schemas.microsoft.com/office/drawing/2014/main" id="{C5B16393-E925-47F7-A2F2-42C4AC2D6D34}"/>
+              </a:ext>
+            </a:extLst>
+          </p:cNvPr>
+          <p:cNvCxnSpPr>
+            <a:cxnSpLocks/>
+          </p:cNvCxnSpPr>
+          <p:nvPr/>
+        </p:nvCxnSpPr>
+        <p:spPr>
+          <a:xfrm flipH="1">
+            <a:off x="2701700" y="6515100"/>
+            <a:ext cx="5524570" cy="0"/>
+          </a:xfrm>
+          <a:prstGeom prst="straightConnector1">
+            <a:avLst/>
+          </a:prstGeom>
+          <a:ln w="15875">
+            <a:prstDash val="dash"/>
+            <a:headEnd w="lg" len="lg"/>
+            <a:tailEnd type="triangle"/>
+          </a:ln>
+        </p:spPr>
+        <p:style>
+          <a:lnRef idx="1">
+            <a:schemeClr val="accent1"/>
+          </a:lnRef>
+          <a:fillRef idx="0">
+            <a:schemeClr val="accent1"/>
+          </a:fillRef>
+          <a:effectRef idx="0">
+            <a:schemeClr val="accent1"/>
+          </a:effectRef>
+          <a:fontRef idx="minor">
+            <a:schemeClr val="tx1"/>
+          </a:fontRef>
+        </p:style>
+      </p:cxnSp>
+      <p:sp>
+        <p:nvSpPr>
+          <p:cNvPr id="166" name="TextBox 165">
+            <a:extLst>
+              <a:ext uri="{FF2B5EF4-FFF2-40B4-BE49-F238E27FC236}">
+                <a16:creationId xmlns:a16="http://schemas.microsoft.com/office/drawing/2014/main" id="{11A2EA2C-1F8D-43C0-A053-465413A29AD9}"/>
+              </a:ext>
+            </a:extLst>
+          </p:cNvPr>
+          <p:cNvSpPr txBox="1"/>
+          <p:nvPr/>
+        </p:nvSpPr>
+        <p:spPr>
+          <a:xfrm>
+            <a:off x="4873470" y="5978723"/>
+            <a:ext cx="1119217" cy="307777"/>
+          </a:xfrm>
+          <a:prstGeom prst="rect">
+            <a:avLst/>
+          </a:prstGeom>
+          <a:noFill/>
+        </p:spPr>
+        <p:txBody>
+          <a:bodyPr wrap="none" rtlCol="0">
+            <a:spAutoFit/>
+          </a:bodyPr>
+          <a:lstStyle/>
+          <a:p>
+            <a:r>
+              <a:rPr lang="en-US" altLang="ko-KR" sz="1400" dirty="0"/>
+              <a:t>7. </a:t>
+            </a:r>
+            <a:r>
+              <a:rPr lang="ko-KR" altLang="en-US" sz="1400" dirty="0"/>
+              <a:t>맛집 등록</a:t>
+            </a:r>
+          </a:p>
+        </p:txBody>
+      </p:sp>
+      <p:sp>
+        <p:nvSpPr>
+          <p:cNvPr id="167" name="TextBox 166">
+            <a:extLst>
+              <a:ext uri="{FF2B5EF4-FFF2-40B4-BE49-F238E27FC236}">
+                <a16:creationId xmlns:a16="http://schemas.microsoft.com/office/drawing/2014/main" id="{BEA8F5A1-0F41-4618-8E0E-CA47C4D3301D}"/>
+              </a:ext>
+            </a:extLst>
+          </p:cNvPr>
+          <p:cNvSpPr txBox="1"/>
+          <p:nvPr/>
+        </p:nvSpPr>
+        <p:spPr>
+          <a:xfrm>
+            <a:off x="4797270" y="6511248"/>
+            <a:ext cx="1518364" cy="307777"/>
+          </a:xfrm>
+          <a:prstGeom prst="rect">
+            <a:avLst/>
+          </a:prstGeom>
+          <a:noFill/>
+        </p:spPr>
+        <p:txBody>
+          <a:bodyPr wrap="none" rtlCol="0">
+            <a:spAutoFit/>
+          </a:bodyPr>
+          <a:lstStyle/>
+          <a:p>
+            <a:r>
+              <a:rPr lang="en-US" altLang="ko-KR" sz="1400" dirty="0"/>
+              <a:t>8. </a:t>
+            </a:r>
+            <a:r>
+              <a:rPr lang="ko-KR" altLang="en-US" sz="1400" dirty="0"/>
+              <a:t>맛집 등록확인</a:t>
+            </a:r>
+          </a:p>
+        </p:txBody>
+      </p:sp>
+      <p:sp>
+        <p:nvSpPr>
+          <p:cNvPr id="168" name="직사각형 167">
+            <a:extLst>
+              <a:ext uri="{FF2B5EF4-FFF2-40B4-BE49-F238E27FC236}">
+                <a16:creationId xmlns:a16="http://schemas.microsoft.com/office/drawing/2014/main" id="{7955109D-FC70-46F1-9D2F-3EACEF26F7C1}"/>
+              </a:ext>
+            </a:extLst>
+          </p:cNvPr>
+          <p:cNvSpPr/>
+          <p:nvPr/>
+        </p:nvSpPr>
+        <p:spPr>
+          <a:xfrm>
+            <a:off x="9928867" y="5219056"/>
+            <a:ext cx="755941" cy="461528"/>
+          </a:xfrm>
+          <a:prstGeom prst="rect">
+            <a:avLst/>
+          </a:prstGeom>
+          <a:solidFill>
+            <a:srgbClr val="CDF5FF"/>
+          </a:solidFill>
+          <a:ln>
+            <a:noFill/>
+          </a:ln>
+        </p:spPr>
+        <p:style>
+          <a:lnRef idx="0">
+            <a:scrgbClr r="0" g="0" b="0"/>
+          </a:lnRef>
+          <a:fillRef idx="0">
+            <a:scrgbClr r="0" g="0" b="0"/>
+          </a:fillRef>
+          <a:effectRef idx="0">
+            <a:scrgbClr r="0" g="0" b="0"/>
+          </a:effectRef>
+          <a:fontRef idx="minor">
+            <a:schemeClr val="lt1"/>
+          </a:fontRef>
+        </p:style>
+        <p:txBody>
+          <a:bodyPr rtlCol="0" anchor="ctr"/>
+          <a:lstStyle/>
+          <a:p>
+            <a:pPr algn="ctr"/>
+            <a:endParaRPr lang="ko-KR" altLang="en-US" dirty="0"/>
+          </a:p>
+        </p:txBody>
+      </p:sp>
+      <p:cxnSp>
+        <p:nvCxnSpPr>
+          <p:cNvPr id="169" name="직선 화살표 연결선 168">
+            <a:extLst>
+              <a:ext uri="{FF2B5EF4-FFF2-40B4-BE49-F238E27FC236}">
+                <a16:creationId xmlns:a16="http://schemas.microsoft.com/office/drawing/2014/main" id="{4DF087E7-1600-4D90-86C8-5F63B66197E9}"/>
+              </a:ext>
+            </a:extLst>
+          </p:cNvPr>
+          <p:cNvCxnSpPr>
+            <a:cxnSpLocks/>
+          </p:cNvCxnSpPr>
+          <p:nvPr/>
+        </p:nvCxnSpPr>
+        <p:spPr>
+          <a:xfrm>
+            <a:off x="7540470" y="5372100"/>
+            <a:ext cx="2286000" cy="0"/>
+          </a:xfrm>
+          <a:prstGeom prst="straightConnector1">
+            <a:avLst/>
+          </a:prstGeom>
+          <a:ln w="15875">
+            <a:headEnd w="lg" len="lg"/>
+            <a:tailEnd type="triangle"/>
+          </a:ln>
+        </p:spPr>
+        <p:style>
+          <a:lnRef idx="1">
+            <a:schemeClr val="accent1"/>
+          </a:lnRef>
+          <a:fillRef idx="0">
+            <a:schemeClr val="accent1"/>
+          </a:fillRef>
+          <a:effectRef idx="0">
+            <a:schemeClr val="accent1"/>
+          </a:effectRef>
+          <a:fontRef idx="minor">
+            <a:schemeClr val="tx1"/>
+          </a:fontRef>
+        </p:style>
+      </p:cxnSp>
+      <p:cxnSp>
+        <p:nvCxnSpPr>
+          <p:cNvPr id="174" name="직선 화살표 연결선 173">
+            <a:extLst>
+              <a:ext uri="{FF2B5EF4-FFF2-40B4-BE49-F238E27FC236}">
+                <a16:creationId xmlns:a16="http://schemas.microsoft.com/office/drawing/2014/main" id="{F3174E87-40A8-4685-925B-FEE0EAA1EF03}"/>
+              </a:ext>
+            </a:extLst>
+          </p:cNvPr>
+          <p:cNvCxnSpPr>
+            <a:cxnSpLocks/>
+          </p:cNvCxnSpPr>
+          <p:nvPr/>
+        </p:nvCxnSpPr>
+        <p:spPr>
+          <a:xfrm flipH="1">
+            <a:off x="7540471" y="5600700"/>
+            <a:ext cx="2285999" cy="0"/>
+          </a:xfrm>
+          <a:prstGeom prst="straightConnector1">
+            <a:avLst/>
+          </a:prstGeom>
+          <a:ln w="15875">
+            <a:prstDash val="dash"/>
+            <a:headEnd w="lg" len="lg"/>
+            <a:tailEnd type="triangle"/>
+          </a:ln>
+        </p:spPr>
+        <p:style>
+          <a:lnRef idx="1">
+            <a:schemeClr val="accent1"/>
+          </a:lnRef>
+          <a:fillRef idx="0">
+            <a:schemeClr val="accent1"/>
+          </a:fillRef>
+          <a:effectRef idx="0">
+            <a:schemeClr val="accent1"/>
+          </a:effectRef>
+          <a:fontRef idx="minor">
+            <a:schemeClr val="tx1"/>
+          </a:fontRef>
+        </p:style>
+      </p:cxnSp>
+      <p:sp>
+        <p:nvSpPr>
+          <p:cNvPr id="176" name="TextBox 175">
+            <a:extLst>
+              <a:ext uri="{FF2B5EF4-FFF2-40B4-BE49-F238E27FC236}">
+                <a16:creationId xmlns:a16="http://schemas.microsoft.com/office/drawing/2014/main" id="{EBE65135-65B9-4664-8827-3947C462E684}"/>
+              </a:ext>
+            </a:extLst>
+          </p:cNvPr>
+          <p:cNvSpPr txBox="1"/>
+          <p:nvPr/>
+        </p:nvSpPr>
+        <p:spPr>
+          <a:xfrm>
+            <a:off x="8012354" y="5120432"/>
+            <a:ext cx="1378904" cy="307777"/>
+          </a:xfrm>
+          <a:prstGeom prst="rect">
+            <a:avLst/>
+          </a:prstGeom>
+          <a:noFill/>
+        </p:spPr>
+        <p:txBody>
+          <a:bodyPr wrap="none" rtlCol="0">
+            <a:spAutoFit/>
+          </a:bodyPr>
+          <a:lstStyle/>
+          <a:p>
+            <a:r>
+              <a:rPr lang="en-US" altLang="ko-KR" sz="1400" dirty="0"/>
+              <a:t>9. </a:t>
+            </a:r>
+            <a:r>
+              <a:rPr lang="ko-KR" altLang="en-US" sz="1400" dirty="0"/>
+              <a:t>한 줄 평 작성</a:t>
+            </a:r>
+          </a:p>
+        </p:txBody>
+      </p:sp>
+      <p:sp>
+        <p:nvSpPr>
+          <p:cNvPr id="177" name="TextBox 176">
+            <a:extLst>
+              <a:ext uri="{FF2B5EF4-FFF2-40B4-BE49-F238E27FC236}">
+                <a16:creationId xmlns:a16="http://schemas.microsoft.com/office/drawing/2014/main" id="{D4AE10CC-81D7-4C33-89E9-661D88EDD8AC}"/>
+              </a:ext>
+            </a:extLst>
+          </p:cNvPr>
+          <p:cNvSpPr txBox="1"/>
+          <p:nvPr/>
+        </p:nvSpPr>
+        <p:spPr>
+          <a:xfrm>
+            <a:off x="7948597" y="5666448"/>
+            <a:ext cx="1470274" cy="307777"/>
+          </a:xfrm>
+          <a:prstGeom prst="rect">
+            <a:avLst/>
+          </a:prstGeom>
+          <a:noFill/>
+        </p:spPr>
+        <p:txBody>
+          <a:bodyPr wrap="none" rtlCol="0">
+            <a:spAutoFit/>
+          </a:bodyPr>
+          <a:lstStyle/>
+          <a:p>
+            <a:r>
+              <a:rPr lang="en-US" altLang="ko-KR" sz="1400" dirty="0"/>
+              <a:t>10. </a:t>
+            </a:r>
+            <a:r>
+              <a:rPr lang="ko-KR" altLang="en-US" sz="1400" dirty="0"/>
+              <a:t>한 줄 평 확인</a:t>
+            </a:r>
+          </a:p>
+        </p:txBody>
+      </p:sp>
+      <p:sp>
+        <p:nvSpPr>
+          <p:cNvPr id="178" name="직사각형 177">
+            <a:extLst>
+              <a:ext uri="{FF2B5EF4-FFF2-40B4-BE49-F238E27FC236}">
+                <a16:creationId xmlns:a16="http://schemas.microsoft.com/office/drawing/2014/main" id="{94B05761-19E6-404A-9464-57C263F2506A}"/>
+              </a:ext>
+            </a:extLst>
+          </p:cNvPr>
+          <p:cNvSpPr/>
+          <p:nvPr/>
+        </p:nvSpPr>
+        <p:spPr>
+          <a:xfrm>
+            <a:off x="1920810" y="6974270"/>
+            <a:ext cx="755941" cy="461528"/>
+          </a:xfrm>
+          <a:prstGeom prst="rect">
+            <a:avLst/>
+          </a:prstGeom>
+          <a:solidFill>
+            <a:srgbClr val="CDF5FF"/>
+          </a:solidFill>
+          <a:ln>
+            <a:noFill/>
+          </a:ln>
+        </p:spPr>
+        <p:style>
+          <a:lnRef idx="0">
+            <a:scrgbClr r="0" g="0" b="0"/>
+          </a:lnRef>
+          <a:fillRef idx="0">
+            <a:scrgbClr r="0" g="0" b="0"/>
+          </a:fillRef>
+          <a:effectRef idx="0">
+            <a:scrgbClr r="0" g="0" b="0"/>
+          </a:effectRef>
+          <a:fontRef idx="minor">
+            <a:schemeClr val="lt1"/>
+          </a:fontRef>
+        </p:style>
+        <p:txBody>
+          <a:bodyPr rtlCol="0" anchor="ctr"/>
+          <a:lstStyle/>
+          <a:p>
+            <a:pPr algn="ctr"/>
+            <a:endParaRPr lang="ko-KR" altLang="en-US" dirty="0"/>
+          </a:p>
+        </p:txBody>
+      </p:sp>
+      <p:sp>
+        <p:nvSpPr>
+          <p:cNvPr id="179" name="직사각형 178">
+            <a:extLst>
+              <a:ext uri="{FF2B5EF4-FFF2-40B4-BE49-F238E27FC236}">
+                <a16:creationId xmlns:a16="http://schemas.microsoft.com/office/drawing/2014/main" id="{9CB42D6D-4B11-4669-A4A3-22B69AB32145}"/>
+              </a:ext>
+            </a:extLst>
+          </p:cNvPr>
+          <p:cNvSpPr/>
+          <p:nvPr/>
+        </p:nvSpPr>
+        <p:spPr>
+          <a:xfrm>
+            <a:off x="11497153" y="6974270"/>
+            <a:ext cx="755941" cy="461528"/>
+          </a:xfrm>
+          <a:prstGeom prst="rect">
+            <a:avLst/>
+          </a:prstGeom>
+          <a:solidFill>
+            <a:srgbClr val="CDF5FF"/>
+          </a:solidFill>
+          <a:ln>
+            <a:noFill/>
+          </a:ln>
+        </p:spPr>
+        <p:style>
+          <a:lnRef idx="0">
+            <a:scrgbClr r="0" g="0" b="0"/>
+          </a:lnRef>
+          <a:fillRef idx="0">
+            <a:scrgbClr r="0" g="0" b="0"/>
+          </a:fillRef>
+          <a:effectRef idx="0">
+            <a:scrgbClr r="0" g="0" b="0"/>
+          </a:effectRef>
+          <a:fontRef idx="minor">
+            <a:schemeClr val="lt1"/>
+          </a:fontRef>
+        </p:style>
+        <p:txBody>
+          <a:bodyPr rtlCol="0" anchor="ctr"/>
+          <a:lstStyle/>
+          <a:p>
+            <a:pPr algn="ctr"/>
+            <a:endParaRPr lang="ko-KR" altLang="en-US" dirty="0"/>
+          </a:p>
+        </p:txBody>
+      </p:sp>
+      <p:sp>
+        <p:nvSpPr>
+          <p:cNvPr id="180" name="직사각형 179">
+            <a:extLst>
+              <a:ext uri="{FF2B5EF4-FFF2-40B4-BE49-F238E27FC236}">
+                <a16:creationId xmlns:a16="http://schemas.microsoft.com/office/drawing/2014/main" id="{431CEE6C-E7E7-40C2-A094-E0D9E7FF320B}"/>
+              </a:ext>
+            </a:extLst>
+          </p:cNvPr>
+          <p:cNvSpPr/>
+          <p:nvPr/>
+        </p:nvSpPr>
+        <p:spPr>
+          <a:xfrm>
+            <a:off x="1911686" y="7842329"/>
+            <a:ext cx="755941" cy="461528"/>
+          </a:xfrm>
+          <a:prstGeom prst="rect">
+            <a:avLst/>
+          </a:prstGeom>
+          <a:solidFill>
+            <a:srgbClr val="CDF5FF"/>
+          </a:solidFill>
+          <a:ln>
+            <a:noFill/>
+          </a:ln>
+        </p:spPr>
+        <p:style>
+          <a:lnRef idx="0">
+            <a:scrgbClr r="0" g="0" b="0"/>
+          </a:lnRef>
+          <a:fillRef idx="0">
+            <a:scrgbClr r="0" g="0" b="0"/>
+          </a:fillRef>
+          <a:effectRef idx="0">
+            <a:scrgbClr r="0" g="0" b="0"/>
+          </a:effectRef>
+          <a:fontRef idx="minor">
+            <a:schemeClr val="lt1"/>
+          </a:fontRef>
+        </p:style>
+        <p:txBody>
+          <a:bodyPr rtlCol="0" anchor="ctr"/>
+          <a:lstStyle/>
+          <a:p>
+            <a:pPr algn="ctr"/>
+            <a:endParaRPr lang="ko-KR" altLang="en-US" dirty="0"/>
+          </a:p>
+        </p:txBody>
+      </p:sp>
+      <p:sp>
+        <p:nvSpPr>
+          <p:cNvPr id="181" name="직사각형 180">
+            <a:extLst>
+              <a:ext uri="{FF2B5EF4-FFF2-40B4-BE49-F238E27FC236}">
+                <a16:creationId xmlns:a16="http://schemas.microsoft.com/office/drawing/2014/main" id="{C05711B9-6219-4034-A751-7EB0882CC82B}"/>
+              </a:ext>
+            </a:extLst>
+          </p:cNvPr>
+          <p:cNvSpPr/>
+          <p:nvPr/>
+        </p:nvSpPr>
+        <p:spPr>
+          <a:xfrm>
+            <a:off x="13079004" y="7846534"/>
+            <a:ext cx="755941" cy="461528"/>
+          </a:xfrm>
+          <a:prstGeom prst="rect">
+            <a:avLst/>
+          </a:prstGeom>
+          <a:solidFill>
+            <a:srgbClr val="CDF5FF"/>
+          </a:solidFill>
+          <a:ln>
+            <a:noFill/>
+          </a:ln>
+        </p:spPr>
+        <p:style>
+          <a:lnRef idx="0">
+            <a:scrgbClr r="0" g="0" b="0"/>
+          </a:lnRef>
+          <a:fillRef idx="0">
+            <a:scrgbClr r="0" g="0" b="0"/>
+          </a:fillRef>
+          <a:effectRef idx="0">
+            <a:scrgbClr r="0" g="0" b="0"/>
+          </a:effectRef>
+          <a:fontRef idx="minor">
+            <a:schemeClr val="lt1"/>
+          </a:fontRef>
+        </p:style>
+        <p:txBody>
+          <a:bodyPr rtlCol="0" anchor="ctr"/>
+          <a:lstStyle/>
+          <a:p>
+            <a:pPr algn="ctr"/>
+            <a:endParaRPr lang="ko-KR" altLang="en-US" dirty="0"/>
+          </a:p>
+        </p:txBody>
+      </p:sp>
+      <p:cxnSp>
+        <p:nvCxnSpPr>
+          <p:cNvPr id="182" name="직선 화살표 연결선 181">
+            <a:extLst>
+              <a:ext uri="{FF2B5EF4-FFF2-40B4-BE49-F238E27FC236}">
+                <a16:creationId xmlns:a16="http://schemas.microsoft.com/office/drawing/2014/main" id="{66648944-8020-4157-9093-CA5DDBC67DE0}"/>
+              </a:ext>
+            </a:extLst>
+          </p:cNvPr>
+          <p:cNvCxnSpPr>
+            <a:cxnSpLocks/>
+          </p:cNvCxnSpPr>
+          <p:nvPr/>
+        </p:nvCxnSpPr>
+        <p:spPr>
+          <a:xfrm>
+            <a:off x="2729862" y="7124700"/>
+            <a:ext cx="8696808" cy="0"/>
+          </a:xfrm>
+          <a:prstGeom prst="straightConnector1">
+            <a:avLst/>
+          </a:prstGeom>
+          <a:ln w="15875">
+            <a:headEnd w="lg" len="lg"/>
+            <a:tailEnd type="triangle"/>
+          </a:ln>
+        </p:spPr>
+        <p:style>
+          <a:lnRef idx="1">
+            <a:schemeClr val="accent1"/>
+          </a:lnRef>
+          <a:fillRef idx="0">
+            <a:schemeClr val="accent1"/>
+          </a:fillRef>
+          <a:effectRef idx="0">
+            <a:schemeClr val="accent1"/>
+          </a:effectRef>
+          <a:fontRef idx="minor">
+            <a:schemeClr val="tx1"/>
+          </a:fontRef>
+        </p:style>
+      </p:cxnSp>
+      <p:cxnSp>
+        <p:nvCxnSpPr>
+          <p:cNvPr id="184" name="직선 화살표 연결선 183">
+            <a:extLst>
+              <a:ext uri="{FF2B5EF4-FFF2-40B4-BE49-F238E27FC236}">
+                <a16:creationId xmlns:a16="http://schemas.microsoft.com/office/drawing/2014/main" id="{A62D33E9-B859-432E-BE2F-FB829631DD7D}"/>
+              </a:ext>
+            </a:extLst>
+          </p:cNvPr>
+          <p:cNvCxnSpPr>
+            <a:cxnSpLocks/>
+          </p:cNvCxnSpPr>
+          <p:nvPr/>
+        </p:nvCxnSpPr>
+        <p:spPr>
+          <a:xfrm flipH="1">
+            <a:off x="2734761" y="7353300"/>
+            <a:ext cx="8691909" cy="0"/>
+          </a:xfrm>
+          <a:prstGeom prst="straightConnector1">
+            <a:avLst/>
+          </a:prstGeom>
+          <a:ln w="15875">
+            <a:prstDash val="dash"/>
+            <a:headEnd w="lg" len="lg"/>
+            <a:tailEnd type="triangle"/>
+          </a:ln>
+        </p:spPr>
+        <p:style>
+          <a:lnRef idx="1">
+            <a:schemeClr val="accent1"/>
+          </a:lnRef>
+          <a:fillRef idx="0">
+            <a:schemeClr val="accent1"/>
+          </a:fillRef>
+          <a:effectRef idx="0">
+            <a:schemeClr val="accent1"/>
+          </a:effectRef>
+          <a:fontRef idx="minor">
+            <a:schemeClr val="tx1"/>
+          </a:fontRef>
+        </p:style>
+      </p:cxnSp>
+      <p:cxnSp>
+        <p:nvCxnSpPr>
+          <p:cNvPr id="186" name="직선 화살표 연결선 185">
+            <a:extLst>
+              <a:ext uri="{FF2B5EF4-FFF2-40B4-BE49-F238E27FC236}">
+                <a16:creationId xmlns:a16="http://schemas.microsoft.com/office/drawing/2014/main" id="{380D9160-F8DF-40C9-8EF5-875F7C4C12A5}"/>
+              </a:ext>
+            </a:extLst>
+          </p:cNvPr>
+          <p:cNvCxnSpPr>
+            <a:cxnSpLocks/>
+          </p:cNvCxnSpPr>
+          <p:nvPr/>
+        </p:nvCxnSpPr>
+        <p:spPr>
+          <a:xfrm flipH="1">
+            <a:off x="2701698" y="8191500"/>
+            <a:ext cx="10248972" cy="0"/>
+          </a:xfrm>
+          <a:prstGeom prst="straightConnector1">
+            <a:avLst/>
+          </a:prstGeom>
+          <a:ln w="15875">
+            <a:prstDash val="dash"/>
+            <a:headEnd w="lg" len="lg"/>
+            <a:tailEnd type="triangle"/>
+          </a:ln>
+        </p:spPr>
+        <p:style>
+          <a:lnRef idx="1">
+            <a:schemeClr val="accent1"/>
+          </a:lnRef>
+          <a:fillRef idx="0">
+            <a:schemeClr val="accent1"/>
+          </a:fillRef>
+          <a:effectRef idx="0">
+            <a:schemeClr val="accent1"/>
+          </a:effectRef>
+          <a:fontRef idx="minor">
+            <a:schemeClr val="tx1"/>
+          </a:fontRef>
+        </p:style>
+      </p:cxnSp>
+      <p:cxnSp>
+        <p:nvCxnSpPr>
+          <p:cNvPr id="193" name="직선 화살표 연결선 192">
+            <a:extLst>
+              <a:ext uri="{FF2B5EF4-FFF2-40B4-BE49-F238E27FC236}">
+                <a16:creationId xmlns:a16="http://schemas.microsoft.com/office/drawing/2014/main" id="{7365CAFE-9FF5-4F08-B0DE-BFC2169F2EFD}"/>
+              </a:ext>
+            </a:extLst>
+          </p:cNvPr>
+          <p:cNvCxnSpPr>
+            <a:cxnSpLocks/>
+          </p:cNvCxnSpPr>
+          <p:nvPr/>
+        </p:nvCxnSpPr>
+        <p:spPr>
+          <a:xfrm>
+            <a:off x="2716765" y="7962900"/>
+            <a:ext cx="10233905" cy="0"/>
+          </a:xfrm>
+          <a:prstGeom prst="straightConnector1">
+            <a:avLst/>
+          </a:prstGeom>
+          <a:ln w="15875">
+            <a:headEnd w="lg" len="lg"/>
+            <a:tailEnd type="triangle"/>
+          </a:ln>
+        </p:spPr>
+        <p:style>
+          <a:lnRef idx="1">
+            <a:schemeClr val="accent1"/>
+          </a:lnRef>
+          <a:fillRef idx="0">
+            <a:schemeClr val="accent1"/>
+          </a:fillRef>
+          <a:effectRef idx="0">
+            <a:schemeClr val="accent1"/>
+          </a:effectRef>
+          <a:fontRef idx="minor">
+            <a:schemeClr val="tx1"/>
+          </a:fontRef>
+        </p:style>
+      </p:cxnSp>
+      <p:sp>
+        <p:nvSpPr>
+          <p:cNvPr id="196" name="TextBox 195">
+            <a:extLst>
+              <a:ext uri="{FF2B5EF4-FFF2-40B4-BE49-F238E27FC236}">
+                <a16:creationId xmlns:a16="http://schemas.microsoft.com/office/drawing/2014/main" id="{8335DFB5-DBE5-44D7-95B4-DE3A12E74BB5}"/>
+              </a:ext>
+            </a:extLst>
+          </p:cNvPr>
+          <p:cNvSpPr txBox="1"/>
+          <p:nvPr/>
+        </p:nvSpPr>
+        <p:spPr>
+          <a:xfrm>
+            <a:off x="5178270" y="6848983"/>
+            <a:ext cx="4358886" cy="307777"/>
+          </a:xfrm>
+          <a:prstGeom prst="rect">
+            <a:avLst/>
+          </a:prstGeom>
+          <a:noFill/>
+        </p:spPr>
+        <p:txBody>
+          <a:bodyPr wrap="none" rtlCol="0">
+            <a:spAutoFit/>
+          </a:bodyPr>
+          <a:lstStyle/>
+          <a:p>
+            <a:r>
+              <a:rPr lang="en-US" altLang="ko-KR" sz="1400" dirty="0"/>
+              <a:t>11. </a:t>
+            </a:r>
+            <a:r>
+              <a:rPr lang="ko-KR" altLang="en-US" sz="1400" dirty="0"/>
+              <a:t>작성한 글 목록</a:t>
+            </a:r>
+            <a:r>
+              <a:rPr lang="en-US" altLang="ko-KR" sz="1400" dirty="0"/>
+              <a:t>, </a:t>
+            </a:r>
+            <a:r>
+              <a:rPr lang="ko-KR" altLang="en-US" sz="1400" dirty="0"/>
+              <a:t>등록한 맛집</a:t>
+            </a:r>
+            <a:r>
+              <a:rPr lang="en-US" altLang="ko-KR" sz="1400" dirty="0"/>
+              <a:t>, </a:t>
+            </a:r>
+            <a:r>
+              <a:rPr lang="ko-KR" altLang="en-US" sz="1400" dirty="0"/>
+              <a:t>내 가입정보 등 조회</a:t>
+            </a:r>
+          </a:p>
+        </p:txBody>
+      </p:sp>
+      <p:sp>
+        <p:nvSpPr>
+          <p:cNvPr id="198" name="TextBox 197">
+            <a:extLst>
+              <a:ext uri="{FF2B5EF4-FFF2-40B4-BE49-F238E27FC236}">
+                <a16:creationId xmlns:a16="http://schemas.microsoft.com/office/drawing/2014/main" id="{AF8CDB30-CD61-4794-8609-F78AD4EBF065}"/>
+              </a:ext>
+            </a:extLst>
+          </p:cNvPr>
+          <p:cNvSpPr txBox="1"/>
+          <p:nvPr/>
+        </p:nvSpPr>
+        <p:spPr>
+          <a:xfrm>
+            <a:off x="5178270" y="7455070"/>
+            <a:ext cx="4273927" cy="307777"/>
+          </a:xfrm>
+          <a:prstGeom prst="rect">
+            <a:avLst/>
+          </a:prstGeom>
+          <a:noFill/>
+        </p:spPr>
+        <p:txBody>
+          <a:bodyPr wrap="none" rtlCol="0">
+            <a:spAutoFit/>
+          </a:bodyPr>
+          <a:lstStyle/>
+          <a:p>
+            <a:r>
+              <a:rPr lang="en-US" altLang="ko-KR" sz="1400" dirty="0"/>
+              <a:t>12. </a:t>
+            </a:r>
+            <a:r>
+              <a:rPr lang="ko-KR" altLang="en-US" sz="1400" dirty="0"/>
+              <a:t>작성한 글 목록</a:t>
+            </a:r>
+            <a:r>
+              <a:rPr lang="en-US" altLang="ko-KR" sz="1400" dirty="0"/>
+              <a:t>, </a:t>
+            </a:r>
+            <a:r>
+              <a:rPr lang="ko-KR" altLang="en-US" sz="1400" dirty="0"/>
+              <a:t>등록한 맛집</a:t>
+            </a:r>
+            <a:r>
+              <a:rPr lang="en-US" altLang="ko-KR" sz="1400" dirty="0"/>
+              <a:t>, </a:t>
+            </a:r>
+            <a:r>
+              <a:rPr lang="ko-KR" altLang="en-US" sz="1400" dirty="0"/>
+              <a:t>내 가입정보 등 확인</a:t>
+            </a:r>
+          </a:p>
+        </p:txBody>
+      </p:sp>
+      <p:sp>
+        <p:nvSpPr>
+          <p:cNvPr id="199" name="TextBox 198">
+            <a:extLst>
+              <a:ext uri="{FF2B5EF4-FFF2-40B4-BE49-F238E27FC236}">
+                <a16:creationId xmlns:a16="http://schemas.microsoft.com/office/drawing/2014/main" id="{F7EB6D07-1909-4AF7-A8C1-333977F5211C}"/>
+              </a:ext>
+            </a:extLst>
+          </p:cNvPr>
+          <p:cNvSpPr txBox="1"/>
+          <p:nvPr/>
+        </p:nvSpPr>
+        <p:spPr>
+          <a:xfrm>
+            <a:off x="6214503" y="7703494"/>
+            <a:ext cx="3086101" cy="307777"/>
+          </a:xfrm>
+          <a:prstGeom prst="rect">
+            <a:avLst/>
+          </a:prstGeom>
+          <a:noFill/>
+        </p:spPr>
+        <p:txBody>
+          <a:bodyPr wrap="none" rtlCol="0">
+            <a:spAutoFit/>
+          </a:bodyPr>
+          <a:lstStyle/>
+          <a:p>
+            <a:r>
+              <a:rPr lang="en-US" altLang="ko-KR" sz="1400" dirty="0"/>
+              <a:t>13. </a:t>
+            </a:r>
+            <a:r>
+              <a:rPr lang="ko-KR" altLang="en-US" sz="1400" dirty="0"/>
+              <a:t>글 작성 </a:t>
+            </a:r>
+            <a:r>
+              <a:rPr lang="en-US" altLang="ko-KR" sz="1400" dirty="0"/>
+              <a:t>( </a:t>
+            </a:r>
+            <a:r>
+              <a:rPr lang="ko-KR" altLang="en-US" sz="1400" dirty="0"/>
+              <a:t>답글 및 조회</a:t>
+            </a:r>
+            <a:r>
+              <a:rPr lang="en-US" altLang="ko-KR" sz="1400" dirty="0"/>
+              <a:t>, </a:t>
+            </a:r>
+            <a:r>
+              <a:rPr lang="ko-KR" altLang="en-US" sz="1400" dirty="0"/>
+              <a:t>수정</a:t>
+            </a:r>
+            <a:r>
+              <a:rPr lang="en-US" altLang="ko-KR" sz="1400" dirty="0"/>
+              <a:t>, </a:t>
+            </a:r>
+            <a:r>
+              <a:rPr lang="ko-KR" altLang="en-US" sz="1400" dirty="0"/>
+              <a:t>삭제</a:t>
+            </a:r>
+            <a:r>
+              <a:rPr lang="en-US" altLang="ko-KR" sz="1400" dirty="0"/>
+              <a:t>)</a:t>
+            </a:r>
+            <a:endParaRPr lang="ko-KR" altLang="en-US" sz="1400" dirty="0"/>
+          </a:p>
+        </p:txBody>
+      </p:sp>
+      <p:sp>
+        <p:nvSpPr>
+          <p:cNvPr id="200" name="TextBox 199">
+            <a:extLst>
+              <a:ext uri="{FF2B5EF4-FFF2-40B4-BE49-F238E27FC236}">
+                <a16:creationId xmlns:a16="http://schemas.microsoft.com/office/drawing/2014/main" id="{AAD60D7D-9F86-4204-9E00-135B40953E18}"/>
+              </a:ext>
+            </a:extLst>
+          </p:cNvPr>
+          <p:cNvSpPr txBox="1"/>
+          <p:nvPr/>
+        </p:nvSpPr>
+        <p:spPr>
+          <a:xfrm>
+            <a:off x="7053602" y="8201613"/>
+            <a:ext cx="1390124" cy="307777"/>
+          </a:xfrm>
+          <a:prstGeom prst="rect">
+            <a:avLst/>
+          </a:prstGeom>
+          <a:noFill/>
+        </p:spPr>
+        <p:txBody>
+          <a:bodyPr wrap="none" rtlCol="0">
+            <a:spAutoFit/>
+          </a:bodyPr>
+          <a:lstStyle/>
+          <a:p>
+            <a:r>
+              <a:rPr lang="en-US" altLang="ko-KR" sz="1400" dirty="0"/>
+              <a:t>14. </a:t>
+            </a:r>
+            <a:r>
+              <a:rPr lang="ko-KR" altLang="en-US" sz="1400" dirty="0"/>
+              <a:t>게시판 확인</a:t>
+            </a:r>
           </a:p>
         </p:txBody>
       </p:sp>
@@ -4052,7 +6855,7 @@
         <p:spPr>
           <a:xfrm>
             <a:off x="746650" y="648777"/>
-            <a:ext cx="9735757" cy="707886"/>
+            <a:ext cx="12485055" cy="707886"/>
           </a:xfrm>
           <a:prstGeom prst="rect">
             <a:avLst/>
@@ -4073,7 +6876,7 @@
                 <a:latin typeface="Gmarket Sans Medium" pitchFamily="34" charset="0"/>
                 <a:cs typeface="Gmarket Sans Medium" pitchFamily="34" charset="0"/>
               </a:rPr>
-              <a:t>8. </a:t>
+              <a:t>7. </a:t>
             </a:r>
             <a:r>
               <a:rPr lang="ko-KR" altLang="en-US" sz="4000" dirty="0">
@@ -4083,16 +6886,2365 @@
                 <a:latin typeface="Gmarket Sans Medium" pitchFamily="34" charset="0"/>
                 <a:cs typeface="Gmarket Sans Medium" pitchFamily="34" charset="0"/>
               </a:rPr>
-              <a:t>기능정의서 및 설계</a:t>
+              <a:t>순차 다이어그램 </a:t>
+            </a:r>
+            <a:r>
+              <a:rPr lang="en-US" altLang="ko-KR" sz="4000" dirty="0">
+                <a:solidFill>
+                  <a:srgbClr val="0181D8"/>
+                </a:solidFill>
+                <a:latin typeface="Gmarket Sans Medium" pitchFamily="34" charset="0"/>
+                <a:cs typeface="Gmarket Sans Medium" pitchFamily="34" charset="0"/>
+              </a:rPr>
+              <a:t>(Admin</a:t>
+            </a:r>
+            <a:r>
+              <a:rPr lang="ko-KR" altLang="en-US" sz="4000" dirty="0">
+                <a:solidFill>
+                  <a:srgbClr val="0181D8"/>
+                </a:solidFill>
+                <a:latin typeface="Gmarket Sans Medium" pitchFamily="34" charset="0"/>
+                <a:cs typeface="Gmarket Sans Medium" pitchFamily="34" charset="0"/>
+              </a:rPr>
+              <a:t> </a:t>
+            </a:r>
+            <a:r>
+              <a:rPr lang="en-US" altLang="ko-KR" sz="4000" dirty="0">
+                <a:solidFill>
+                  <a:srgbClr val="0181D8"/>
+                </a:solidFill>
+                <a:latin typeface="Gmarket Sans Medium" pitchFamily="34" charset="0"/>
+                <a:cs typeface="Gmarket Sans Medium" pitchFamily="34" charset="0"/>
+              </a:rPr>
+              <a:t>Mode Sequence Diagram)</a:t>
             </a:r>
             <a:endParaRPr lang="en-US" dirty="0"/>
+          </a:p>
+        </p:txBody>
+      </p:sp>
+      <p:sp>
+        <p:nvSpPr>
+          <p:cNvPr id="90" name="직사각형 89">
+            <a:extLst>
+              <a:ext uri="{FF2B5EF4-FFF2-40B4-BE49-F238E27FC236}">
+                <a16:creationId xmlns:a16="http://schemas.microsoft.com/office/drawing/2014/main" id="{D7E8F8B3-37F8-431A-819D-2DCE19EB7F61}"/>
+              </a:ext>
+            </a:extLst>
+          </p:cNvPr>
+          <p:cNvSpPr/>
+          <p:nvPr/>
+        </p:nvSpPr>
+        <p:spPr>
+          <a:xfrm>
+            <a:off x="1526342" y="2016244"/>
+            <a:ext cx="1310750" cy="707886"/>
+          </a:xfrm>
+          <a:prstGeom prst="rect">
+            <a:avLst/>
+          </a:prstGeom>
+          <a:solidFill>
+            <a:srgbClr val="61B0E7"/>
+          </a:solidFill>
+          <a:ln>
+            <a:noFill/>
+          </a:ln>
+        </p:spPr>
+        <p:style>
+          <a:lnRef idx="0">
+            <a:scrgbClr r="0" g="0" b="0"/>
+          </a:lnRef>
+          <a:fillRef idx="0">
+            <a:scrgbClr r="0" g="0" b="0"/>
+          </a:fillRef>
+          <a:effectRef idx="0">
+            <a:scrgbClr r="0" g="0" b="0"/>
+          </a:effectRef>
+          <a:fontRef idx="minor">
+            <a:schemeClr val="lt1"/>
+          </a:fontRef>
+        </p:style>
+        <p:txBody>
+          <a:bodyPr rtlCol="0" anchor="ctr"/>
+          <a:lstStyle/>
+          <a:p>
+            <a:pPr algn="ctr"/>
+            <a:r>
+              <a:rPr lang="ko-KR" altLang="en-US" dirty="0"/>
+              <a:t>관리자</a:t>
+            </a:r>
+          </a:p>
+        </p:txBody>
+      </p:sp>
+      <p:sp>
+        <p:nvSpPr>
+          <p:cNvPr id="91" name="직사각형 90">
+            <a:extLst>
+              <a:ext uri="{FF2B5EF4-FFF2-40B4-BE49-F238E27FC236}">
+                <a16:creationId xmlns:a16="http://schemas.microsoft.com/office/drawing/2014/main" id="{7CF1CB69-608E-4B14-9E7E-5106BD30796A}"/>
+              </a:ext>
+            </a:extLst>
+          </p:cNvPr>
+          <p:cNvSpPr/>
+          <p:nvPr/>
+        </p:nvSpPr>
+        <p:spPr>
+          <a:xfrm>
+            <a:off x="3533071" y="2022095"/>
+            <a:ext cx="1310750" cy="707886"/>
+          </a:xfrm>
+          <a:prstGeom prst="rect">
+            <a:avLst/>
+          </a:prstGeom>
+          <a:solidFill>
+            <a:srgbClr val="61B0E7"/>
+          </a:solidFill>
+          <a:ln>
+            <a:noFill/>
+          </a:ln>
+        </p:spPr>
+        <p:style>
+          <a:lnRef idx="0">
+            <a:scrgbClr r="0" g="0" b="0"/>
+          </a:lnRef>
+          <a:fillRef idx="0">
+            <a:scrgbClr r="0" g="0" b="0"/>
+          </a:fillRef>
+          <a:effectRef idx="0">
+            <a:scrgbClr r="0" g="0" b="0"/>
+          </a:effectRef>
+          <a:fontRef idx="minor">
+            <a:schemeClr val="lt1"/>
+          </a:fontRef>
+        </p:style>
+        <p:txBody>
+          <a:bodyPr rtlCol="0" anchor="ctr"/>
+          <a:lstStyle/>
+          <a:p>
+            <a:pPr algn="ctr"/>
+            <a:r>
+              <a:rPr lang="ko-KR" altLang="en-US" dirty="0"/>
+              <a:t>로그인</a:t>
+            </a:r>
+            <a:endParaRPr lang="en-US" altLang="ko-KR" dirty="0"/>
+          </a:p>
+          <a:p>
+            <a:pPr algn="ctr"/>
+            <a:r>
+              <a:rPr lang="ko-KR" altLang="en-US" dirty="0"/>
+              <a:t>로그아웃</a:t>
+            </a:r>
+          </a:p>
+        </p:txBody>
+      </p:sp>
+      <p:sp>
+        <p:nvSpPr>
+          <p:cNvPr id="92" name="직사각형 91">
+            <a:extLst>
+              <a:ext uri="{FF2B5EF4-FFF2-40B4-BE49-F238E27FC236}">
+                <a16:creationId xmlns:a16="http://schemas.microsoft.com/office/drawing/2014/main" id="{163EA104-08AE-4E4C-BE01-DC996859E13C}"/>
+              </a:ext>
+            </a:extLst>
+          </p:cNvPr>
+          <p:cNvSpPr/>
+          <p:nvPr/>
+        </p:nvSpPr>
+        <p:spPr>
+          <a:xfrm>
+            <a:off x="5550934" y="2019298"/>
+            <a:ext cx="1310750" cy="707886"/>
+          </a:xfrm>
+          <a:prstGeom prst="rect">
+            <a:avLst/>
+          </a:prstGeom>
+          <a:solidFill>
+            <a:srgbClr val="61B0E7"/>
+          </a:solidFill>
+          <a:ln>
+            <a:noFill/>
+          </a:ln>
+        </p:spPr>
+        <p:style>
+          <a:lnRef idx="0">
+            <a:scrgbClr r="0" g="0" b="0"/>
+          </a:lnRef>
+          <a:fillRef idx="0">
+            <a:scrgbClr r="0" g="0" b="0"/>
+          </a:fillRef>
+          <a:effectRef idx="0">
+            <a:scrgbClr r="0" g="0" b="0"/>
+          </a:effectRef>
+          <a:fontRef idx="minor">
+            <a:schemeClr val="lt1"/>
+          </a:fontRef>
+        </p:style>
+        <p:txBody>
+          <a:bodyPr rtlCol="0" anchor="ctr"/>
+          <a:lstStyle/>
+          <a:p>
+            <a:pPr algn="ctr"/>
+            <a:r>
+              <a:rPr lang="ko-KR" altLang="en-US" dirty="0"/>
+              <a:t>공지사항</a:t>
+            </a:r>
+          </a:p>
+        </p:txBody>
+      </p:sp>
+      <p:sp>
+        <p:nvSpPr>
+          <p:cNvPr id="98" name="직사각형 97">
+            <a:extLst>
+              <a:ext uri="{FF2B5EF4-FFF2-40B4-BE49-F238E27FC236}">
+                <a16:creationId xmlns:a16="http://schemas.microsoft.com/office/drawing/2014/main" id="{F479937D-27BB-419B-9B86-C0DB7C55F477}"/>
+              </a:ext>
+            </a:extLst>
+          </p:cNvPr>
+          <p:cNvSpPr/>
+          <p:nvPr/>
+        </p:nvSpPr>
+        <p:spPr>
+          <a:xfrm>
+            <a:off x="7526742" y="2012357"/>
+            <a:ext cx="1310750" cy="707886"/>
+          </a:xfrm>
+          <a:prstGeom prst="rect">
+            <a:avLst/>
+          </a:prstGeom>
+          <a:solidFill>
+            <a:srgbClr val="61B0E7"/>
+          </a:solidFill>
+          <a:ln>
+            <a:noFill/>
+          </a:ln>
+        </p:spPr>
+        <p:style>
+          <a:lnRef idx="0">
+            <a:scrgbClr r="0" g="0" b="0"/>
+          </a:lnRef>
+          <a:fillRef idx="0">
+            <a:scrgbClr r="0" g="0" b="0"/>
+          </a:fillRef>
+          <a:effectRef idx="0">
+            <a:scrgbClr r="0" g="0" b="0"/>
+          </a:effectRef>
+          <a:fontRef idx="minor">
+            <a:schemeClr val="lt1"/>
+          </a:fontRef>
+        </p:style>
+        <p:txBody>
+          <a:bodyPr rtlCol="0" anchor="ctr"/>
+          <a:lstStyle/>
+          <a:p>
+            <a:pPr algn="ctr"/>
+            <a:r>
+              <a:rPr lang="ko-KR" altLang="en-US" dirty="0"/>
+              <a:t>맛집 관리</a:t>
+            </a:r>
+          </a:p>
+        </p:txBody>
+      </p:sp>
+      <p:sp>
+        <p:nvSpPr>
+          <p:cNvPr id="99" name="직사각형 98">
+            <a:extLst>
+              <a:ext uri="{FF2B5EF4-FFF2-40B4-BE49-F238E27FC236}">
+                <a16:creationId xmlns:a16="http://schemas.microsoft.com/office/drawing/2014/main" id="{393088F6-AB43-4915-8279-7A57265525D0}"/>
+              </a:ext>
+            </a:extLst>
+          </p:cNvPr>
+          <p:cNvSpPr/>
+          <p:nvPr/>
+        </p:nvSpPr>
+        <p:spPr>
+          <a:xfrm>
+            <a:off x="9511289" y="2019300"/>
+            <a:ext cx="1310750" cy="707886"/>
+          </a:xfrm>
+          <a:prstGeom prst="rect">
+            <a:avLst/>
+          </a:prstGeom>
+          <a:solidFill>
+            <a:srgbClr val="61B0E7"/>
+          </a:solidFill>
+          <a:ln>
+            <a:noFill/>
+          </a:ln>
+        </p:spPr>
+        <p:style>
+          <a:lnRef idx="0">
+            <a:scrgbClr r="0" g="0" b="0"/>
+          </a:lnRef>
+          <a:fillRef idx="0">
+            <a:scrgbClr r="0" g="0" b="0"/>
+          </a:fillRef>
+          <a:effectRef idx="0">
+            <a:scrgbClr r="0" g="0" b="0"/>
+          </a:effectRef>
+          <a:fontRef idx="minor">
+            <a:schemeClr val="lt1"/>
+          </a:fontRef>
+        </p:style>
+        <p:txBody>
+          <a:bodyPr rtlCol="0" anchor="ctr"/>
+          <a:lstStyle/>
+          <a:p>
+            <a:pPr algn="ctr"/>
+            <a:r>
+              <a:rPr lang="ko-KR" altLang="en-US" dirty="0"/>
+              <a:t>카테고리</a:t>
+            </a:r>
+            <a:endParaRPr lang="en-US" altLang="ko-KR" dirty="0"/>
+          </a:p>
+          <a:p>
+            <a:pPr algn="ctr"/>
+            <a:r>
+              <a:rPr lang="ko-KR" altLang="en-US" dirty="0"/>
+              <a:t>등록</a:t>
+            </a:r>
+          </a:p>
+        </p:txBody>
+      </p:sp>
+      <p:sp>
+        <p:nvSpPr>
+          <p:cNvPr id="100" name="직사각형 99">
+            <a:extLst>
+              <a:ext uri="{FF2B5EF4-FFF2-40B4-BE49-F238E27FC236}">
+                <a16:creationId xmlns:a16="http://schemas.microsoft.com/office/drawing/2014/main" id="{AB527B37-FDEC-47BC-ACE7-948AC476203E}"/>
+              </a:ext>
+            </a:extLst>
+          </p:cNvPr>
+          <p:cNvSpPr/>
+          <p:nvPr/>
+        </p:nvSpPr>
+        <p:spPr>
+          <a:xfrm>
+            <a:off x="11486894" y="2016244"/>
+            <a:ext cx="1310750" cy="707886"/>
+          </a:xfrm>
+          <a:prstGeom prst="rect">
+            <a:avLst/>
+          </a:prstGeom>
+          <a:solidFill>
+            <a:srgbClr val="61B0E7"/>
+          </a:solidFill>
+          <a:ln>
+            <a:noFill/>
+          </a:ln>
+        </p:spPr>
+        <p:style>
+          <a:lnRef idx="0">
+            <a:scrgbClr r="0" g="0" b="0"/>
+          </a:lnRef>
+          <a:fillRef idx="0">
+            <a:scrgbClr r="0" g="0" b="0"/>
+          </a:fillRef>
+          <a:effectRef idx="0">
+            <a:scrgbClr r="0" g="0" b="0"/>
+          </a:effectRef>
+          <a:fontRef idx="minor">
+            <a:schemeClr val="lt1"/>
+          </a:fontRef>
+        </p:style>
+        <p:txBody>
+          <a:bodyPr rtlCol="0" anchor="ctr"/>
+          <a:lstStyle/>
+          <a:p>
+            <a:pPr algn="ctr"/>
+            <a:r>
+              <a:rPr lang="ko-KR" altLang="en-US" dirty="0"/>
+              <a:t>회원관리</a:t>
+            </a:r>
+          </a:p>
+        </p:txBody>
+      </p:sp>
+      <p:cxnSp>
+        <p:nvCxnSpPr>
+          <p:cNvPr id="968" name="직선 연결선 967">
+            <a:extLst>
+              <a:ext uri="{FF2B5EF4-FFF2-40B4-BE49-F238E27FC236}">
+                <a16:creationId xmlns:a16="http://schemas.microsoft.com/office/drawing/2014/main" id="{9A60C699-BEF1-45D4-8D04-CAA86E94B615}"/>
+              </a:ext>
+            </a:extLst>
+          </p:cNvPr>
+          <p:cNvCxnSpPr>
+            <a:cxnSpLocks/>
+            <a:stCxn id="90" idx="2"/>
+          </p:cNvCxnSpPr>
+          <p:nvPr/>
+        </p:nvCxnSpPr>
+        <p:spPr>
+          <a:xfrm>
+            <a:off x="2181717" y="2724130"/>
+            <a:ext cx="0" cy="5977341"/>
+          </a:xfrm>
+          <a:prstGeom prst="line">
+            <a:avLst/>
+          </a:prstGeom>
+          <a:ln w="31750" cap="flat" cmpd="sng" algn="ctr">
+            <a:solidFill>
+              <a:schemeClr val="accent1"/>
+            </a:solidFill>
+            <a:prstDash val="lgDash"/>
+            <a:round/>
+            <a:headEnd type="none" w="med" len="med"/>
+            <a:tailEnd type="none" w="med" len="med"/>
+          </a:ln>
+        </p:spPr>
+        <p:style>
+          <a:lnRef idx="0">
+            <a:scrgbClr r="0" g="0" b="0"/>
+          </a:lnRef>
+          <a:fillRef idx="0">
+            <a:scrgbClr r="0" g="0" b="0"/>
+          </a:fillRef>
+          <a:effectRef idx="0">
+            <a:scrgbClr r="0" g="0" b="0"/>
+          </a:effectRef>
+          <a:fontRef idx="minor">
+            <a:schemeClr val="tx1"/>
+          </a:fontRef>
+        </p:style>
+      </p:cxnSp>
+      <p:cxnSp>
+        <p:nvCxnSpPr>
+          <p:cNvPr id="112" name="직선 연결선 111">
+            <a:extLst>
+              <a:ext uri="{FF2B5EF4-FFF2-40B4-BE49-F238E27FC236}">
+                <a16:creationId xmlns:a16="http://schemas.microsoft.com/office/drawing/2014/main" id="{5D161FA5-DA4C-4599-82AD-2BCFC1315C65}"/>
+              </a:ext>
+            </a:extLst>
+          </p:cNvPr>
+          <p:cNvCxnSpPr>
+            <a:cxnSpLocks/>
+          </p:cNvCxnSpPr>
+          <p:nvPr/>
+        </p:nvCxnSpPr>
+        <p:spPr>
+          <a:xfrm>
+            <a:off x="4188446" y="2729880"/>
+            <a:ext cx="0" cy="5977341"/>
+          </a:xfrm>
+          <a:prstGeom prst="line">
+            <a:avLst/>
+          </a:prstGeom>
+          <a:ln w="31750" cap="flat" cmpd="sng" algn="ctr">
+            <a:solidFill>
+              <a:schemeClr val="accent1"/>
+            </a:solidFill>
+            <a:prstDash val="lgDash"/>
+            <a:round/>
+            <a:headEnd type="none" w="med" len="med"/>
+            <a:tailEnd type="none" w="med" len="med"/>
+          </a:ln>
+        </p:spPr>
+        <p:style>
+          <a:lnRef idx="0">
+            <a:scrgbClr r="0" g="0" b="0"/>
+          </a:lnRef>
+          <a:fillRef idx="0">
+            <a:scrgbClr r="0" g="0" b="0"/>
+          </a:fillRef>
+          <a:effectRef idx="0">
+            <a:scrgbClr r="0" g="0" b="0"/>
+          </a:effectRef>
+          <a:fontRef idx="minor">
+            <a:schemeClr val="tx1"/>
+          </a:fontRef>
+        </p:style>
+      </p:cxnSp>
+      <p:cxnSp>
+        <p:nvCxnSpPr>
+          <p:cNvPr id="113" name="직선 연결선 112">
+            <a:extLst>
+              <a:ext uri="{FF2B5EF4-FFF2-40B4-BE49-F238E27FC236}">
+                <a16:creationId xmlns:a16="http://schemas.microsoft.com/office/drawing/2014/main" id="{5B3FC862-0D3C-4F84-BE89-CBBDB8EBB05F}"/>
+              </a:ext>
+            </a:extLst>
+          </p:cNvPr>
+          <p:cNvCxnSpPr>
+            <a:cxnSpLocks/>
+          </p:cNvCxnSpPr>
+          <p:nvPr/>
+        </p:nvCxnSpPr>
+        <p:spPr>
+          <a:xfrm>
+            <a:off x="6206309" y="2726981"/>
+            <a:ext cx="0" cy="5977341"/>
+          </a:xfrm>
+          <a:prstGeom prst="line">
+            <a:avLst/>
+          </a:prstGeom>
+          <a:ln w="31750" cap="flat" cmpd="sng" algn="ctr">
+            <a:solidFill>
+              <a:schemeClr val="accent1"/>
+            </a:solidFill>
+            <a:prstDash val="lgDash"/>
+            <a:round/>
+            <a:headEnd type="none" w="med" len="med"/>
+            <a:tailEnd type="none" w="med" len="med"/>
+          </a:ln>
+        </p:spPr>
+        <p:style>
+          <a:lnRef idx="0">
+            <a:scrgbClr r="0" g="0" b="0"/>
+          </a:lnRef>
+          <a:fillRef idx="0">
+            <a:scrgbClr r="0" g="0" b="0"/>
+          </a:fillRef>
+          <a:effectRef idx="0">
+            <a:scrgbClr r="0" g="0" b="0"/>
+          </a:effectRef>
+          <a:fontRef idx="minor">
+            <a:schemeClr val="tx1"/>
+          </a:fontRef>
+        </p:style>
+      </p:cxnSp>
+      <p:cxnSp>
+        <p:nvCxnSpPr>
+          <p:cNvPr id="114" name="직선 연결선 113">
+            <a:extLst>
+              <a:ext uri="{FF2B5EF4-FFF2-40B4-BE49-F238E27FC236}">
+                <a16:creationId xmlns:a16="http://schemas.microsoft.com/office/drawing/2014/main" id="{FBD7BE20-EA8F-4A08-9905-0F56C8878891}"/>
+              </a:ext>
+            </a:extLst>
+          </p:cNvPr>
+          <p:cNvCxnSpPr>
+            <a:cxnSpLocks/>
+          </p:cNvCxnSpPr>
+          <p:nvPr/>
+        </p:nvCxnSpPr>
+        <p:spPr>
+          <a:xfrm>
+            <a:off x="8182117" y="2720241"/>
+            <a:ext cx="0" cy="5977341"/>
+          </a:xfrm>
+          <a:prstGeom prst="line">
+            <a:avLst/>
+          </a:prstGeom>
+          <a:ln w="31750" cap="flat" cmpd="sng" algn="ctr">
+            <a:solidFill>
+              <a:schemeClr val="accent1"/>
+            </a:solidFill>
+            <a:prstDash val="lgDash"/>
+            <a:round/>
+            <a:headEnd type="none" w="med" len="med"/>
+            <a:tailEnd type="none" w="med" len="med"/>
+          </a:ln>
+        </p:spPr>
+        <p:style>
+          <a:lnRef idx="0">
+            <a:scrgbClr r="0" g="0" b="0"/>
+          </a:lnRef>
+          <a:fillRef idx="0">
+            <a:scrgbClr r="0" g="0" b="0"/>
+          </a:fillRef>
+          <a:effectRef idx="0">
+            <a:scrgbClr r="0" g="0" b="0"/>
+          </a:effectRef>
+          <a:fontRef idx="minor">
+            <a:schemeClr val="tx1"/>
+          </a:fontRef>
+        </p:style>
+      </p:cxnSp>
+      <p:cxnSp>
+        <p:nvCxnSpPr>
+          <p:cNvPr id="115" name="직선 연결선 114">
+            <a:extLst>
+              <a:ext uri="{FF2B5EF4-FFF2-40B4-BE49-F238E27FC236}">
+                <a16:creationId xmlns:a16="http://schemas.microsoft.com/office/drawing/2014/main" id="{6313921F-18D0-41EA-9AD4-EB645FE68BCD}"/>
+              </a:ext>
+            </a:extLst>
+          </p:cNvPr>
+          <p:cNvCxnSpPr>
+            <a:cxnSpLocks/>
+          </p:cNvCxnSpPr>
+          <p:nvPr/>
+        </p:nvCxnSpPr>
+        <p:spPr>
+          <a:xfrm>
+            <a:off x="10199321" y="2727184"/>
+            <a:ext cx="0" cy="5977341"/>
+          </a:xfrm>
+          <a:prstGeom prst="line">
+            <a:avLst/>
+          </a:prstGeom>
+          <a:ln w="31750" cap="flat" cmpd="sng" algn="ctr">
+            <a:solidFill>
+              <a:schemeClr val="accent1"/>
+            </a:solidFill>
+            <a:prstDash val="lgDash"/>
+            <a:round/>
+            <a:headEnd type="none" w="med" len="med"/>
+            <a:tailEnd type="none" w="med" len="med"/>
+          </a:ln>
+        </p:spPr>
+        <p:style>
+          <a:lnRef idx="0">
+            <a:scrgbClr r="0" g="0" b="0"/>
+          </a:lnRef>
+          <a:fillRef idx="0">
+            <a:scrgbClr r="0" g="0" b="0"/>
+          </a:fillRef>
+          <a:effectRef idx="0">
+            <a:scrgbClr r="0" g="0" b="0"/>
+          </a:effectRef>
+          <a:fontRef idx="minor">
+            <a:schemeClr val="tx1"/>
+          </a:fontRef>
+        </p:style>
+      </p:cxnSp>
+      <p:cxnSp>
+        <p:nvCxnSpPr>
+          <p:cNvPr id="116" name="직선 연결선 115">
+            <a:extLst>
+              <a:ext uri="{FF2B5EF4-FFF2-40B4-BE49-F238E27FC236}">
+                <a16:creationId xmlns:a16="http://schemas.microsoft.com/office/drawing/2014/main" id="{AD2930C2-A021-4F28-B27A-D0089BD29FEB}"/>
+              </a:ext>
+            </a:extLst>
+          </p:cNvPr>
+          <p:cNvCxnSpPr>
+            <a:cxnSpLocks/>
+          </p:cNvCxnSpPr>
+          <p:nvPr/>
+        </p:nvCxnSpPr>
+        <p:spPr>
+          <a:xfrm>
+            <a:off x="12142269" y="2724027"/>
+            <a:ext cx="0" cy="5977341"/>
+          </a:xfrm>
+          <a:prstGeom prst="line">
+            <a:avLst/>
+          </a:prstGeom>
+          <a:ln w="31750" cap="flat" cmpd="sng" algn="ctr">
+            <a:solidFill>
+              <a:schemeClr val="accent1"/>
+            </a:solidFill>
+            <a:prstDash val="lgDash"/>
+            <a:round/>
+            <a:headEnd type="none" w="med" len="med"/>
+            <a:tailEnd type="none" w="med" len="med"/>
+          </a:ln>
+        </p:spPr>
+        <p:style>
+          <a:lnRef idx="0">
+            <a:scrgbClr r="0" g="0" b="0"/>
+          </a:lnRef>
+          <a:fillRef idx="0">
+            <a:scrgbClr r="0" g="0" b="0"/>
+          </a:fillRef>
+          <a:effectRef idx="0">
+            <a:scrgbClr r="0" g="0" b="0"/>
+          </a:effectRef>
+          <a:fontRef idx="minor">
+            <a:schemeClr val="tx1"/>
+          </a:fontRef>
+        </p:style>
+      </p:cxnSp>
+      <p:sp>
+        <p:nvSpPr>
+          <p:cNvPr id="120" name="직사각형 119">
+            <a:extLst>
+              <a:ext uri="{FF2B5EF4-FFF2-40B4-BE49-F238E27FC236}">
+                <a16:creationId xmlns:a16="http://schemas.microsoft.com/office/drawing/2014/main" id="{6920FCA4-83EF-43DB-B35E-59FE6D2A20F9}"/>
+              </a:ext>
+            </a:extLst>
+          </p:cNvPr>
+          <p:cNvSpPr/>
+          <p:nvPr/>
+        </p:nvSpPr>
+        <p:spPr>
+          <a:xfrm>
+            <a:off x="1810941" y="3093968"/>
+            <a:ext cx="755941" cy="461528"/>
+          </a:xfrm>
+          <a:prstGeom prst="rect">
+            <a:avLst/>
+          </a:prstGeom>
+          <a:solidFill>
+            <a:srgbClr val="CDF5FF"/>
+          </a:solidFill>
+          <a:ln>
+            <a:noFill/>
+          </a:ln>
+        </p:spPr>
+        <p:style>
+          <a:lnRef idx="0">
+            <a:scrgbClr r="0" g="0" b="0"/>
+          </a:lnRef>
+          <a:fillRef idx="0">
+            <a:scrgbClr r="0" g="0" b="0"/>
+          </a:fillRef>
+          <a:effectRef idx="0">
+            <a:scrgbClr r="0" g="0" b="0"/>
+          </a:effectRef>
+          <a:fontRef idx="minor">
+            <a:schemeClr val="lt1"/>
+          </a:fontRef>
+        </p:style>
+        <p:txBody>
+          <a:bodyPr rtlCol="0" anchor="ctr"/>
+          <a:lstStyle/>
+          <a:p>
+            <a:pPr algn="ctr"/>
+            <a:endParaRPr lang="ko-KR" altLang="en-US" dirty="0"/>
+          </a:p>
+        </p:txBody>
+      </p:sp>
+      <p:sp>
+        <p:nvSpPr>
+          <p:cNvPr id="121" name="직사각형 120">
+            <a:extLst>
+              <a:ext uri="{FF2B5EF4-FFF2-40B4-BE49-F238E27FC236}">
+                <a16:creationId xmlns:a16="http://schemas.microsoft.com/office/drawing/2014/main" id="{C447383F-E001-4688-9B69-7D80A2FE3B12}"/>
+              </a:ext>
+            </a:extLst>
+          </p:cNvPr>
+          <p:cNvSpPr/>
+          <p:nvPr/>
+        </p:nvSpPr>
+        <p:spPr>
+          <a:xfrm>
+            <a:off x="3763068" y="3105535"/>
+            <a:ext cx="755941" cy="461528"/>
+          </a:xfrm>
+          <a:prstGeom prst="rect">
+            <a:avLst/>
+          </a:prstGeom>
+          <a:solidFill>
+            <a:srgbClr val="CDF5FF"/>
+          </a:solidFill>
+          <a:ln>
+            <a:noFill/>
+          </a:ln>
+        </p:spPr>
+        <p:style>
+          <a:lnRef idx="0">
+            <a:scrgbClr r="0" g="0" b="0"/>
+          </a:lnRef>
+          <a:fillRef idx="0">
+            <a:scrgbClr r="0" g="0" b="0"/>
+          </a:fillRef>
+          <a:effectRef idx="0">
+            <a:scrgbClr r="0" g="0" b="0"/>
+          </a:effectRef>
+          <a:fontRef idx="minor">
+            <a:schemeClr val="lt1"/>
+          </a:fontRef>
+        </p:style>
+        <p:txBody>
+          <a:bodyPr rtlCol="0" anchor="ctr"/>
+          <a:lstStyle/>
+          <a:p>
+            <a:pPr algn="ctr"/>
+            <a:endParaRPr lang="ko-KR" altLang="en-US" dirty="0"/>
+          </a:p>
+        </p:txBody>
+      </p:sp>
+      <p:sp>
+        <p:nvSpPr>
+          <p:cNvPr id="122" name="직사각형 121">
+            <a:extLst>
+              <a:ext uri="{FF2B5EF4-FFF2-40B4-BE49-F238E27FC236}">
+                <a16:creationId xmlns:a16="http://schemas.microsoft.com/office/drawing/2014/main" id="{CCE1C923-0F94-4203-A7A9-8B64286C0CC3}"/>
+              </a:ext>
+            </a:extLst>
+          </p:cNvPr>
+          <p:cNvSpPr/>
+          <p:nvPr/>
+        </p:nvSpPr>
+        <p:spPr>
+          <a:xfrm>
+            <a:off x="1810940" y="4067928"/>
+            <a:ext cx="755941" cy="461528"/>
+          </a:xfrm>
+          <a:prstGeom prst="rect">
+            <a:avLst/>
+          </a:prstGeom>
+          <a:solidFill>
+            <a:srgbClr val="CDF5FF"/>
+          </a:solidFill>
+          <a:ln>
+            <a:noFill/>
+          </a:ln>
+        </p:spPr>
+        <p:style>
+          <a:lnRef idx="0">
+            <a:scrgbClr r="0" g="0" b="0"/>
+          </a:lnRef>
+          <a:fillRef idx="0">
+            <a:scrgbClr r="0" g="0" b="0"/>
+          </a:fillRef>
+          <a:effectRef idx="0">
+            <a:scrgbClr r="0" g="0" b="0"/>
+          </a:effectRef>
+          <a:fontRef idx="minor">
+            <a:schemeClr val="lt1"/>
+          </a:fontRef>
+        </p:style>
+        <p:txBody>
+          <a:bodyPr rtlCol="0" anchor="ctr"/>
+          <a:lstStyle/>
+          <a:p>
+            <a:pPr algn="ctr"/>
+            <a:endParaRPr lang="ko-KR" altLang="en-US" dirty="0"/>
+          </a:p>
+        </p:txBody>
+      </p:sp>
+      <p:sp>
+        <p:nvSpPr>
+          <p:cNvPr id="123" name="직사각형 122">
+            <a:extLst>
+              <a:ext uri="{FF2B5EF4-FFF2-40B4-BE49-F238E27FC236}">
+                <a16:creationId xmlns:a16="http://schemas.microsoft.com/office/drawing/2014/main" id="{1BF0E341-107E-435C-9CCD-234FE479C381}"/>
+              </a:ext>
+            </a:extLst>
+          </p:cNvPr>
+          <p:cNvSpPr/>
+          <p:nvPr/>
+        </p:nvSpPr>
+        <p:spPr>
+          <a:xfrm>
+            <a:off x="5854252" y="4070881"/>
+            <a:ext cx="755941" cy="461528"/>
+          </a:xfrm>
+          <a:prstGeom prst="rect">
+            <a:avLst/>
+          </a:prstGeom>
+          <a:solidFill>
+            <a:srgbClr val="CDF5FF"/>
+          </a:solidFill>
+          <a:ln>
+            <a:noFill/>
+          </a:ln>
+        </p:spPr>
+        <p:style>
+          <a:lnRef idx="0">
+            <a:scrgbClr r="0" g="0" b="0"/>
+          </a:lnRef>
+          <a:fillRef idx="0">
+            <a:scrgbClr r="0" g="0" b="0"/>
+          </a:fillRef>
+          <a:effectRef idx="0">
+            <a:scrgbClr r="0" g="0" b="0"/>
+          </a:effectRef>
+          <a:fontRef idx="minor">
+            <a:schemeClr val="lt1"/>
+          </a:fontRef>
+        </p:style>
+        <p:txBody>
+          <a:bodyPr rtlCol="0" anchor="ctr"/>
+          <a:lstStyle/>
+          <a:p>
+            <a:pPr algn="ctr"/>
+            <a:endParaRPr lang="ko-KR" altLang="en-US" dirty="0"/>
+          </a:p>
+        </p:txBody>
+      </p:sp>
+      <p:sp>
+        <p:nvSpPr>
+          <p:cNvPr id="124" name="직사각형 123">
+            <a:extLst>
+              <a:ext uri="{FF2B5EF4-FFF2-40B4-BE49-F238E27FC236}">
+                <a16:creationId xmlns:a16="http://schemas.microsoft.com/office/drawing/2014/main" id="{1995F07B-5C70-4DAF-9E07-E11D48784ABA}"/>
+              </a:ext>
+            </a:extLst>
+          </p:cNvPr>
+          <p:cNvSpPr/>
+          <p:nvPr/>
+        </p:nvSpPr>
+        <p:spPr>
+          <a:xfrm>
+            <a:off x="1815334" y="5061251"/>
+            <a:ext cx="755941" cy="461528"/>
+          </a:xfrm>
+          <a:prstGeom prst="rect">
+            <a:avLst/>
+          </a:prstGeom>
+          <a:solidFill>
+            <a:srgbClr val="CDF5FF"/>
+          </a:solidFill>
+          <a:ln>
+            <a:noFill/>
+          </a:ln>
+        </p:spPr>
+        <p:style>
+          <a:lnRef idx="0">
+            <a:scrgbClr r="0" g="0" b="0"/>
+          </a:lnRef>
+          <a:fillRef idx="0">
+            <a:scrgbClr r="0" g="0" b="0"/>
+          </a:fillRef>
+          <a:effectRef idx="0">
+            <a:scrgbClr r="0" g="0" b="0"/>
+          </a:effectRef>
+          <a:fontRef idx="minor">
+            <a:schemeClr val="lt1"/>
+          </a:fontRef>
+        </p:style>
+        <p:txBody>
+          <a:bodyPr rtlCol="0" anchor="ctr"/>
+          <a:lstStyle/>
+          <a:p>
+            <a:pPr algn="ctr"/>
+            <a:endParaRPr lang="ko-KR" altLang="en-US" dirty="0"/>
+          </a:p>
+        </p:txBody>
+      </p:sp>
+      <p:sp>
+        <p:nvSpPr>
+          <p:cNvPr id="125" name="직사각형 124">
+            <a:extLst>
+              <a:ext uri="{FF2B5EF4-FFF2-40B4-BE49-F238E27FC236}">
+                <a16:creationId xmlns:a16="http://schemas.microsoft.com/office/drawing/2014/main" id="{C060CA09-0A55-4499-A9F3-C7897511D96A}"/>
+              </a:ext>
+            </a:extLst>
+          </p:cNvPr>
+          <p:cNvSpPr/>
+          <p:nvPr/>
+        </p:nvSpPr>
+        <p:spPr>
+          <a:xfrm>
+            <a:off x="7804146" y="5038102"/>
+            <a:ext cx="755941" cy="461528"/>
+          </a:xfrm>
+          <a:prstGeom prst="rect">
+            <a:avLst/>
+          </a:prstGeom>
+          <a:solidFill>
+            <a:srgbClr val="CDF5FF"/>
+          </a:solidFill>
+          <a:ln>
+            <a:noFill/>
+          </a:ln>
+        </p:spPr>
+        <p:style>
+          <a:lnRef idx="0">
+            <a:scrgbClr r="0" g="0" b="0"/>
+          </a:lnRef>
+          <a:fillRef idx="0">
+            <a:scrgbClr r="0" g="0" b="0"/>
+          </a:fillRef>
+          <a:effectRef idx="0">
+            <a:scrgbClr r="0" g="0" b="0"/>
+          </a:effectRef>
+          <a:fontRef idx="minor">
+            <a:schemeClr val="lt1"/>
+          </a:fontRef>
+        </p:style>
+        <p:txBody>
+          <a:bodyPr rtlCol="0" anchor="ctr"/>
+          <a:lstStyle/>
+          <a:p>
+            <a:pPr algn="ctr"/>
+            <a:endParaRPr lang="ko-KR" altLang="en-US" dirty="0"/>
+          </a:p>
+        </p:txBody>
+      </p:sp>
+      <p:cxnSp>
+        <p:nvCxnSpPr>
+          <p:cNvPr id="975" name="직선 화살표 연결선 974">
+            <a:extLst>
+              <a:ext uri="{FF2B5EF4-FFF2-40B4-BE49-F238E27FC236}">
+                <a16:creationId xmlns:a16="http://schemas.microsoft.com/office/drawing/2014/main" id="{292DC918-F6F0-416A-AB78-FFFD4CAE46C5}"/>
+              </a:ext>
+            </a:extLst>
+          </p:cNvPr>
+          <p:cNvCxnSpPr>
+            <a:cxnSpLocks/>
+          </p:cNvCxnSpPr>
+          <p:nvPr/>
+        </p:nvCxnSpPr>
+        <p:spPr>
+          <a:xfrm>
+            <a:off x="2579445" y="3235444"/>
+            <a:ext cx="1164297" cy="0"/>
+          </a:xfrm>
+          <a:prstGeom prst="straightConnector1">
+            <a:avLst/>
+          </a:prstGeom>
+          <a:ln w="15875">
+            <a:headEnd w="lg" len="lg"/>
+            <a:tailEnd type="triangle"/>
+          </a:ln>
+        </p:spPr>
+        <p:style>
+          <a:lnRef idx="1">
+            <a:schemeClr val="accent1"/>
+          </a:lnRef>
+          <a:fillRef idx="0">
+            <a:schemeClr val="accent1"/>
+          </a:fillRef>
+          <a:effectRef idx="0">
+            <a:schemeClr val="accent1"/>
+          </a:effectRef>
+          <a:fontRef idx="minor">
+            <a:schemeClr val="tx1"/>
+          </a:fontRef>
+        </p:style>
+      </p:cxnSp>
+      <p:cxnSp>
+        <p:nvCxnSpPr>
+          <p:cNvPr id="133" name="직선 화살표 연결선 132">
+            <a:extLst>
+              <a:ext uri="{FF2B5EF4-FFF2-40B4-BE49-F238E27FC236}">
+                <a16:creationId xmlns:a16="http://schemas.microsoft.com/office/drawing/2014/main" id="{E88BAD37-36B0-490D-BB36-EE8FC2CCD3A1}"/>
+              </a:ext>
+            </a:extLst>
+          </p:cNvPr>
+          <p:cNvCxnSpPr>
+            <a:cxnSpLocks/>
+          </p:cNvCxnSpPr>
+          <p:nvPr/>
+        </p:nvCxnSpPr>
+        <p:spPr>
+          <a:xfrm flipH="1">
+            <a:off x="2579589" y="3464044"/>
+            <a:ext cx="1126864" cy="0"/>
+          </a:xfrm>
+          <a:prstGeom prst="straightConnector1">
+            <a:avLst/>
+          </a:prstGeom>
+          <a:ln w="15875">
+            <a:prstDash val="dash"/>
+            <a:headEnd w="lg" len="lg"/>
+            <a:tailEnd type="triangle"/>
+          </a:ln>
+        </p:spPr>
+        <p:style>
+          <a:lnRef idx="1">
+            <a:schemeClr val="accent1"/>
+          </a:lnRef>
+          <a:fillRef idx="0">
+            <a:schemeClr val="accent1"/>
+          </a:fillRef>
+          <a:effectRef idx="0">
+            <a:schemeClr val="accent1"/>
+          </a:effectRef>
+          <a:fontRef idx="minor">
+            <a:schemeClr val="tx1"/>
+          </a:fontRef>
+        </p:style>
+      </p:cxnSp>
+      <p:sp>
+        <p:nvSpPr>
+          <p:cNvPr id="982" name="TextBox 981">
+            <a:extLst>
+              <a:ext uri="{FF2B5EF4-FFF2-40B4-BE49-F238E27FC236}">
+                <a16:creationId xmlns:a16="http://schemas.microsoft.com/office/drawing/2014/main" id="{F7A13621-10A0-47D2-8A3B-645FA86A0835}"/>
+              </a:ext>
+            </a:extLst>
+          </p:cNvPr>
+          <p:cNvSpPr txBox="1"/>
+          <p:nvPr/>
+        </p:nvSpPr>
+        <p:spPr>
+          <a:xfrm>
+            <a:off x="2419094" y="2809863"/>
+            <a:ext cx="1518364" cy="307777"/>
+          </a:xfrm>
+          <a:prstGeom prst="rect">
+            <a:avLst/>
+          </a:prstGeom>
+          <a:noFill/>
+        </p:spPr>
+        <p:txBody>
+          <a:bodyPr wrap="none" rtlCol="0">
+            <a:spAutoFit/>
+          </a:bodyPr>
+          <a:lstStyle/>
+          <a:p>
+            <a:r>
+              <a:rPr lang="en-US" altLang="ko-KR" sz="1400" dirty="0"/>
+              <a:t>1.  </a:t>
+            </a:r>
+            <a:r>
+              <a:rPr lang="ko-KR" altLang="en-US" sz="1400" dirty="0"/>
+              <a:t>관리자 로그인</a:t>
+            </a:r>
+          </a:p>
+        </p:txBody>
+      </p:sp>
+      <p:sp>
+        <p:nvSpPr>
+          <p:cNvPr id="136" name="TextBox 135">
+            <a:extLst>
+              <a:ext uri="{FF2B5EF4-FFF2-40B4-BE49-F238E27FC236}">
+                <a16:creationId xmlns:a16="http://schemas.microsoft.com/office/drawing/2014/main" id="{CAE7750E-4B67-479F-B435-E3C7C24A5243}"/>
+              </a:ext>
+            </a:extLst>
+          </p:cNvPr>
+          <p:cNvSpPr txBox="1"/>
+          <p:nvPr/>
+        </p:nvSpPr>
+        <p:spPr>
+          <a:xfrm>
+            <a:off x="2491941" y="3593696"/>
+            <a:ext cx="1298753" cy="307777"/>
+          </a:xfrm>
+          <a:prstGeom prst="rect">
+            <a:avLst/>
+          </a:prstGeom>
+          <a:noFill/>
+        </p:spPr>
+        <p:txBody>
+          <a:bodyPr wrap="none" rtlCol="0">
+            <a:spAutoFit/>
+          </a:bodyPr>
+          <a:lstStyle/>
+          <a:p>
+            <a:r>
+              <a:rPr lang="en-US" altLang="ko-KR" sz="1400" dirty="0"/>
+              <a:t>2. </a:t>
+            </a:r>
+            <a:r>
+              <a:rPr lang="ko-KR" altLang="en-US" sz="1400" dirty="0"/>
+              <a:t>관리자 승인</a:t>
+            </a:r>
+          </a:p>
+        </p:txBody>
+      </p:sp>
+      <p:cxnSp>
+        <p:nvCxnSpPr>
+          <p:cNvPr id="145" name="직선 화살표 연결선 144">
+            <a:extLst>
+              <a:ext uri="{FF2B5EF4-FFF2-40B4-BE49-F238E27FC236}">
+                <a16:creationId xmlns:a16="http://schemas.microsoft.com/office/drawing/2014/main" id="{8F93160D-8EA5-4533-A411-30A149EAF729}"/>
+              </a:ext>
+            </a:extLst>
+          </p:cNvPr>
+          <p:cNvCxnSpPr>
+            <a:cxnSpLocks/>
+          </p:cNvCxnSpPr>
+          <p:nvPr/>
+        </p:nvCxnSpPr>
+        <p:spPr>
+          <a:xfrm>
+            <a:off x="2575798" y="4226044"/>
+            <a:ext cx="3183308" cy="0"/>
+          </a:xfrm>
+          <a:prstGeom prst="straightConnector1">
+            <a:avLst/>
+          </a:prstGeom>
+          <a:ln w="15875">
+            <a:headEnd w="lg" len="lg"/>
+            <a:tailEnd type="triangle"/>
+          </a:ln>
+        </p:spPr>
+        <p:style>
+          <a:lnRef idx="1">
+            <a:schemeClr val="accent1"/>
+          </a:lnRef>
+          <a:fillRef idx="0">
+            <a:schemeClr val="accent1"/>
+          </a:fillRef>
+          <a:effectRef idx="0">
+            <a:schemeClr val="accent1"/>
+          </a:effectRef>
+          <a:fontRef idx="minor">
+            <a:schemeClr val="tx1"/>
+          </a:fontRef>
+        </p:style>
+      </p:cxnSp>
+      <p:cxnSp>
+        <p:nvCxnSpPr>
+          <p:cNvPr id="147" name="직선 화살표 연결선 146">
+            <a:extLst>
+              <a:ext uri="{FF2B5EF4-FFF2-40B4-BE49-F238E27FC236}">
+                <a16:creationId xmlns:a16="http://schemas.microsoft.com/office/drawing/2014/main" id="{9876BD0B-F5D0-4935-9F54-C45114B2EBE1}"/>
+              </a:ext>
+            </a:extLst>
+          </p:cNvPr>
+          <p:cNvCxnSpPr>
+            <a:cxnSpLocks/>
+          </p:cNvCxnSpPr>
+          <p:nvPr/>
+        </p:nvCxnSpPr>
+        <p:spPr>
+          <a:xfrm flipH="1">
+            <a:off x="2590508" y="4454644"/>
+            <a:ext cx="3168598" cy="0"/>
+          </a:xfrm>
+          <a:prstGeom prst="straightConnector1">
+            <a:avLst/>
+          </a:prstGeom>
+          <a:ln w="15875">
+            <a:prstDash val="dash"/>
+            <a:headEnd w="lg" len="lg"/>
+            <a:tailEnd type="triangle"/>
+          </a:ln>
+        </p:spPr>
+        <p:style>
+          <a:lnRef idx="1">
+            <a:schemeClr val="accent1"/>
+          </a:lnRef>
+          <a:fillRef idx="0">
+            <a:schemeClr val="accent1"/>
+          </a:fillRef>
+          <a:effectRef idx="0">
+            <a:schemeClr val="accent1"/>
+          </a:effectRef>
+          <a:fontRef idx="minor">
+            <a:schemeClr val="tx1"/>
+          </a:fontRef>
+        </p:style>
+      </p:cxnSp>
+      <p:sp>
+        <p:nvSpPr>
+          <p:cNvPr id="150" name="TextBox 149">
+            <a:extLst>
+              <a:ext uri="{FF2B5EF4-FFF2-40B4-BE49-F238E27FC236}">
+                <a16:creationId xmlns:a16="http://schemas.microsoft.com/office/drawing/2014/main" id="{71BA0AC3-2C5B-48F3-AC8F-69D22B506EAB}"/>
+              </a:ext>
+            </a:extLst>
+          </p:cNvPr>
+          <p:cNvSpPr txBox="1"/>
+          <p:nvPr/>
+        </p:nvSpPr>
+        <p:spPr>
+          <a:xfrm>
+            <a:off x="3101470" y="3943230"/>
+            <a:ext cx="2226892" cy="307777"/>
+          </a:xfrm>
+          <a:prstGeom prst="rect">
+            <a:avLst/>
+          </a:prstGeom>
+          <a:noFill/>
+        </p:spPr>
+        <p:txBody>
+          <a:bodyPr wrap="none" rtlCol="0">
+            <a:spAutoFit/>
+          </a:bodyPr>
+          <a:lstStyle/>
+          <a:p>
+            <a:r>
+              <a:rPr lang="en-US" altLang="ko-KR" sz="1400" dirty="0"/>
+              <a:t>3. </a:t>
+            </a:r>
+            <a:r>
+              <a:rPr lang="ko-KR" altLang="en-US" sz="1400" dirty="0"/>
+              <a:t>공지 글 작성</a:t>
+            </a:r>
+            <a:r>
+              <a:rPr lang="en-US" altLang="ko-KR" sz="1400" dirty="0"/>
+              <a:t>, </a:t>
+            </a:r>
+            <a:r>
+              <a:rPr lang="ko-KR" altLang="en-US" sz="1400" dirty="0"/>
+              <a:t>수정</a:t>
+            </a:r>
+            <a:r>
+              <a:rPr lang="en-US" altLang="ko-KR" sz="1400" dirty="0"/>
+              <a:t>, </a:t>
+            </a:r>
+            <a:r>
+              <a:rPr lang="ko-KR" altLang="en-US" sz="1400" dirty="0"/>
+              <a:t>삭제</a:t>
+            </a:r>
+          </a:p>
+        </p:txBody>
+      </p:sp>
+      <p:sp>
+        <p:nvSpPr>
+          <p:cNvPr id="151" name="TextBox 150">
+            <a:extLst>
+              <a:ext uri="{FF2B5EF4-FFF2-40B4-BE49-F238E27FC236}">
+                <a16:creationId xmlns:a16="http://schemas.microsoft.com/office/drawing/2014/main" id="{E8344BE0-4F25-4136-90FE-F676B0BD22EB}"/>
+              </a:ext>
+            </a:extLst>
+          </p:cNvPr>
+          <p:cNvSpPr txBox="1"/>
+          <p:nvPr/>
+        </p:nvSpPr>
+        <p:spPr>
+          <a:xfrm>
+            <a:off x="3222256" y="4508859"/>
+            <a:ext cx="1877437" cy="307777"/>
+          </a:xfrm>
+          <a:prstGeom prst="rect">
+            <a:avLst/>
+          </a:prstGeom>
+          <a:noFill/>
+        </p:spPr>
+        <p:txBody>
+          <a:bodyPr wrap="none" rtlCol="0">
+            <a:spAutoFit/>
+          </a:bodyPr>
+          <a:lstStyle/>
+          <a:p>
+            <a:r>
+              <a:rPr lang="en-US" altLang="ko-KR" sz="1400" dirty="0"/>
+              <a:t>4. </a:t>
+            </a:r>
+            <a:r>
+              <a:rPr lang="ko-KR" altLang="en-US" sz="1400" dirty="0"/>
+              <a:t>공지사항 목록 확인</a:t>
+            </a:r>
+          </a:p>
+        </p:txBody>
+      </p:sp>
+      <p:cxnSp>
+        <p:nvCxnSpPr>
+          <p:cNvPr id="152" name="직선 화살표 연결선 151">
+            <a:extLst>
+              <a:ext uri="{FF2B5EF4-FFF2-40B4-BE49-F238E27FC236}">
+                <a16:creationId xmlns:a16="http://schemas.microsoft.com/office/drawing/2014/main" id="{E50F219D-5D84-4E35-AB53-CD6433469846}"/>
+              </a:ext>
+            </a:extLst>
+          </p:cNvPr>
+          <p:cNvCxnSpPr>
+            <a:cxnSpLocks/>
+          </p:cNvCxnSpPr>
+          <p:nvPr/>
+        </p:nvCxnSpPr>
+        <p:spPr>
+          <a:xfrm>
+            <a:off x="2590508" y="5268867"/>
+            <a:ext cx="5080805" cy="776"/>
+          </a:xfrm>
+          <a:prstGeom prst="straightConnector1">
+            <a:avLst/>
+          </a:prstGeom>
+          <a:ln w="15875">
+            <a:headEnd w="lg" len="lg"/>
+            <a:tailEnd type="triangle"/>
+          </a:ln>
+        </p:spPr>
+        <p:style>
+          <a:lnRef idx="1">
+            <a:schemeClr val="accent1"/>
+          </a:lnRef>
+          <a:fillRef idx="0">
+            <a:schemeClr val="accent1"/>
+          </a:fillRef>
+          <a:effectRef idx="0">
+            <a:schemeClr val="accent1"/>
+          </a:effectRef>
+          <a:fontRef idx="minor">
+            <a:schemeClr val="tx1"/>
+          </a:fontRef>
+        </p:style>
+      </p:cxnSp>
+      <p:cxnSp>
+        <p:nvCxnSpPr>
+          <p:cNvPr id="154" name="직선 화살표 연결선 153">
+            <a:extLst>
+              <a:ext uri="{FF2B5EF4-FFF2-40B4-BE49-F238E27FC236}">
+                <a16:creationId xmlns:a16="http://schemas.microsoft.com/office/drawing/2014/main" id="{0523357C-2A8A-4D64-BCDA-FCEA44343E62}"/>
+              </a:ext>
+            </a:extLst>
+          </p:cNvPr>
+          <p:cNvCxnSpPr>
+            <a:cxnSpLocks/>
+          </p:cNvCxnSpPr>
+          <p:nvPr/>
+        </p:nvCxnSpPr>
+        <p:spPr>
+          <a:xfrm flipH="1">
+            <a:off x="2578283" y="5445244"/>
+            <a:ext cx="5093030" cy="0"/>
+          </a:xfrm>
+          <a:prstGeom prst="straightConnector1">
+            <a:avLst/>
+          </a:prstGeom>
+          <a:ln w="15875">
+            <a:prstDash val="dash"/>
+            <a:headEnd w="lg" len="lg"/>
+            <a:tailEnd type="triangle"/>
+          </a:ln>
+        </p:spPr>
+        <p:style>
+          <a:lnRef idx="1">
+            <a:schemeClr val="accent1"/>
+          </a:lnRef>
+          <a:fillRef idx="0">
+            <a:schemeClr val="accent1"/>
+          </a:fillRef>
+          <a:effectRef idx="0">
+            <a:schemeClr val="accent1"/>
+          </a:effectRef>
+          <a:fontRef idx="minor">
+            <a:schemeClr val="tx1"/>
+          </a:fontRef>
+        </p:style>
+      </p:cxnSp>
+      <p:sp>
+        <p:nvSpPr>
+          <p:cNvPr id="156" name="TextBox 155">
+            <a:extLst>
+              <a:ext uri="{FF2B5EF4-FFF2-40B4-BE49-F238E27FC236}">
+                <a16:creationId xmlns:a16="http://schemas.microsoft.com/office/drawing/2014/main" id="{CC5A802D-AD5A-475A-A937-AA1E55854D85}"/>
+              </a:ext>
+            </a:extLst>
+          </p:cNvPr>
+          <p:cNvSpPr txBox="1"/>
+          <p:nvPr/>
+        </p:nvSpPr>
+        <p:spPr>
+          <a:xfrm>
+            <a:off x="4787422" y="4932170"/>
+            <a:ext cx="1119217" cy="307777"/>
+          </a:xfrm>
+          <a:prstGeom prst="rect">
+            <a:avLst/>
+          </a:prstGeom>
+          <a:noFill/>
+        </p:spPr>
+        <p:txBody>
+          <a:bodyPr wrap="none" rtlCol="0">
+            <a:spAutoFit/>
+          </a:bodyPr>
+          <a:lstStyle/>
+          <a:p>
+            <a:r>
+              <a:rPr lang="en-US" altLang="ko-KR" sz="1400" dirty="0"/>
+              <a:t>5. </a:t>
+            </a:r>
+            <a:r>
+              <a:rPr lang="ko-KR" altLang="en-US" sz="1400" dirty="0"/>
+              <a:t>맛집 삭제</a:t>
+            </a:r>
+          </a:p>
+        </p:txBody>
+      </p:sp>
+      <p:sp>
+        <p:nvSpPr>
+          <p:cNvPr id="157" name="TextBox 156">
+            <a:extLst>
+              <a:ext uri="{FF2B5EF4-FFF2-40B4-BE49-F238E27FC236}">
+                <a16:creationId xmlns:a16="http://schemas.microsoft.com/office/drawing/2014/main" id="{7E1D52EF-A937-4252-81FB-C39C0954993D}"/>
+              </a:ext>
+            </a:extLst>
+          </p:cNvPr>
+          <p:cNvSpPr txBox="1"/>
+          <p:nvPr/>
+        </p:nvSpPr>
+        <p:spPr>
+          <a:xfrm>
+            <a:off x="4607712" y="5510992"/>
+            <a:ext cx="1697901" cy="307777"/>
+          </a:xfrm>
+          <a:prstGeom prst="rect">
+            <a:avLst/>
+          </a:prstGeom>
+          <a:noFill/>
+        </p:spPr>
+        <p:txBody>
+          <a:bodyPr wrap="none" rtlCol="0">
+            <a:spAutoFit/>
+          </a:bodyPr>
+          <a:lstStyle/>
+          <a:p>
+            <a:r>
+              <a:rPr lang="en-US" altLang="ko-KR" sz="1400" dirty="0"/>
+              <a:t>6. </a:t>
+            </a:r>
+            <a:r>
+              <a:rPr lang="ko-KR" altLang="en-US" sz="1400" dirty="0"/>
+              <a:t>맛집 리스트 확인</a:t>
+            </a:r>
+          </a:p>
+        </p:txBody>
+      </p:sp>
+      <p:sp>
+        <p:nvSpPr>
+          <p:cNvPr id="158" name="직사각형 157">
+            <a:extLst>
+              <a:ext uri="{FF2B5EF4-FFF2-40B4-BE49-F238E27FC236}">
+                <a16:creationId xmlns:a16="http://schemas.microsoft.com/office/drawing/2014/main" id="{23D92E85-4EA5-4B3E-9FBE-E94D8BB85F24}"/>
+              </a:ext>
+            </a:extLst>
+          </p:cNvPr>
+          <p:cNvSpPr/>
+          <p:nvPr/>
+        </p:nvSpPr>
+        <p:spPr>
+          <a:xfrm>
+            <a:off x="1810733" y="5950253"/>
+            <a:ext cx="755941" cy="461528"/>
+          </a:xfrm>
+          <a:prstGeom prst="rect">
+            <a:avLst/>
+          </a:prstGeom>
+          <a:solidFill>
+            <a:srgbClr val="CDF5FF"/>
+          </a:solidFill>
+          <a:ln>
+            <a:noFill/>
+          </a:ln>
+        </p:spPr>
+        <p:style>
+          <a:lnRef idx="0">
+            <a:scrgbClr r="0" g="0" b="0"/>
+          </a:lnRef>
+          <a:fillRef idx="0">
+            <a:scrgbClr r="0" g="0" b="0"/>
+          </a:fillRef>
+          <a:effectRef idx="0">
+            <a:scrgbClr r="0" g="0" b="0"/>
+          </a:effectRef>
+          <a:fontRef idx="minor">
+            <a:schemeClr val="lt1"/>
+          </a:fontRef>
+        </p:style>
+        <p:txBody>
+          <a:bodyPr rtlCol="0" anchor="ctr"/>
+          <a:lstStyle/>
+          <a:p>
+            <a:pPr algn="ctr"/>
+            <a:endParaRPr lang="ko-KR" altLang="en-US" dirty="0"/>
+          </a:p>
+        </p:txBody>
+      </p:sp>
+      <p:sp>
+        <p:nvSpPr>
+          <p:cNvPr id="159" name="직사각형 158">
+            <a:extLst>
+              <a:ext uri="{FF2B5EF4-FFF2-40B4-BE49-F238E27FC236}">
+                <a16:creationId xmlns:a16="http://schemas.microsoft.com/office/drawing/2014/main" id="{9307980B-6809-4FF5-97D0-E28AE126FB7C}"/>
+              </a:ext>
+            </a:extLst>
+          </p:cNvPr>
+          <p:cNvSpPr/>
+          <p:nvPr/>
+        </p:nvSpPr>
+        <p:spPr>
+          <a:xfrm>
+            <a:off x="9858087" y="5953227"/>
+            <a:ext cx="755941" cy="461528"/>
+          </a:xfrm>
+          <a:prstGeom prst="rect">
+            <a:avLst/>
+          </a:prstGeom>
+          <a:solidFill>
+            <a:srgbClr val="CDF5FF"/>
+          </a:solidFill>
+          <a:ln>
+            <a:noFill/>
+          </a:ln>
+        </p:spPr>
+        <p:style>
+          <a:lnRef idx="0">
+            <a:scrgbClr r="0" g="0" b="0"/>
+          </a:lnRef>
+          <a:fillRef idx="0">
+            <a:scrgbClr r="0" g="0" b="0"/>
+          </a:fillRef>
+          <a:effectRef idx="0">
+            <a:scrgbClr r="0" g="0" b="0"/>
+          </a:effectRef>
+          <a:fontRef idx="minor">
+            <a:schemeClr val="lt1"/>
+          </a:fontRef>
+        </p:style>
+        <p:txBody>
+          <a:bodyPr rtlCol="0" anchor="ctr"/>
+          <a:lstStyle/>
+          <a:p>
+            <a:pPr algn="ctr"/>
+            <a:endParaRPr lang="ko-KR" altLang="en-US" dirty="0"/>
+          </a:p>
+        </p:txBody>
+      </p:sp>
+      <p:cxnSp>
+        <p:nvCxnSpPr>
+          <p:cNvPr id="160" name="직선 화살표 연결선 159">
+            <a:extLst>
+              <a:ext uri="{FF2B5EF4-FFF2-40B4-BE49-F238E27FC236}">
+                <a16:creationId xmlns:a16="http://schemas.microsoft.com/office/drawing/2014/main" id="{6881E557-F5AD-4569-80D1-949ED485E9D0}"/>
+              </a:ext>
+            </a:extLst>
+          </p:cNvPr>
+          <p:cNvCxnSpPr>
+            <a:cxnSpLocks/>
+          </p:cNvCxnSpPr>
+          <p:nvPr/>
+        </p:nvCxnSpPr>
+        <p:spPr>
+          <a:xfrm flipV="1">
+            <a:off x="2592277" y="6131044"/>
+            <a:ext cx="7142017" cy="14654"/>
+          </a:xfrm>
+          <a:prstGeom prst="straightConnector1">
+            <a:avLst/>
+          </a:prstGeom>
+          <a:ln w="15875">
+            <a:headEnd w="lg" len="lg"/>
+            <a:tailEnd type="triangle"/>
+          </a:ln>
+        </p:spPr>
+        <p:style>
+          <a:lnRef idx="1">
+            <a:schemeClr val="accent1"/>
+          </a:lnRef>
+          <a:fillRef idx="0">
+            <a:schemeClr val="accent1"/>
+          </a:fillRef>
+          <a:effectRef idx="0">
+            <a:schemeClr val="accent1"/>
+          </a:effectRef>
+          <a:fontRef idx="minor">
+            <a:schemeClr val="tx1"/>
+          </a:fontRef>
+        </p:style>
+      </p:cxnSp>
+      <p:cxnSp>
+        <p:nvCxnSpPr>
+          <p:cNvPr id="162" name="직선 화살표 연결선 161">
+            <a:extLst>
+              <a:ext uri="{FF2B5EF4-FFF2-40B4-BE49-F238E27FC236}">
+                <a16:creationId xmlns:a16="http://schemas.microsoft.com/office/drawing/2014/main" id="{C5B16393-E925-47F7-A2F2-42C4AC2D6D34}"/>
+              </a:ext>
+            </a:extLst>
+          </p:cNvPr>
+          <p:cNvCxnSpPr>
+            <a:cxnSpLocks/>
+          </p:cNvCxnSpPr>
+          <p:nvPr/>
+        </p:nvCxnSpPr>
+        <p:spPr>
+          <a:xfrm flipH="1">
+            <a:off x="2610944" y="6355792"/>
+            <a:ext cx="7123350" cy="12142"/>
+          </a:xfrm>
+          <a:prstGeom prst="straightConnector1">
+            <a:avLst/>
+          </a:prstGeom>
+          <a:ln w="15875">
+            <a:prstDash val="dash"/>
+            <a:headEnd w="lg" len="lg"/>
+            <a:tailEnd type="triangle"/>
+          </a:ln>
+        </p:spPr>
+        <p:style>
+          <a:lnRef idx="1">
+            <a:schemeClr val="accent1"/>
+          </a:lnRef>
+          <a:fillRef idx="0">
+            <a:schemeClr val="accent1"/>
+          </a:fillRef>
+          <a:effectRef idx="0">
+            <a:schemeClr val="accent1"/>
+          </a:effectRef>
+          <a:fontRef idx="minor">
+            <a:schemeClr val="tx1"/>
+          </a:fontRef>
+        </p:style>
+      </p:cxnSp>
+      <p:sp>
+        <p:nvSpPr>
+          <p:cNvPr id="166" name="TextBox 165">
+            <a:extLst>
+              <a:ext uri="{FF2B5EF4-FFF2-40B4-BE49-F238E27FC236}">
+                <a16:creationId xmlns:a16="http://schemas.microsoft.com/office/drawing/2014/main" id="{11A2EA2C-1F8D-43C0-A053-465413A29AD9}"/>
+              </a:ext>
+            </a:extLst>
+          </p:cNvPr>
+          <p:cNvSpPr txBox="1"/>
+          <p:nvPr/>
+        </p:nvSpPr>
+        <p:spPr>
+          <a:xfrm>
+            <a:off x="5732354" y="5854644"/>
+            <a:ext cx="1478290" cy="307777"/>
+          </a:xfrm>
+          <a:prstGeom prst="rect">
+            <a:avLst/>
+          </a:prstGeom>
+          <a:noFill/>
+        </p:spPr>
+        <p:txBody>
+          <a:bodyPr wrap="none" rtlCol="0">
+            <a:spAutoFit/>
+          </a:bodyPr>
+          <a:lstStyle/>
+          <a:p>
+            <a:r>
+              <a:rPr lang="en-US" altLang="ko-KR" sz="1400" dirty="0"/>
+              <a:t>7. </a:t>
+            </a:r>
+            <a:r>
+              <a:rPr lang="ko-KR" altLang="en-US" sz="1400" dirty="0"/>
+              <a:t>카테고리 등록</a:t>
+            </a:r>
+          </a:p>
+        </p:txBody>
+      </p:sp>
+      <p:sp>
+        <p:nvSpPr>
+          <p:cNvPr id="167" name="TextBox 166">
+            <a:extLst>
+              <a:ext uri="{FF2B5EF4-FFF2-40B4-BE49-F238E27FC236}">
+                <a16:creationId xmlns:a16="http://schemas.microsoft.com/office/drawing/2014/main" id="{BEA8F5A1-0F41-4618-8E0E-CA47C4D3301D}"/>
+              </a:ext>
+            </a:extLst>
+          </p:cNvPr>
+          <p:cNvSpPr txBox="1"/>
+          <p:nvPr/>
+        </p:nvSpPr>
+        <p:spPr>
+          <a:xfrm>
+            <a:off x="5715000" y="6355792"/>
+            <a:ext cx="1478290" cy="307777"/>
+          </a:xfrm>
+          <a:prstGeom prst="rect">
+            <a:avLst/>
+          </a:prstGeom>
+          <a:noFill/>
+        </p:spPr>
+        <p:txBody>
+          <a:bodyPr wrap="none" rtlCol="0">
+            <a:spAutoFit/>
+          </a:bodyPr>
+          <a:lstStyle/>
+          <a:p>
+            <a:r>
+              <a:rPr lang="en-US" altLang="ko-KR" sz="1400" dirty="0"/>
+              <a:t>8. </a:t>
+            </a:r>
+            <a:r>
+              <a:rPr lang="ko-KR" altLang="en-US" sz="1400" dirty="0"/>
+              <a:t>카테고리 확인</a:t>
+            </a:r>
+          </a:p>
+        </p:txBody>
+      </p:sp>
+      <p:sp>
+        <p:nvSpPr>
+          <p:cNvPr id="178" name="직사각형 177">
+            <a:extLst>
+              <a:ext uri="{FF2B5EF4-FFF2-40B4-BE49-F238E27FC236}">
+                <a16:creationId xmlns:a16="http://schemas.microsoft.com/office/drawing/2014/main" id="{94B05761-19E6-404A-9464-57C263F2506A}"/>
+              </a:ext>
+            </a:extLst>
+          </p:cNvPr>
+          <p:cNvSpPr/>
+          <p:nvPr/>
+        </p:nvSpPr>
+        <p:spPr>
+          <a:xfrm>
+            <a:off x="1819857" y="6818713"/>
+            <a:ext cx="755941" cy="461528"/>
+          </a:xfrm>
+          <a:prstGeom prst="rect">
+            <a:avLst/>
+          </a:prstGeom>
+          <a:solidFill>
+            <a:srgbClr val="CDF5FF"/>
+          </a:solidFill>
+          <a:ln>
+            <a:noFill/>
+          </a:ln>
+        </p:spPr>
+        <p:style>
+          <a:lnRef idx="0">
+            <a:scrgbClr r="0" g="0" b="0"/>
+          </a:lnRef>
+          <a:fillRef idx="0">
+            <a:scrgbClr r="0" g="0" b="0"/>
+          </a:fillRef>
+          <a:effectRef idx="0">
+            <a:scrgbClr r="0" g="0" b="0"/>
+          </a:effectRef>
+          <a:fontRef idx="minor">
+            <a:schemeClr val="lt1"/>
+          </a:fontRef>
+        </p:style>
+        <p:txBody>
+          <a:bodyPr rtlCol="0" anchor="ctr"/>
+          <a:lstStyle/>
+          <a:p>
+            <a:pPr algn="ctr"/>
+            <a:endParaRPr lang="ko-KR" altLang="en-US" dirty="0"/>
+          </a:p>
+        </p:txBody>
+      </p:sp>
+      <p:sp>
+        <p:nvSpPr>
+          <p:cNvPr id="180" name="직사각형 179">
+            <a:extLst>
+              <a:ext uri="{FF2B5EF4-FFF2-40B4-BE49-F238E27FC236}">
+                <a16:creationId xmlns:a16="http://schemas.microsoft.com/office/drawing/2014/main" id="{431CEE6C-E7E7-40C2-A094-E0D9E7FF320B}"/>
+              </a:ext>
+            </a:extLst>
+          </p:cNvPr>
+          <p:cNvSpPr/>
+          <p:nvPr/>
+        </p:nvSpPr>
+        <p:spPr>
+          <a:xfrm>
+            <a:off x="1810733" y="7686772"/>
+            <a:ext cx="755941" cy="461528"/>
+          </a:xfrm>
+          <a:prstGeom prst="rect">
+            <a:avLst/>
+          </a:prstGeom>
+          <a:solidFill>
+            <a:srgbClr val="CDF5FF"/>
+          </a:solidFill>
+          <a:ln>
+            <a:noFill/>
+          </a:ln>
+        </p:spPr>
+        <p:style>
+          <a:lnRef idx="0">
+            <a:scrgbClr r="0" g="0" b="0"/>
+          </a:lnRef>
+          <a:fillRef idx="0">
+            <a:scrgbClr r="0" g="0" b="0"/>
+          </a:fillRef>
+          <a:effectRef idx="0">
+            <a:scrgbClr r="0" g="0" b="0"/>
+          </a:effectRef>
+          <a:fontRef idx="minor">
+            <a:schemeClr val="lt1"/>
+          </a:fontRef>
+        </p:style>
+        <p:txBody>
+          <a:bodyPr rtlCol="0" anchor="ctr"/>
+          <a:lstStyle/>
+          <a:p>
+            <a:pPr algn="ctr"/>
+            <a:endParaRPr lang="ko-KR" altLang="en-US" dirty="0"/>
+          </a:p>
+        </p:txBody>
+      </p:sp>
+      <p:cxnSp>
+        <p:nvCxnSpPr>
+          <p:cNvPr id="182" name="직선 화살표 연결선 181">
+            <a:extLst>
+              <a:ext uri="{FF2B5EF4-FFF2-40B4-BE49-F238E27FC236}">
+                <a16:creationId xmlns:a16="http://schemas.microsoft.com/office/drawing/2014/main" id="{66648944-8020-4157-9093-CA5DDBC67DE0}"/>
+              </a:ext>
+            </a:extLst>
+          </p:cNvPr>
+          <p:cNvCxnSpPr>
+            <a:cxnSpLocks/>
+          </p:cNvCxnSpPr>
+          <p:nvPr/>
+        </p:nvCxnSpPr>
+        <p:spPr>
+          <a:xfrm>
+            <a:off x="2612576" y="7001304"/>
+            <a:ext cx="9046024" cy="0"/>
+          </a:xfrm>
+          <a:prstGeom prst="straightConnector1">
+            <a:avLst/>
+          </a:prstGeom>
+          <a:ln w="15875">
+            <a:headEnd w="lg" len="lg"/>
+            <a:tailEnd type="triangle"/>
+          </a:ln>
+        </p:spPr>
+        <p:style>
+          <a:lnRef idx="1">
+            <a:schemeClr val="accent1"/>
+          </a:lnRef>
+          <a:fillRef idx="0">
+            <a:schemeClr val="accent1"/>
+          </a:fillRef>
+          <a:effectRef idx="0">
+            <a:schemeClr val="accent1"/>
+          </a:effectRef>
+          <a:fontRef idx="minor">
+            <a:schemeClr val="tx1"/>
+          </a:fontRef>
+        </p:style>
+      </p:cxnSp>
+      <p:cxnSp>
+        <p:nvCxnSpPr>
+          <p:cNvPr id="184" name="직선 화살표 연결선 183">
+            <a:extLst>
+              <a:ext uri="{FF2B5EF4-FFF2-40B4-BE49-F238E27FC236}">
+                <a16:creationId xmlns:a16="http://schemas.microsoft.com/office/drawing/2014/main" id="{A62D33E9-B859-432E-BE2F-FB829631DD7D}"/>
+              </a:ext>
+            </a:extLst>
+          </p:cNvPr>
+          <p:cNvCxnSpPr>
+            <a:cxnSpLocks/>
+          </p:cNvCxnSpPr>
+          <p:nvPr/>
+        </p:nvCxnSpPr>
+        <p:spPr>
+          <a:xfrm flipH="1">
+            <a:off x="2610944" y="7197844"/>
+            <a:ext cx="9777563" cy="0"/>
+          </a:xfrm>
+          <a:prstGeom prst="straightConnector1">
+            <a:avLst/>
+          </a:prstGeom>
+          <a:ln w="15875">
+            <a:prstDash val="dash"/>
+            <a:headEnd w="lg" len="lg"/>
+            <a:tailEnd type="triangle"/>
+          </a:ln>
+        </p:spPr>
+        <p:style>
+          <a:lnRef idx="1">
+            <a:schemeClr val="accent1"/>
+          </a:lnRef>
+          <a:fillRef idx="0">
+            <a:schemeClr val="accent1"/>
+          </a:fillRef>
+          <a:effectRef idx="0">
+            <a:schemeClr val="accent1"/>
+          </a:effectRef>
+          <a:fontRef idx="minor">
+            <a:schemeClr val="tx1"/>
+          </a:fontRef>
+        </p:style>
+      </p:cxnSp>
+      <p:cxnSp>
+        <p:nvCxnSpPr>
+          <p:cNvPr id="186" name="직선 화살표 연결선 185">
+            <a:extLst>
+              <a:ext uri="{FF2B5EF4-FFF2-40B4-BE49-F238E27FC236}">
+                <a16:creationId xmlns:a16="http://schemas.microsoft.com/office/drawing/2014/main" id="{380D9160-F8DF-40C9-8EF5-875F7C4C12A5}"/>
+              </a:ext>
+            </a:extLst>
+          </p:cNvPr>
+          <p:cNvCxnSpPr>
+            <a:cxnSpLocks/>
+          </p:cNvCxnSpPr>
+          <p:nvPr/>
+        </p:nvCxnSpPr>
+        <p:spPr>
+          <a:xfrm flipH="1" flipV="1">
+            <a:off x="2610944" y="8036044"/>
+            <a:ext cx="11028856" cy="10113"/>
+          </a:xfrm>
+          <a:prstGeom prst="straightConnector1">
+            <a:avLst/>
+          </a:prstGeom>
+          <a:ln w="15875">
+            <a:prstDash val="dash"/>
+            <a:headEnd w="lg" len="lg"/>
+            <a:tailEnd type="triangle"/>
+          </a:ln>
+        </p:spPr>
+        <p:style>
+          <a:lnRef idx="1">
+            <a:schemeClr val="accent1"/>
+          </a:lnRef>
+          <a:fillRef idx="0">
+            <a:schemeClr val="accent1"/>
+          </a:fillRef>
+          <a:effectRef idx="0">
+            <a:schemeClr val="accent1"/>
+          </a:effectRef>
+          <a:fontRef idx="minor">
+            <a:schemeClr val="tx1"/>
+          </a:fontRef>
+        </p:style>
+      </p:cxnSp>
+      <p:cxnSp>
+        <p:nvCxnSpPr>
+          <p:cNvPr id="193" name="직선 화살표 연결선 192">
+            <a:extLst>
+              <a:ext uri="{FF2B5EF4-FFF2-40B4-BE49-F238E27FC236}">
+                <a16:creationId xmlns:a16="http://schemas.microsoft.com/office/drawing/2014/main" id="{7365CAFE-9FF5-4F08-B0DE-BFC2169F2EFD}"/>
+              </a:ext>
+            </a:extLst>
+          </p:cNvPr>
+          <p:cNvCxnSpPr>
+            <a:cxnSpLocks/>
+          </p:cNvCxnSpPr>
+          <p:nvPr/>
+        </p:nvCxnSpPr>
+        <p:spPr>
+          <a:xfrm>
+            <a:off x="2610944" y="7807444"/>
+            <a:ext cx="11028856" cy="0"/>
+          </a:xfrm>
+          <a:prstGeom prst="straightConnector1">
+            <a:avLst/>
+          </a:prstGeom>
+          <a:ln w="15875">
+            <a:headEnd w="lg" len="lg"/>
+            <a:tailEnd type="triangle"/>
+          </a:ln>
+        </p:spPr>
+        <p:style>
+          <a:lnRef idx="1">
+            <a:schemeClr val="accent1"/>
+          </a:lnRef>
+          <a:fillRef idx="0">
+            <a:schemeClr val="accent1"/>
+          </a:fillRef>
+          <a:effectRef idx="0">
+            <a:schemeClr val="accent1"/>
+          </a:effectRef>
+          <a:fontRef idx="minor">
+            <a:schemeClr val="tx1"/>
+          </a:fontRef>
+        </p:style>
+      </p:cxnSp>
+      <p:sp>
+        <p:nvSpPr>
+          <p:cNvPr id="196" name="TextBox 195">
+            <a:extLst>
+              <a:ext uri="{FF2B5EF4-FFF2-40B4-BE49-F238E27FC236}">
+                <a16:creationId xmlns:a16="http://schemas.microsoft.com/office/drawing/2014/main" id="{8335DFB5-DBE5-44D7-95B4-DE3A12E74BB5}"/>
+              </a:ext>
+            </a:extLst>
+          </p:cNvPr>
+          <p:cNvSpPr txBox="1"/>
+          <p:nvPr/>
+        </p:nvSpPr>
+        <p:spPr>
+          <a:xfrm>
+            <a:off x="6822111" y="6713262"/>
+            <a:ext cx="1737976" cy="307777"/>
+          </a:xfrm>
+          <a:prstGeom prst="rect">
+            <a:avLst/>
+          </a:prstGeom>
+          <a:noFill/>
+        </p:spPr>
+        <p:txBody>
+          <a:bodyPr wrap="none" rtlCol="0">
+            <a:spAutoFit/>
+          </a:bodyPr>
+          <a:lstStyle/>
+          <a:p>
+            <a:r>
+              <a:rPr lang="en-US" altLang="ko-KR" sz="1400" dirty="0"/>
+              <a:t>9. </a:t>
+            </a:r>
+            <a:r>
+              <a:rPr lang="ko-KR" altLang="en-US" sz="1400" dirty="0"/>
+              <a:t>회원 탈퇴 및 관리</a:t>
+            </a:r>
+          </a:p>
+        </p:txBody>
+      </p:sp>
+      <p:sp>
+        <p:nvSpPr>
+          <p:cNvPr id="198" name="TextBox 197">
+            <a:extLst>
+              <a:ext uri="{FF2B5EF4-FFF2-40B4-BE49-F238E27FC236}">
+                <a16:creationId xmlns:a16="http://schemas.microsoft.com/office/drawing/2014/main" id="{AF8CDB30-CD61-4794-8609-F78AD4EBF065}"/>
+              </a:ext>
+            </a:extLst>
+          </p:cNvPr>
+          <p:cNvSpPr txBox="1"/>
+          <p:nvPr/>
+        </p:nvSpPr>
+        <p:spPr>
+          <a:xfrm>
+            <a:off x="6614655" y="7209970"/>
+            <a:ext cx="2148345" cy="307777"/>
+          </a:xfrm>
+          <a:prstGeom prst="rect">
+            <a:avLst/>
+          </a:prstGeom>
+          <a:noFill/>
+        </p:spPr>
+        <p:txBody>
+          <a:bodyPr wrap="none" rtlCol="0">
+            <a:spAutoFit/>
+          </a:bodyPr>
+          <a:lstStyle/>
+          <a:p>
+            <a:r>
+              <a:rPr lang="en-US" altLang="ko-KR" sz="1400" dirty="0"/>
+              <a:t>10. </a:t>
+            </a:r>
+            <a:r>
+              <a:rPr lang="ko-KR" altLang="en-US" sz="1400" dirty="0"/>
+              <a:t>가입한 회원 목록조회</a:t>
+            </a:r>
+          </a:p>
+        </p:txBody>
+      </p:sp>
+      <p:sp>
+        <p:nvSpPr>
+          <p:cNvPr id="199" name="TextBox 198">
+            <a:extLst>
+              <a:ext uri="{FF2B5EF4-FFF2-40B4-BE49-F238E27FC236}">
+                <a16:creationId xmlns:a16="http://schemas.microsoft.com/office/drawing/2014/main" id="{F7EB6D07-1909-4AF7-A8C1-333977F5211C}"/>
+              </a:ext>
+            </a:extLst>
+          </p:cNvPr>
+          <p:cNvSpPr txBox="1"/>
+          <p:nvPr/>
+        </p:nvSpPr>
+        <p:spPr>
+          <a:xfrm>
+            <a:off x="7056764" y="7548620"/>
+            <a:ext cx="2228495" cy="307777"/>
+          </a:xfrm>
+          <a:prstGeom prst="rect">
+            <a:avLst/>
+          </a:prstGeom>
+          <a:noFill/>
+        </p:spPr>
+        <p:txBody>
+          <a:bodyPr wrap="none" rtlCol="0">
+            <a:spAutoFit/>
+          </a:bodyPr>
+          <a:lstStyle/>
+          <a:p>
+            <a:r>
+              <a:rPr lang="en-US" altLang="ko-KR" sz="1400" dirty="0"/>
+              <a:t>11. </a:t>
+            </a:r>
+            <a:r>
+              <a:rPr lang="ko-KR" altLang="en-US" sz="1400" dirty="0"/>
+              <a:t>게시판 글 삭제</a:t>
+            </a:r>
+            <a:r>
+              <a:rPr lang="en-US" altLang="ko-KR" sz="1400" dirty="0"/>
+              <a:t> </a:t>
+            </a:r>
+            <a:r>
+              <a:rPr lang="ko-KR" altLang="en-US" sz="1400" dirty="0"/>
+              <a:t>및 관리</a:t>
+            </a:r>
+          </a:p>
+        </p:txBody>
+      </p:sp>
+      <p:sp>
+        <p:nvSpPr>
+          <p:cNvPr id="200" name="TextBox 199">
+            <a:extLst>
+              <a:ext uri="{FF2B5EF4-FFF2-40B4-BE49-F238E27FC236}">
+                <a16:creationId xmlns:a16="http://schemas.microsoft.com/office/drawing/2014/main" id="{AAD60D7D-9F86-4204-9E00-135B40953E18}"/>
+              </a:ext>
+            </a:extLst>
+          </p:cNvPr>
+          <p:cNvSpPr txBox="1"/>
+          <p:nvPr/>
+        </p:nvSpPr>
+        <p:spPr>
+          <a:xfrm>
+            <a:off x="7283812" y="8081701"/>
+            <a:ext cx="1609736" cy="307777"/>
+          </a:xfrm>
+          <a:prstGeom prst="rect">
+            <a:avLst/>
+          </a:prstGeom>
+          <a:noFill/>
+        </p:spPr>
+        <p:txBody>
+          <a:bodyPr wrap="none" rtlCol="0">
+            <a:spAutoFit/>
+          </a:bodyPr>
+          <a:lstStyle/>
+          <a:p>
+            <a:r>
+              <a:rPr lang="en-US" altLang="ko-KR" sz="1400" dirty="0"/>
+              <a:t>12. </a:t>
+            </a:r>
+            <a:r>
+              <a:rPr lang="ko-KR" altLang="en-US" sz="1400" dirty="0"/>
+              <a:t>게시판 글 확인</a:t>
+            </a:r>
+          </a:p>
+        </p:txBody>
+      </p:sp>
+      <p:sp>
+        <p:nvSpPr>
+          <p:cNvPr id="77" name="직사각형 76">
+            <a:extLst>
+              <a:ext uri="{FF2B5EF4-FFF2-40B4-BE49-F238E27FC236}">
+                <a16:creationId xmlns:a16="http://schemas.microsoft.com/office/drawing/2014/main" id="{A1CD31F1-140D-4786-A054-985EAB9AE93A}"/>
+              </a:ext>
+            </a:extLst>
+          </p:cNvPr>
+          <p:cNvSpPr/>
+          <p:nvPr/>
+        </p:nvSpPr>
+        <p:spPr>
+          <a:xfrm>
+            <a:off x="13464415" y="2019298"/>
+            <a:ext cx="1310750" cy="707886"/>
+          </a:xfrm>
+          <a:prstGeom prst="rect">
+            <a:avLst/>
+          </a:prstGeom>
+          <a:solidFill>
+            <a:srgbClr val="61B0E7"/>
+          </a:solidFill>
+          <a:ln>
+            <a:noFill/>
+          </a:ln>
+        </p:spPr>
+        <p:style>
+          <a:lnRef idx="0">
+            <a:scrgbClr r="0" g="0" b="0"/>
+          </a:lnRef>
+          <a:fillRef idx="0">
+            <a:scrgbClr r="0" g="0" b="0"/>
+          </a:fillRef>
+          <a:effectRef idx="0">
+            <a:scrgbClr r="0" g="0" b="0"/>
+          </a:effectRef>
+          <a:fontRef idx="minor">
+            <a:schemeClr val="lt1"/>
+          </a:fontRef>
+        </p:style>
+        <p:txBody>
+          <a:bodyPr rtlCol="0" anchor="ctr"/>
+          <a:lstStyle/>
+          <a:p>
+            <a:pPr algn="ctr"/>
+            <a:r>
+              <a:rPr lang="ko-KR" altLang="en-US" dirty="0"/>
+              <a:t>게시판</a:t>
+            </a:r>
+          </a:p>
+        </p:txBody>
+      </p:sp>
+      <p:cxnSp>
+        <p:nvCxnSpPr>
+          <p:cNvPr id="78" name="직선 연결선 77">
+            <a:extLst>
+              <a:ext uri="{FF2B5EF4-FFF2-40B4-BE49-F238E27FC236}">
+                <a16:creationId xmlns:a16="http://schemas.microsoft.com/office/drawing/2014/main" id="{A207CD8F-D46D-4AB6-B8EB-E55B9020BB72}"/>
+              </a:ext>
+            </a:extLst>
+          </p:cNvPr>
+          <p:cNvCxnSpPr>
+            <a:cxnSpLocks/>
+          </p:cNvCxnSpPr>
+          <p:nvPr/>
+        </p:nvCxnSpPr>
+        <p:spPr>
+          <a:xfrm>
+            <a:off x="14119790" y="2727181"/>
+            <a:ext cx="0" cy="5977341"/>
+          </a:xfrm>
+          <a:prstGeom prst="line">
+            <a:avLst/>
+          </a:prstGeom>
+          <a:ln w="31750" cap="flat" cmpd="sng" algn="ctr">
+            <a:solidFill>
+              <a:schemeClr val="accent1"/>
+            </a:solidFill>
+            <a:prstDash val="lgDash"/>
+            <a:round/>
+            <a:headEnd type="none" w="med" len="med"/>
+            <a:tailEnd type="none" w="med" len="med"/>
+          </a:ln>
+        </p:spPr>
+        <p:style>
+          <a:lnRef idx="0">
+            <a:scrgbClr r="0" g="0" b="0"/>
+          </a:lnRef>
+          <a:fillRef idx="0">
+            <a:scrgbClr r="0" g="0" b="0"/>
+          </a:fillRef>
+          <a:effectRef idx="0">
+            <a:scrgbClr r="0" g="0" b="0"/>
+          </a:effectRef>
+          <a:fontRef idx="minor">
+            <a:schemeClr val="tx1"/>
+          </a:fontRef>
+        </p:style>
+      </p:cxnSp>
+      <p:sp>
+        <p:nvSpPr>
+          <p:cNvPr id="79" name="직사각형 78">
+            <a:extLst>
+              <a:ext uri="{FF2B5EF4-FFF2-40B4-BE49-F238E27FC236}">
+                <a16:creationId xmlns:a16="http://schemas.microsoft.com/office/drawing/2014/main" id="{024421A3-A66B-4652-8A28-97FA87346473}"/>
+              </a:ext>
+            </a:extLst>
+          </p:cNvPr>
+          <p:cNvSpPr/>
+          <p:nvPr/>
+        </p:nvSpPr>
+        <p:spPr>
+          <a:xfrm>
+            <a:off x="13741819" y="7694132"/>
+            <a:ext cx="755941" cy="461528"/>
+          </a:xfrm>
+          <a:prstGeom prst="rect">
+            <a:avLst/>
+          </a:prstGeom>
+          <a:solidFill>
+            <a:srgbClr val="CDF5FF"/>
+          </a:solidFill>
+          <a:ln>
+            <a:noFill/>
+          </a:ln>
+        </p:spPr>
+        <p:style>
+          <a:lnRef idx="0">
+            <a:scrgbClr r="0" g="0" b="0"/>
+          </a:lnRef>
+          <a:fillRef idx="0">
+            <a:scrgbClr r="0" g="0" b="0"/>
+          </a:fillRef>
+          <a:effectRef idx="0">
+            <a:scrgbClr r="0" g="0" b="0"/>
+          </a:effectRef>
+          <a:fontRef idx="minor">
+            <a:schemeClr val="lt1"/>
+          </a:fontRef>
+        </p:style>
+        <p:txBody>
+          <a:bodyPr rtlCol="0" anchor="ctr"/>
+          <a:lstStyle/>
+          <a:p>
+            <a:pPr algn="ctr"/>
+            <a:endParaRPr lang="ko-KR" altLang="en-US" dirty="0"/>
+          </a:p>
+        </p:txBody>
+      </p:sp>
+      <p:sp>
+        <p:nvSpPr>
+          <p:cNvPr id="80" name="직사각형 79">
+            <a:extLst>
+              <a:ext uri="{FF2B5EF4-FFF2-40B4-BE49-F238E27FC236}">
+                <a16:creationId xmlns:a16="http://schemas.microsoft.com/office/drawing/2014/main" id="{6BF722D4-D1FB-463A-A202-C65FFE8E1082}"/>
+              </a:ext>
+            </a:extLst>
+          </p:cNvPr>
+          <p:cNvSpPr/>
+          <p:nvPr/>
+        </p:nvSpPr>
+        <p:spPr>
+          <a:xfrm>
+            <a:off x="11775882" y="6848368"/>
+            <a:ext cx="755941" cy="461528"/>
+          </a:xfrm>
+          <a:prstGeom prst="rect">
+            <a:avLst/>
+          </a:prstGeom>
+          <a:solidFill>
+            <a:srgbClr val="CDF5FF"/>
+          </a:solidFill>
+          <a:ln>
+            <a:noFill/>
+          </a:ln>
+        </p:spPr>
+        <p:style>
+          <a:lnRef idx="0">
+            <a:scrgbClr r="0" g="0" b="0"/>
+          </a:lnRef>
+          <a:fillRef idx="0">
+            <a:scrgbClr r="0" g="0" b="0"/>
+          </a:fillRef>
+          <a:effectRef idx="0">
+            <a:scrgbClr r="0" g="0" b="0"/>
+          </a:effectRef>
+          <a:fontRef idx="minor">
+            <a:schemeClr val="lt1"/>
+          </a:fontRef>
+        </p:style>
+        <p:txBody>
+          <a:bodyPr rtlCol="0" anchor="ctr"/>
+          <a:lstStyle/>
+          <a:p>
+            <a:pPr algn="ctr"/>
+            <a:endParaRPr lang="ko-KR" altLang="en-US" dirty="0"/>
           </a:p>
         </p:txBody>
       </p:sp>
     </p:spTree>
     <p:extLst>
       <p:ext uri="{BB962C8B-B14F-4D97-AF65-F5344CB8AC3E}">
-        <p14:creationId xmlns:p14="http://schemas.microsoft.com/office/powerpoint/2010/main" val="562973611"/>
+        <p14:creationId xmlns:p14="http://schemas.microsoft.com/office/powerpoint/2010/main" val="1841124432"/>
       </p:ext>
     </p:extLst>
   </p:cSld>
@@ -4230,6 +9382,199 @@
                 <a:latin typeface="Gmarket Sans Medium" pitchFamily="34" charset="0"/>
                 <a:cs typeface="Gmarket Sans Medium" pitchFamily="34" charset="0"/>
               </a:rPr>
+              <a:t>8. </a:t>
+            </a:r>
+            <a:r>
+              <a:rPr lang="ko-KR" altLang="en-US" sz="4000" dirty="0">
+                <a:solidFill>
+                  <a:srgbClr val="0181D8"/>
+                </a:solidFill>
+                <a:latin typeface="Gmarket Sans Medium" pitchFamily="34" charset="0"/>
+                <a:cs typeface="Gmarket Sans Medium" pitchFamily="34" charset="0"/>
+              </a:rPr>
+              <a:t>기능정의서 및 설계</a:t>
+            </a:r>
+            <a:endParaRPr lang="en-US" dirty="0"/>
+          </a:p>
+        </p:txBody>
+      </p:sp>
+      <p:pic>
+        <p:nvPicPr>
+          <p:cNvPr id="6" name="그림 5">
+            <a:extLst>
+              <a:ext uri="{FF2B5EF4-FFF2-40B4-BE49-F238E27FC236}">
+                <a16:creationId xmlns:a16="http://schemas.microsoft.com/office/drawing/2014/main" id="{E9CC6523-DD24-486A-B763-1C7378166DDE}"/>
+              </a:ext>
+            </a:extLst>
+          </p:cNvPr>
+          <p:cNvPicPr>
+            <a:picLocks noChangeAspect="1"/>
+          </p:cNvPicPr>
+          <p:nvPr/>
+        </p:nvPicPr>
+        <p:blipFill>
+          <a:blip r:embed="rId3">
+            <a:extLst>
+              <a:ext uri="{28A0092B-C50C-407E-A947-70E740481C1C}">
+                <a14:useLocalDpi xmlns:a14="http://schemas.microsoft.com/office/drawing/2010/main" val="0"/>
+              </a:ext>
+            </a:extLst>
+          </a:blip>
+          <a:stretch>
+            <a:fillRect/>
+          </a:stretch>
+        </p:blipFill>
+        <p:spPr>
+          <a:xfrm>
+            <a:off x="1905000" y="1562100"/>
+            <a:ext cx="12167810" cy="8458200"/>
+          </a:xfrm>
+          <a:prstGeom prst="rect">
+            <a:avLst/>
+          </a:prstGeom>
+        </p:spPr>
+      </p:pic>
+    </p:spTree>
+    <p:extLst>
+      <p:ext uri="{BB962C8B-B14F-4D97-AF65-F5344CB8AC3E}">
+        <p14:creationId xmlns:p14="http://schemas.microsoft.com/office/powerpoint/2010/main" val="562973611"/>
+      </p:ext>
+    </p:extLst>
+  </p:cSld>
+  <p:clrMapOvr>
+    <a:masterClrMapping/>
+  </p:clrMapOvr>
+</p:sld>
+</file>
+
+<file path=ppt/slides/slide13.xml><?xml version="1.0" encoding="utf-8"?>
+<p:sld xmlns:a="http://schemas.openxmlformats.org/drawingml/2006/main" xmlns:r="http://schemas.openxmlformats.org/officeDocument/2006/relationships" xmlns:p="http://schemas.openxmlformats.org/presentationml/2006/main">
+  <p:cSld>
+    <p:spTree>
+      <p:nvGrpSpPr>
+        <p:cNvPr id="1" name=""/>
+        <p:cNvGrpSpPr/>
+        <p:nvPr/>
+      </p:nvGrpSpPr>
+      <p:grpSpPr>
+        <a:xfrm>
+          <a:off x="0" y="0"/>
+          <a:ext cx="0" cy="0"/>
+          <a:chOff x="0" y="0"/>
+          <a:chExt cx="0" cy="0"/>
+        </a:xfrm>
+      </p:grpSpPr>
+      <p:grpSp>
+        <p:nvGrpSpPr>
+          <p:cNvPr id="1001" name="그룹 1001"/>
+          <p:cNvGrpSpPr/>
+          <p:nvPr/>
+        </p:nvGrpSpPr>
+        <p:grpSpPr>
+          <a:xfrm>
+            <a:off x="16363967" y="-482985"/>
+            <a:ext cx="1921747" cy="11251683"/>
+            <a:chOff x="16363967" y="-482985"/>
+            <a:chExt cx="1921747" cy="11251683"/>
+          </a:xfrm>
+        </p:grpSpPr>
+        <p:pic>
+          <p:nvPicPr>
+            <p:cNvPr id="3" name="Object 2"/>
+            <p:cNvPicPr>
+              <a:picLocks noChangeAspect="1"/>
+            </p:cNvPicPr>
+            <p:nvPr/>
+          </p:nvPicPr>
+          <p:blipFill>
+            <a:blip r:embed="rId2" cstate="print"/>
+            <a:stretch>
+              <a:fillRect/>
+            </a:stretch>
+          </p:blipFill>
+          <p:spPr>
+            <a:xfrm>
+              <a:off x="16363967" y="-482985"/>
+              <a:ext cx="1921747" cy="11251683"/>
+            </a:xfrm>
+            <a:prstGeom prst="rect">
+              <a:avLst/>
+            </a:prstGeom>
+          </p:spPr>
+        </p:pic>
+      </p:grpSp>
+      <p:sp>
+        <p:nvSpPr>
+          <p:cNvPr id="7" name="Object 7"/>
+          <p:cNvSpPr txBox="1"/>
+          <p:nvPr/>
+        </p:nvSpPr>
+        <p:spPr>
+          <a:xfrm rot="5400000">
+            <a:off x="12885688" y="4981274"/>
+            <a:ext cx="8988158" cy="323165"/>
+          </a:xfrm>
+          <a:prstGeom prst="rect">
+            <a:avLst/>
+          </a:prstGeom>
+          <a:noFill/>
+        </p:spPr>
+        <p:txBody>
+          <a:bodyPr wrap="square" rtlCol="0" anchor="ctr">
+            <a:spAutoFit/>
+          </a:bodyPr>
+          <a:lstStyle/>
+          <a:p>
+            <a:pPr algn="ctr"/>
+            <a:r>
+              <a:rPr lang="en-US" sz="1500" b="1" dirty="0">
+                <a:solidFill>
+                  <a:srgbClr val="FFFFFF"/>
+                </a:solidFill>
+                <a:latin typeface="Gmarket Sans Light" pitchFamily="34" charset="0"/>
+              </a:rPr>
+              <a:t>MUST - EAT</a:t>
+            </a:r>
+            <a:endParaRPr lang="en-US" dirty="0"/>
+          </a:p>
+        </p:txBody>
+      </p:sp>
+      <p:sp>
+        <p:nvSpPr>
+          <p:cNvPr id="8" name="Object 2">
+            <a:extLst>
+              <a:ext uri="{FF2B5EF4-FFF2-40B4-BE49-F238E27FC236}">
+                <a16:creationId xmlns:a16="http://schemas.microsoft.com/office/drawing/2014/main" id="{38F5CBBE-F1AF-472D-BAD3-B9FD25F1540D}"/>
+              </a:ext>
+            </a:extLst>
+          </p:cNvPr>
+          <p:cNvSpPr txBox="1"/>
+          <p:nvPr/>
+        </p:nvSpPr>
+        <p:spPr>
+          <a:xfrm>
+            <a:off x="746650" y="648777"/>
+            <a:ext cx="9735757" cy="707886"/>
+          </a:xfrm>
+          <a:prstGeom prst="rect">
+            <a:avLst/>
+          </a:prstGeom>
+          <a:noFill/>
+        </p:spPr>
+        <p:txBody>
+          <a:bodyPr wrap="square" rtlCol="0" anchor="t">
+            <a:spAutoFit/>
+          </a:bodyPr>
+          <a:lstStyle/>
+          <a:p>
+            <a:r>
+              <a:rPr lang="en-US" sz="4000" dirty="0">
+                <a:solidFill>
+                  <a:srgbClr val="000000"/>
+                </a:solidFill>
+                <a:latin typeface="Gmarket Sans Medium" pitchFamily="34" charset="0"/>
+                <a:cs typeface="Gmarket Sans Medium" pitchFamily="34" charset="0"/>
+              </a:rPr>
               <a:t>9.</a:t>
             </a:r>
             <a:r>
@@ -4268,7 +9613,13 @@
       </p:sp>
       <p:pic>
         <p:nvPicPr>
-          <p:cNvPr id="10" name="그림 9"/>
+          <p:cNvPr id="4" name="그림 3">
+            <a:extLst>
+              <a:ext uri="{FF2B5EF4-FFF2-40B4-BE49-F238E27FC236}">
+                <a16:creationId xmlns:a16="http://schemas.microsoft.com/office/drawing/2014/main" id="{9F752545-4B70-400C-A789-8C6F47F04CF0}"/>
+              </a:ext>
+            </a:extLst>
+          </p:cNvPr>
           <p:cNvPicPr>
             <a:picLocks noChangeAspect="1"/>
           </p:cNvPicPr>
@@ -4288,8 +9639,8 @@
         </p:blipFill>
         <p:spPr>
           <a:xfrm>
-            <a:off x="746650" y="1670846"/>
-            <a:ext cx="14872953" cy="7966090"/>
+            <a:off x="634573" y="1485900"/>
+            <a:ext cx="15302286" cy="8305800"/>
           </a:xfrm>
           <a:prstGeom prst="rect">
             <a:avLst/>
@@ -4309,7 +9660,7 @@
 </p:sld>
 </file>
 
-<file path=ppt/slides/slide13.xml><?xml version="1.0" encoding="utf-8"?>
+<file path=ppt/slides/slide14.xml><?xml version="1.0" encoding="utf-8"?>
 <p:sld xmlns:a="http://schemas.openxmlformats.org/drawingml/2006/main" xmlns:r="http://schemas.openxmlformats.org/officeDocument/2006/relationships" xmlns:p="http://schemas.openxmlformats.org/presentationml/2006/main">
   <p:cSld name="Slide 13">
     <p:bg>
@@ -4334,667 +9685,6 @@
           <a:chExt cx="0" cy="0"/>
         </a:xfrm>
       </p:grpSpPr>
-      <p:sp>
-        <p:nvSpPr>
-          <p:cNvPr id="2" name="Object 2"/>
-          <p:cNvSpPr txBox="1"/>
-          <p:nvPr/>
-        </p:nvSpPr>
-        <p:spPr>
-          <a:xfrm>
-            <a:off x="941051" y="863422"/>
-            <a:ext cx="10016995" cy="4376766"/>
-          </a:xfrm>
-          <a:prstGeom prst="rect">
-            <a:avLst/>
-          </a:prstGeom>
-          <a:noFill/>
-        </p:spPr>
-        <p:txBody>
-          <a:bodyPr wrap="square" rtlCol="0" anchor="t">
-            <a:spAutoFit/>
-          </a:bodyPr>
-          <a:lstStyle/>
-          <a:p>
-            <a:r>
-              <a:rPr lang="en-US" sz="5600" kern="0" spc="200" dirty="0">
-                <a:solidFill>
-                  <a:srgbClr val="000000"/>
-                </a:solidFill>
-                <a:latin typeface="Gmarket Sans Bold" pitchFamily="34" charset="0"/>
-                <a:cs typeface="Gmarket Sans Bold" pitchFamily="34" charset="0"/>
-              </a:rPr>
-              <a:t>YEARLY</a:t>
-            </a:r>
-          </a:p>
-          <a:p>
-            <a:r>
-              <a:rPr lang="en-US" sz="5600" kern="0" spc="200" dirty="0">
-                <a:solidFill>
-                  <a:srgbClr val="0181D8"/>
-                </a:solidFill>
-                <a:latin typeface="Gmarket Sans Bold" pitchFamily="34" charset="0"/>
-                <a:cs typeface="Gmarket Sans Bold" pitchFamily="34" charset="0"/>
-              </a:rPr>
-              <a:t>GROWTH</a:t>
-            </a:r>
-          </a:p>
-          <a:p>
-            <a:r>
-              <a:rPr lang="en-US" sz="5600" kern="0" spc="200" dirty="0">
-                <a:solidFill>
-                  <a:srgbClr val="000000"/>
-                </a:solidFill>
-                <a:latin typeface="Gmarket Sans Bold" pitchFamily="34" charset="0"/>
-                <a:cs typeface="Gmarket Sans Bold" pitchFamily="34" charset="0"/>
-              </a:rPr>
-              <a:t>HIGHLIGHTS</a:t>
-            </a:r>
-            <a:endParaRPr lang="en-US" dirty="0"/>
-          </a:p>
-        </p:txBody>
-      </p:sp>
-      <p:sp>
-        <p:nvSpPr>
-          <p:cNvPr id="3" name="Object 3"/>
-          <p:cNvSpPr txBox="1"/>
-          <p:nvPr/>
-        </p:nvSpPr>
-        <p:spPr>
-          <a:xfrm>
-            <a:off x="955609" y="6592099"/>
-            <a:ext cx="8988158" cy="2864690"/>
-          </a:xfrm>
-          <a:prstGeom prst="rect">
-            <a:avLst/>
-          </a:prstGeom>
-          <a:noFill/>
-        </p:spPr>
-        <p:txBody>
-          <a:bodyPr wrap="square" rtlCol="0" anchor="t">
-            <a:spAutoFit/>
-          </a:bodyPr>
-          <a:lstStyle/>
-          <a:p>
-            <a:r>
-              <a:rPr lang="en-US" sz="1600" b="1" dirty="0">
-                <a:solidFill>
-                  <a:srgbClr val="000000"/>
-                </a:solidFill>
-                <a:latin typeface="Gmarket Sans Light" pitchFamily="34" charset="0"/>
-                <a:cs typeface="Gmarket Sans Light" pitchFamily="34" charset="0"/>
-              </a:rPr>
-              <a:t>세부사항을 입력해주세요</a:t>
-            </a:r>
-          </a:p>
-          <a:p>
-            <a:r>
-              <a:rPr lang="en-US" sz="1600" b="1" dirty="0">
-                <a:solidFill>
-                  <a:srgbClr val="000000"/>
-                </a:solidFill>
-                <a:latin typeface="Gmarket Sans Light" pitchFamily="34" charset="0"/>
-                <a:cs typeface="Gmarket Sans Light" pitchFamily="34" charset="0"/>
-              </a:rPr>
-              <a:t>폰트는 G마켓 산스 LIGHT에 볼드효과를</a:t>
-            </a:r>
-          </a:p>
-          <a:p>
-            <a:r>
-              <a:rPr lang="en-US" sz="1600" b="1" dirty="0">
-                <a:solidFill>
-                  <a:srgbClr val="000000"/>
-                </a:solidFill>
-                <a:latin typeface="Gmarket Sans Light" pitchFamily="34" charset="0"/>
-                <a:cs typeface="Gmarket Sans Light" pitchFamily="34" charset="0"/>
-              </a:rPr>
-              <a:t>주었습니다. 폰트 사이즈는 15입니다.</a:t>
-            </a:r>
-          </a:p>
-          <a:p>
-            <a:r>
-              <a:rPr lang="en-US" sz="1600" b="1" dirty="0">
-                <a:solidFill>
-                  <a:srgbClr val="000000"/>
-                </a:solidFill>
-                <a:latin typeface="Gmarket Sans Light" pitchFamily="34" charset="0"/>
-                <a:cs typeface="Gmarket Sans Light" pitchFamily="34" charset="0"/>
-              </a:rPr>
-              <a:t>글줄은 4줄에서 6줄을 적어주시면</a:t>
-            </a:r>
-          </a:p>
-          <a:p>
-            <a:r>
-              <a:rPr lang="en-US" sz="1600" b="1" dirty="0">
-                <a:solidFill>
-                  <a:srgbClr val="000000"/>
-                </a:solidFill>
-                <a:latin typeface="Gmarket Sans Light" pitchFamily="34" charset="0"/>
-                <a:cs typeface="Gmarket Sans Light" pitchFamily="34" charset="0"/>
-              </a:rPr>
-              <a:t>가장 안정적으로 보입니다.</a:t>
-            </a:r>
-            <a:endParaRPr lang="en-US" dirty="0"/>
-          </a:p>
-        </p:txBody>
-      </p:sp>
-      <p:grpSp>
-        <p:nvGrpSpPr>
-          <p:cNvPr id="1001" name="그룹 1001"/>
-          <p:cNvGrpSpPr/>
-          <p:nvPr/>
-        </p:nvGrpSpPr>
-        <p:grpSpPr>
-          <a:xfrm>
-            <a:off x="3933333" y="5133882"/>
-            <a:ext cx="10419048" cy="151285"/>
-            <a:chOff x="3933333" y="5133882"/>
-            <a:chExt cx="10419048" cy="151285"/>
-          </a:xfrm>
-        </p:grpSpPr>
-        <p:pic>
-          <p:nvPicPr>
-            <p:cNvPr id="5" name="Object 4"/>
-            <p:cNvPicPr>
-              <a:picLocks noChangeAspect="1"/>
-            </p:cNvPicPr>
-            <p:nvPr/>
-          </p:nvPicPr>
-          <p:blipFill>
-            <a:blip r:embed="rId2" cstate="print"/>
-            <a:stretch>
-              <a:fillRect/>
-            </a:stretch>
-          </p:blipFill>
-          <p:spPr>
-            <a:xfrm rot="-5400000">
-              <a:off x="3933333" y="5133882"/>
-              <a:ext cx="10419048" cy="151285"/>
-            </a:xfrm>
-            <a:prstGeom prst="rect">
-              <a:avLst/>
-            </a:prstGeom>
-          </p:spPr>
-        </p:pic>
-      </p:grpSp>
-      <p:grpSp>
-        <p:nvGrpSpPr>
-          <p:cNvPr id="1002" name="그룹 1002"/>
-          <p:cNvGrpSpPr/>
-          <p:nvPr/>
-        </p:nvGrpSpPr>
-        <p:grpSpPr>
-          <a:xfrm>
-            <a:off x="9062523" y="1856372"/>
-            <a:ext cx="160669" cy="160669"/>
-            <a:chOff x="9062523" y="1856372"/>
-            <a:chExt cx="160669" cy="160669"/>
-          </a:xfrm>
-        </p:grpSpPr>
-        <p:pic>
-          <p:nvPicPr>
-            <p:cNvPr id="8" name="Object 7"/>
-            <p:cNvPicPr>
-              <a:picLocks noChangeAspect="1"/>
-            </p:cNvPicPr>
-            <p:nvPr/>
-          </p:nvPicPr>
-          <p:blipFill>
-            <a:blip r:embed="rId3" cstate="print"/>
-            <a:stretch>
-              <a:fillRect/>
-            </a:stretch>
-          </p:blipFill>
-          <p:spPr>
-            <a:xfrm>
-              <a:off x="9062523" y="1856372"/>
-              <a:ext cx="160669" cy="160669"/>
-            </a:xfrm>
-            <a:prstGeom prst="rect">
-              <a:avLst/>
-            </a:prstGeom>
-          </p:spPr>
-        </p:pic>
-      </p:grpSp>
-      <p:grpSp>
-        <p:nvGrpSpPr>
-          <p:cNvPr id="1003" name="그룹 1003"/>
-          <p:cNvGrpSpPr/>
-          <p:nvPr/>
-        </p:nvGrpSpPr>
-        <p:grpSpPr>
-          <a:xfrm>
-            <a:off x="9062523" y="4530592"/>
-            <a:ext cx="160669" cy="160669"/>
-            <a:chOff x="9062523" y="4530592"/>
-            <a:chExt cx="160669" cy="160669"/>
-          </a:xfrm>
-        </p:grpSpPr>
-        <p:pic>
-          <p:nvPicPr>
-            <p:cNvPr id="11" name="Object 10"/>
-            <p:cNvPicPr>
-              <a:picLocks noChangeAspect="1"/>
-            </p:cNvPicPr>
-            <p:nvPr/>
-          </p:nvPicPr>
-          <p:blipFill>
-            <a:blip r:embed="rId3" cstate="print"/>
-            <a:stretch>
-              <a:fillRect/>
-            </a:stretch>
-          </p:blipFill>
-          <p:spPr>
-            <a:xfrm>
-              <a:off x="9062523" y="4530592"/>
-              <a:ext cx="160669" cy="160669"/>
-            </a:xfrm>
-            <a:prstGeom prst="rect">
-              <a:avLst/>
-            </a:prstGeom>
-          </p:spPr>
-        </p:pic>
-      </p:grpSp>
-      <p:grpSp>
-        <p:nvGrpSpPr>
-          <p:cNvPr id="1004" name="그룹 1004"/>
-          <p:cNvGrpSpPr/>
-          <p:nvPr/>
-        </p:nvGrpSpPr>
-        <p:grpSpPr>
-          <a:xfrm>
-            <a:off x="9062523" y="7204813"/>
-            <a:ext cx="160669" cy="160669"/>
-            <a:chOff x="9062523" y="7204813"/>
-            <a:chExt cx="160669" cy="160669"/>
-          </a:xfrm>
-        </p:grpSpPr>
-        <p:pic>
-          <p:nvPicPr>
-            <p:cNvPr id="14" name="Object 13"/>
-            <p:cNvPicPr>
-              <a:picLocks noChangeAspect="1"/>
-            </p:cNvPicPr>
-            <p:nvPr/>
-          </p:nvPicPr>
-          <p:blipFill>
-            <a:blip r:embed="rId3" cstate="print"/>
-            <a:stretch>
-              <a:fillRect/>
-            </a:stretch>
-          </p:blipFill>
-          <p:spPr>
-            <a:xfrm>
-              <a:off x="9062523" y="7204813"/>
-              <a:ext cx="160669" cy="160669"/>
-            </a:xfrm>
-            <a:prstGeom prst="rect">
-              <a:avLst/>
-            </a:prstGeom>
-          </p:spPr>
-        </p:pic>
-      </p:grpSp>
-      <p:sp>
-        <p:nvSpPr>
-          <p:cNvPr id="16" name="Object 16"/>
-          <p:cNvSpPr txBox="1"/>
-          <p:nvPr/>
-        </p:nvSpPr>
-        <p:spPr>
-          <a:xfrm>
-            <a:off x="13863202" y="7811734"/>
-            <a:ext cx="3474988" cy="1199970"/>
-          </a:xfrm>
-          <a:prstGeom prst="rect">
-            <a:avLst/>
-          </a:prstGeom>
-          <a:noFill/>
-        </p:spPr>
-        <p:txBody>
-          <a:bodyPr wrap="square" rtlCol="0" anchor="b">
-            <a:spAutoFit/>
-          </a:bodyPr>
-          <a:lstStyle/>
-          <a:p>
-            <a:pPr algn="r"/>
-            <a:r>
-              <a:rPr lang="en-US" sz="4500" kern="0" spc="700" dirty="0">
-                <a:solidFill>
-                  <a:srgbClr val="000000"/>
-                </a:solidFill>
-                <a:latin typeface="Gmarket Sans Bold" pitchFamily="34" charset="0"/>
-                <a:cs typeface="Gmarket Sans Bold" pitchFamily="34" charset="0"/>
-              </a:rPr>
-              <a:t>12</a:t>
-            </a:r>
-            <a:endParaRPr lang="en-US" dirty="0"/>
-          </a:p>
-        </p:txBody>
-      </p:sp>
-      <p:sp>
-        <p:nvSpPr>
-          <p:cNvPr id="17" name="Object 17"/>
-          <p:cNvSpPr txBox="1"/>
-          <p:nvPr/>
-        </p:nvSpPr>
-        <p:spPr>
-          <a:xfrm>
-            <a:off x="9530436" y="1695239"/>
-            <a:ext cx="1675775" cy="799980"/>
-          </a:xfrm>
-          <a:prstGeom prst="rect">
-            <a:avLst/>
-          </a:prstGeom>
-          <a:noFill/>
-        </p:spPr>
-        <p:txBody>
-          <a:bodyPr wrap="square" rtlCol="0" anchor="t">
-            <a:spAutoFit/>
-          </a:bodyPr>
-          <a:lstStyle/>
-          <a:p>
-            <a:r>
-              <a:rPr lang="en-US" sz="3000" kern="0" spc="100" dirty="0">
-                <a:solidFill>
-                  <a:srgbClr val="000000"/>
-                </a:solidFill>
-                <a:latin typeface="Gmarket Sans Bold" pitchFamily="34" charset="0"/>
-                <a:cs typeface="Gmarket Sans Bold" pitchFamily="34" charset="0"/>
-              </a:rPr>
-              <a:t>2018</a:t>
-            </a:r>
-            <a:endParaRPr lang="en-US" dirty="0"/>
-          </a:p>
-        </p:txBody>
-      </p:sp>
-      <p:sp>
-        <p:nvSpPr>
-          <p:cNvPr id="18" name="Object 18"/>
-          <p:cNvSpPr txBox="1"/>
-          <p:nvPr/>
-        </p:nvSpPr>
-        <p:spPr>
-          <a:xfrm>
-            <a:off x="9530436" y="4322233"/>
-            <a:ext cx="1704347" cy="799980"/>
-          </a:xfrm>
-          <a:prstGeom prst="rect">
-            <a:avLst/>
-          </a:prstGeom>
-          <a:noFill/>
-        </p:spPr>
-        <p:txBody>
-          <a:bodyPr wrap="square" rtlCol="0" anchor="t">
-            <a:spAutoFit/>
-          </a:bodyPr>
-          <a:lstStyle/>
-          <a:p>
-            <a:r>
-              <a:rPr lang="en-US" sz="3000" kern="0" spc="100" dirty="0">
-                <a:solidFill>
-                  <a:srgbClr val="000000"/>
-                </a:solidFill>
-                <a:latin typeface="Gmarket Sans Bold" pitchFamily="34" charset="0"/>
-                <a:cs typeface="Gmarket Sans Bold" pitchFamily="34" charset="0"/>
-              </a:rPr>
-              <a:t>2019</a:t>
-            </a:r>
-            <a:endParaRPr lang="en-US" dirty="0"/>
-          </a:p>
-        </p:txBody>
-      </p:sp>
-      <p:sp>
-        <p:nvSpPr>
-          <p:cNvPr id="19" name="Object 19"/>
-          <p:cNvSpPr txBox="1"/>
-          <p:nvPr/>
-        </p:nvSpPr>
-        <p:spPr>
-          <a:xfrm>
-            <a:off x="9530436" y="7055592"/>
-            <a:ext cx="1847204" cy="799980"/>
-          </a:xfrm>
-          <a:prstGeom prst="rect">
-            <a:avLst/>
-          </a:prstGeom>
-          <a:noFill/>
-        </p:spPr>
-        <p:txBody>
-          <a:bodyPr wrap="square" rtlCol="0" anchor="t">
-            <a:spAutoFit/>
-          </a:bodyPr>
-          <a:lstStyle/>
-          <a:p>
-            <a:r>
-              <a:rPr lang="en-US" sz="3000" kern="0" spc="100" dirty="0">
-                <a:solidFill>
-                  <a:srgbClr val="0181D8"/>
-                </a:solidFill>
-                <a:latin typeface="Gmarket Sans Bold" pitchFamily="34" charset="0"/>
-                <a:cs typeface="Gmarket Sans Bold" pitchFamily="34" charset="0"/>
-              </a:rPr>
-              <a:t>2020</a:t>
-            </a:r>
-            <a:endParaRPr lang="en-US" dirty="0"/>
-          </a:p>
-        </p:txBody>
-      </p:sp>
-      <p:sp>
-        <p:nvSpPr>
-          <p:cNvPr id="20" name="Object 20"/>
-          <p:cNvSpPr txBox="1"/>
-          <p:nvPr/>
-        </p:nvSpPr>
-        <p:spPr>
-          <a:xfrm>
-            <a:off x="10953025" y="1719048"/>
-            <a:ext cx="8988158" cy="2114233"/>
-          </a:xfrm>
-          <a:prstGeom prst="rect">
-            <a:avLst/>
-          </a:prstGeom>
-          <a:noFill/>
-        </p:spPr>
-        <p:txBody>
-          <a:bodyPr wrap="square" rtlCol="0" anchor="t">
-            <a:spAutoFit/>
-          </a:bodyPr>
-          <a:lstStyle/>
-          <a:p>
-            <a:r>
-              <a:rPr lang="en-US" sz="1500" b="1" dirty="0">
-                <a:solidFill>
-                  <a:srgbClr val="000000"/>
-                </a:solidFill>
-                <a:latin typeface="Gmarket Sans Light" pitchFamily="34" charset="0"/>
-                <a:cs typeface="Gmarket Sans Light" pitchFamily="34" charset="0"/>
-              </a:rPr>
-              <a:t>세부사항을 입력해주세요</a:t>
-            </a:r>
-          </a:p>
-          <a:p>
-            <a:r>
-              <a:rPr lang="en-US" sz="1500" b="1" dirty="0">
-                <a:solidFill>
-                  <a:srgbClr val="000000"/>
-                </a:solidFill>
-                <a:latin typeface="Gmarket Sans Light" pitchFamily="34" charset="0"/>
-                <a:cs typeface="Gmarket Sans Light" pitchFamily="34" charset="0"/>
-              </a:rPr>
-              <a:t>폰트는 G마켓 산스 LIGHT에 볼드효과를</a:t>
-            </a:r>
-          </a:p>
-          <a:p>
-            <a:r>
-              <a:rPr lang="en-US" sz="1500" b="1" dirty="0">
-                <a:solidFill>
-                  <a:srgbClr val="000000"/>
-                </a:solidFill>
-                <a:latin typeface="Gmarket Sans Light" pitchFamily="34" charset="0"/>
-                <a:cs typeface="Gmarket Sans Light" pitchFamily="34" charset="0"/>
-              </a:rPr>
-              <a:t>주었습니다. 폰트 사이즈는 15입니다.</a:t>
-            </a:r>
-          </a:p>
-          <a:p>
-            <a:r>
-              <a:rPr lang="en-US" sz="1500" b="1" dirty="0">
-                <a:solidFill>
-                  <a:srgbClr val="000000"/>
-                </a:solidFill>
-                <a:latin typeface="Gmarket Sans Light" pitchFamily="34" charset="0"/>
-                <a:cs typeface="Gmarket Sans Light" pitchFamily="34" charset="0"/>
-              </a:rPr>
-              <a:t>글줄은 2줄에서 3줄을 적어주시면 가장 안정적으로 보입니다.</a:t>
-            </a:r>
-            <a:endParaRPr lang="en-US" dirty="0"/>
-          </a:p>
-        </p:txBody>
-      </p:sp>
-      <p:sp>
-        <p:nvSpPr>
-          <p:cNvPr id="21" name="Object 21"/>
-          <p:cNvSpPr txBox="1"/>
-          <p:nvPr/>
-        </p:nvSpPr>
-        <p:spPr>
-          <a:xfrm>
-            <a:off x="10953025" y="4399225"/>
-            <a:ext cx="8988158" cy="2114233"/>
-          </a:xfrm>
-          <a:prstGeom prst="rect">
-            <a:avLst/>
-          </a:prstGeom>
-          <a:noFill/>
-        </p:spPr>
-        <p:txBody>
-          <a:bodyPr wrap="square" rtlCol="0" anchor="t">
-            <a:spAutoFit/>
-          </a:bodyPr>
-          <a:lstStyle/>
-          <a:p>
-            <a:r>
-              <a:rPr lang="en-US" sz="1500" b="1" dirty="0">
-                <a:solidFill>
-                  <a:srgbClr val="000000"/>
-                </a:solidFill>
-                <a:latin typeface="Gmarket Sans Light" pitchFamily="34" charset="0"/>
-                <a:cs typeface="Gmarket Sans Light" pitchFamily="34" charset="0"/>
-              </a:rPr>
-              <a:t>세부사항을 입력해주세요</a:t>
-            </a:r>
-          </a:p>
-          <a:p>
-            <a:r>
-              <a:rPr lang="en-US" sz="1500" b="1" dirty="0">
-                <a:solidFill>
-                  <a:srgbClr val="000000"/>
-                </a:solidFill>
-                <a:latin typeface="Gmarket Sans Light" pitchFamily="34" charset="0"/>
-                <a:cs typeface="Gmarket Sans Light" pitchFamily="34" charset="0"/>
-              </a:rPr>
-              <a:t>폰트는 G마켓 산스 LIGHT에 볼드효과를</a:t>
-            </a:r>
-          </a:p>
-          <a:p>
-            <a:r>
-              <a:rPr lang="en-US" sz="1500" b="1" dirty="0">
-                <a:solidFill>
-                  <a:srgbClr val="000000"/>
-                </a:solidFill>
-                <a:latin typeface="Gmarket Sans Light" pitchFamily="34" charset="0"/>
-                <a:cs typeface="Gmarket Sans Light" pitchFamily="34" charset="0"/>
-              </a:rPr>
-              <a:t>주었습니다. 폰트 사이즈는 15입니다.</a:t>
-            </a:r>
-          </a:p>
-          <a:p>
-            <a:r>
-              <a:rPr lang="en-US" sz="1500" b="1" dirty="0">
-                <a:solidFill>
-                  <a:srgbClr val="000000"/>
-                </a:solidFill>
-                <a:latin typeface="Gmarket Sans Light" pitchFamily="34" charset="0"/>
-                <a:cs typeface="Gmarket Sans Light" pitchFamily="34" charset="0"/>
-              </a:rPr>
-              <a:t>글줄은 2줄에서 3줄을 적어주시면 가장 안정적으로 보입니다.</a:t>
-            </a:r>
-            <a:endParaRPr lang="en-US" dirty="0"/>
-          </a:p>
-        </p:txBody>
-      </p:sp>
-      <p:sp>
-        <p:nvSpPr>
-          <p:cNvPr id="22" name="Object 22"/>
-          <p:cNvSpPr txBox="1"/>
-          <p:nvPr/>
-        </p:nvSpPr>
-        <p:spPr>
-          <a:xfrm>
-            <a:off x="10953025" y="7079401"/>
-            <a:ext cx="8988158" cy="2114233"/>
-          </a:xfrm>
-          <a:prstGeom prst="rect">
-            <a:avLst/>
-          </a:prstGeom>
-          <a:noFill/>
-        </p:spPr>
-        <p:txBody>
-          <a:bodyPr wrap="square" rtlCol="0" anchor="t">
-            <a:spAutoFit/>
-          </a:bodyPr>
-          <a:lstStyle/>
-          <a:p>
-            <a:r>
-              <a:rPr lang="en-US" sz="1500" b="1" dirty="0">
-                <a:solidFill>
-                  <a:srgbClr val="000000"/>
-                </a:solidFill>
-                <a:latin typeface="Gmarket Sans Light" pitchFamily="34" charset="0"/>
-                <a:cs typeface="Gmarket Sans Light" pitchFamily="34" charset="0"/>
-              </a:rPr>
-              <a:t>세부사항을 입력해주세요</a:t>
-            </a:r>
-          </a:p>
-          <a:p>
-            <a:r>
-              <a:rPr lang="en-US" sz="1500" b="1" dirty="0">
-                <a:solidFill>
-                  <a:srgbClr val="000000"/>
-                </a:solidFill>
-                <a:latin typeface="Gmarket Sans Light" pitchFamily="34" charset="0"/>
-                <a:cs typeface="Gmarket Sans Light" pitchFamily="34" charset="0"/>
-              </a:rPr>
-              <a:t>폰트는 G마켓 산스 LIGHT에 볼드효과를</a:t>
-            </a:r>
-          </a:p>
-          <a:p>
-            <a:r>
-              <a:rPr lang="en-US" sz="1500" b="1" dirty="0">
-                <a:solidFill>
-                  <a:srgbClr val="000000"/>
-                </a:solidFill>
-                <a:latin typeface="Gmarket Sans Light" pitchFamily="34" charset="0"/>
-                <a:cs typeface="Gmarket Sans Light" pitchFamily="34" charset="0"/>
-              </a:rPr>
-              <a:t>주었습니다. 폰트 사이즈는 15입니다.</a:t>
-            </a:r>
-          </a:p>
-          <a:p>
-            <a:r>
-              <a:rPr lang="en-US" sz="1500" b="1" dirty="0">
-                <a:solidFill>
-                  <a:srgbClr val="000000"/>
-                </a:solidFill>
-                <a:latin typeface="Gmarket Sans Light" pitchFamily="34" charset="0"/>
-                <a:cs typeface="Gmarket Sans Light" pitchFamily="34" charset="0"/>
-              </a:rPr>
-              <a:t>글줄은 2줄에서 3줄을 적어주시면 가장 안정적으로 보입니다.</a:t>
-            </a:r>
-            <a:endParaRPr lang="en-US" dirty="0"/>
-          </a:p>
-        </p:txBody>
-      </p:sp>
     </p:spTree>
   </p:cSld>
   <p:clrMapOvr>
@@ -10861,8 +15551,8 @@
         </p:nvSpPr>
         <p:spPr>
           <a:xfrm>
-            <a:off x="9163309" y="7872331"/>
-            <a:ext cx="685800" cy="707886"/>
+            <a:off x="9134943" y="7877928"/>
+            <a:ext cx="968738" cy="707886"/>
           </a:xfrm>
           <a:prstGeom prst="rect">
             <a:avLst/>
@@ -10896,8 +15586,12 @@
           <a:p>
             <a:pPr algn="ctr"/>
             <a:r>
+              <a:rPr lang="ko-KR" altLang="en-US" dirty="0" err="1"/>
+              <a:t>한줄평</a:t>
+            </a:r>
+            <a:r>
               <a:rPr lang="ko-KR" altLang="en-US" dirty="0"/>
-              <a:t>수정삭제</a:t>
+              <a:t> 삭제 </a:t>
             </a:r>
           </a:p>
         </p:txBody>
@@ -10920,8 +15614,8 @@
         </p:nvCxnSpPr>
         <p:spPr>
           <a:xfrm rot="16200000" flipH="1">
-            <a:off x="8542114" y="6908236"/>
-            <a:ext cx="1197590" cy="730599"/>
+            <a:off x="8595868" y="6854483"/>
+            <a:ext cx="1203187" cy="843702"/>
           </a:xfrm>
           <a:prstGeom prst="bentConnector3">
             <a:avLst>
@@ -13835,7 +18529,7 @@
                 </a:solidFill>
                 <a:latin typeface="+mn-ea"/>
               </a:rPr>
-              <a:t>한 줄 평에 대해선 추천과 비추천을 누를 수 있다</a:t>
+              <a:t>한 줄 평에 대하여 추천과 비추천을 누를 수 있다</a:t>
             </a:r>
             <a:r>
               <a:rPr lang="en-US" altLang="ko-KR" dirty="0">
@@ -13862,7 +18556,7 @@
                 </a:solidFill>
                 <a:latin typeface="+mn-ea"/>
               </a:rPr>
-              <a:t>자유 게시판 글 작성과 성세 보기가 가능하며</a:t>
+              <a:t>자유 게시판 글 작성과 상세 보기가 가능하며</a:t>
             </a:r>
             <a:r>
               <a:rPr lang="en-US" altLang="ko-KR" dirty="0">
@@ -13908,69 +18602,6 @@
                 <a:latin typeface="+mn-ea"/>
               </a:rPr>
               <a:t>게시판 글 검색은 제목과 본문 내용으로 검색이 가능하다</a:t>
-            </a:r>
-            <a:r>
-              <a:rPr lang="en-US" altLang="ko-KR" dirty="0">
-                <a:solidFill>
-                  <a:srgbClr val="464646"/>
-                </a:solidFill>
-                <a:latin typeface="+mn-ea"/>
-              </a:rPr>
-              <a:t>.</a:t>
-            </a:r>
-          </a:p>
-          <a:p>
-            <a:pPr marL="742950" lvl="1" indent="-285750">
-              <a:lnSpc>
-                <a:spcPct val="150000"/>
-              </a:lnSpc>
-              <a:buFontTx/>
-              <a:buChar char="-"/>
-            </a:pPr>
-            <a:r>
-              <a:rPr lang="ko-KR" altLang="en-US" dirty="0">
-                <a:solidFill>
-                  <a:srgbClr val="464646"/>
-                </a:solidFill>
-                <a:latin typeface="+mn-ea"/>
-              </a:rPr>
-              <a:t>등록된 맛집은 평점이 </a:t>
-            </a:r>
-            <a:r>
-              <a:rPr lang="en-US" altLang="ko-KR" dirty="0">
-                <a:solidFill>
-                  <a:srgbClr val="464646"/>
-                </a:solidFill>
-                <a:latin typeface="+mn-ea"/>
-              </a:rPr>
-              <a:t>4.5</a:t>
-            </a:r>
-            <a:r>
-              <a:rPr lang="ko-KR" altLang="en-US" dirty="0">
-                <a:solidFill>
-                  <a:srgbClr val="464646"/>
-                </a:solidFill>
-                <a:latin typeface="+mn-ea"/>
-              </a:rPr>
-              <a:t>점 이상이고</a:t>
-            </a:r>
-            <a:r>
-              <a:rPr lang="en-US" altLang="ko-KR" dirty="0">
-                <a:solidFill>
-                  <a:srgbClr val="464646"/>
-                </a:solidFill>
-                <a:latin typeface="+mn-ea"/>
-              </a:rPr>
-              <a:t> 5</a:t>
-            </a:r>
-            <a:r>
-              <a:rPr lang="ko-KR" altLang="en-US" dirty="0">
-                <a:solidFill>
-                  <a:srgbClr val="464646"/>
-                </a:solidFill>
-                <a:latin typeface="+mn-ea"/>
-              </a:rPr>
-              <a:t>명 이상이 평점을 등록했을 경우에 추천 맛집 리스트에 출력된다</a:t>
             </a:r>
             <a:r>
               <a:rPr lang="en-US" altLang="ko-KR" dirty="0">
